--- a/CS-6220/hw/Grad_Project/Paxos Algorithm.pptx
+++ b/CS-6220/hw/Grad_Project/Paxos Algorithm.pptx
@@ -2,31 +2,27 @@
 <file path=ppt/presentation.xml><?xml version="1.0" encoding="utf-8"?>
 <p:presentation xmlns:a="http://schemas.openxmlformats.org/drawingml/2006/main" xmlns:r="http://schemas.openxmlformats.org/officeDocument/2006/relationships" xmlns:p="http://schemas.openxmlformats.org/presentationml/2006/main" saveSubsetFonts="1">
   <p:sldMasterIdLst>
-    <p:sldMasterId id="2147483696" r:id="rId1"/>
+    <p:sldMasterId id="2147483708" r:id="rId1"/>
   </p:sldMasterIdLst>
   <p:notesMasterIdLst>
-    <p:notesMasterId r:id="rId18"/>
+    <p:notesMasterId r:id="rId14"/>
   </p:notesMasterIdLst>
   <p:handoutMasterIdLst>
-    <p:handoutMasterId r:id="rId19"/>
+    <p:handoutMasterId r:id="rId15"/>
   </p:handoutMasterIdLst>
   <p:sldIdLst>
     <p:sldId id="256" r:id="rId2"/>
     <p:sldId id="257" r:id="rId3"/>
     <p:sldId id="258" r:id="rId4"/>
-    <p:sldId id="259" r:id="rId5"/>
-    <p:sldId id="272" r:id="rId6"/>
-    <p:sldId id="261" r:id="rId7"/>
-    <p:sldId id="262" r:id="rId8"/>
-    <p:sldId id="271" r:id="rId9"/>
-    <p:sldId id="269" r:id="rId10"/>
-    <p:sldId id="263" r:id="rId11"/>
-    <p:sldId id="273" r:id="rId12"/>
-    <p:sldId id="264" r:id="rId13"/>
-    <p:sldId id="274" r:id="rId14"/>
-    <p:sldId id="265" r:id="rId15"/>
-    <p:sldId id="275" r:id="rId16"/>
-    <p:sldId id="267" r:id="rId17"/>
+    <p:sldId id="276" r:id="rId5"/>
+    <p:sldId id="259" r:id="rId6"/>
+    <p:sldId id="277" r:id="rId7"/>
+    <p:sldId id="278" r:id="rId8"/>
+    <p:sldId id="264" r:id="rId9"/>
+    <p:sldId id="274" r:id="rId10"/>
+    <p:sldId id="279" r:id="rId11"/>
+    <p:sldId id="275" r:id="rId12"/>
+    <p:sldId id="267" r:id="rId13"/>
   </p:sldIdLst>
   <p:sldSz cx="12192000" cy="6858000"/>
   <p:notesSz cx="6858000" cy="9144000"/>
@@ -34,7 +30,7 @@
     <a:defPPr>
       <a:defRPr lang="en-US"/>
     </a:defPPr>
-    <a:lvl1pPr marL="0" algn="l" defTabSz="914400" rtl="0" eaLnBrk="1" latinLnBrk="0" hangingPunct="1">
+    <a:lvl1pPr marL="0" algn="l" defTabSz="457200" rtl="0" eaLnBrk="1" latinLnBrk="0" hangingPunct="1">
       <a:defRPr sz="1800" kern="1200">
         <a:solidFill>
           <a:schemeClr val="tx1"/>
@@ -44,7 +40,7 @@
         <a:cs typeface="+mn-cs"/>
       </a:defRPr>
     </a:lvl1pPr>
-    <a:lvl2pPr marL="457200" algn="l" defTabSz="914400" rtl="0" eaLnBrk="1" latinLnBrk="0" hangingPunct="1">
+    <a:lvl2pPr marL="457200" algn="l" defTabSz="457200" rtl="0" eaLnBrk="1" latinLnBrk="0" hangingPunct="1">
       <a:defRPr sz="1800" kern="1200">
         <a:solidFill>
           <a:schemeClr val="tx1"/>
@@ -54,7 +50,7 @@
         <a:cs typeface="+mn-cs"/>
       </a:defRPr>
     </a:lvl2pPr>
-    <a:lvl3pPr marL="914400" algn="l" defTabSz="914400" rtl="0" eaLnBrk="1" latinLnBrk="0" hangingPunct="1">
+    <a:lvl3pPr marL="914400" algn="l" defTabSz="457200" rtl="0" eaLnBrk="1" latinLnBrk="0" hangingPunct="1">
       <a:defRPr sz="1800" kern="1200">
         <a:solidFill>
           <a:schemeClr val="tx1"/>
@@ -64,7 +60,7 @@
         <a:cs typeface="+mn-cs"/>
       </a:defRPr>
     </a:lvl3pPr>
-    <a:lvl4pPr marL="1371600" algn="l" defTabSz="914400" rtl="0" eaLnBrk="1" latinLnBrk="0" hangingPunct="1">
+    <a:lvl4pPr marL="1371600" algn="l" defTabSz="457200" rtl="0" eaLnBrk="1" latinLnBrk="0" hangingPunct="1">
       <a:defRPr sz="1800" kern="1200">
         <a:solidFill>
           <a:schemeClr val="tx1"/>
@@ -74,7 +70,7 @@
         <a:cs typeface="+mn-cs"/>
       </a:defRPr>
     </a:lvl4pPr>
-    <a:lvl5pPr marL="1828800" algn="l" defTabSz="914400" rtl="0" eaLnBrk="1" latinLnBrk="0" hangingPunct="1">
+    <a:lvl5pPr marL="1828800" algn="l" defTabSz="457200" rtl="0" eaLnBrk="1" latinLnBrk="0" hangingPunct="1">
       <a:defRPr sz="1800" kern="1200">
         <a:solidFill>
           <a:schemeClr val="tx1"/>
@@ -84,7 +80,7 @@
         <a:cs typeface="+mn-cs"/>
       </a:defRPr>
     </a:lvl5pPr>
-    <a:lvl6pPr marL="2286000" algn="l" defTabSz="914400" rtl="0" eaLnBrk="1" latinLnBrk="0" hangingPunct="1">
+    <a:lvl6pPr marL="2286000" algn="l" defTabSz="457200" rtl="0" eaLnBrk="1" latinLnBrk="0" hangingPunct="1">
       <a:defRPr sz="1800" kern="1200">
         <a:solidFill>
           <a:schemeClr val="tx1"/>
@@ -94,7 +90,7 @@
         <a:cs typeface="+mn-cs"/>
       </a:defRPr>
     </a:lvl6pPr>
-    <a:lvl7pPr marL="2743200" algn="l" defTabSz="914400" rtl="0" eaLnBrk="1" latinLnBrk="0" hangingPunct="1">
+    <a:lvl7pPr marL="2743200" algn="l" defTabSz="457200" rtl="0" eaLnBrk="1" latinLnBrk="0" hangingPunct="1">
       <a:defRPr sz="1800" kern="1200">
         <a:solidFill>
           <a:schemeClr val="tx1"/>
@@ -104,7 +100,7 @@
         <a:cs typeface="+mn-cs"/>
       </a:defRPr>
     </a:lvl7pPr>
-    <a:lvl8pPr marL="3200400" algn="l" defTabSz="914400" rtl="0" eaLnBrk="1" latinLnBrk="0" hangingPunct="1">
+    <a:lvl8pPr marL="3200400" algn="l" defTabSz="457200" rtl="0" eaLnBrk="1" latinLnBrk="0" hangingPunct="1">
       <a:defRPr sz="1800" kern="1200">
         <a:solidFill>
           <a:schemeClr val="tx1"/>
@@ -114,7 +110,7 @@
         <a:cs typeface="+mn-cs"/>
       </a:defRPr>
     </a:lvl8pPr>
-    <a:lvl9pPr marL="3657600" algn="l" defTabSz="914400" rtl="0" eaLnBrk="1" latinLnBrk="0" hangingPunct="1">
+    <a:lvl9pPr marL="3657600" algn="l" defTabSz="457200" rtl="0" eaLnBrk="1" latinLnBrk="0" hangingPunct="1">
       <a:defRPr sz="1800" kern="1200">
         <a:solidFill>
           <a:schemeClr val="tx1"/>
@@ -718,76 +714,70 @@
           <a:bodyPr/>
           <a:lstStyle/>
           <a:p>
-            <a:pPr marL="171450" marR="0" lvl="0" indent="-171450" algn="l" defTabSz="914400" rtl="0" eaLnBrk="1" fontAlgn="auto" latinLnBrk="0" hangingPunct="1">
-              <a:lnSpc>
-                <a:spcPct val="100000"/>
-              </a:lnSpc>
-              <a:spcBef>
-                <a:spcPts val="0"/>
-              </a:spcBef>
-              <a:spcAft>
-                <a:spcPts val="0"/>
-              </a:spcAft>
-              <a:buClrTx/>
-              <a:buSzTx/>
+            <a:pPr marL="171450" indent="-171450">
               <a:buFontTx/>
               <a:buChar char="-"/>
-              <a:tabLst/>
-              <a:defRPr/>
             </a:pPr>
             <a:r>
               <a:rPr lang="en-US" dirty="0"/>
-              <a:t>Attack can either be one of these parties or none of them</a:t>
-            </a:r>
-          </a:p>
-          <a:p>
-            <a:pPr marL="171450" marR="0" lvl="0" indent="-171450" algn="l" defTabSz="914400" rtl="0" eaLnBrk="1" fontAlgn="auto" latinLnBrk="0" hangingPunct="1">
-              <a:lnSpc>
-                <a:spcPct val="100000"/>
-              </a:lnSpc>
-              <a:spcBef>
-                <a:spcPts val="0"/>
-              </a:spcBef>
-              <a:spcAft>
-                <a:spcPts val="0"/>
-              </a:spcAft>
-              <a:buClrTx/>
-              <a:buSzTx/>
+              <a:t>80s (like everything) had a lot of development in distributed systems development. </a:t>
+            </a:r>
+          </a:p>
+          <a:p>
+            <a:pPr marL="628650" lvl="1" indent="-171450">
               <a:buFontTx/>
               <a:buChar char="-"/>
-              <a:tabLst/>
-              <a:defRPr/>
             </a:pPr>
             <a:r>
               <a:rPr lang="en-US" dirty="0"/>
-              <a:t>z = state variables (voltage angles) and meter measurements, H estimation function, x is the estimate</a:t>
-            </a:r>
-          </a:p>
-          <a:p>
-            <a:pPr marL="171450" marR="0" lvl="0" indent="-171450" algn="l" defTabSz="914400" rtl="0" eaLnBrk="1" fontAlgn="auto" latinLnBrk="0" hangingPunct="1">
-              <a:lnSpc>
-                <a:spcPct val="100000"/>
-              </a:lnSpc>
-              <a:spcBef>
-                <a:spcPts val="0"/>
-              </a:spcBef>
-              <a:spcAft>
-                <a:spcPts val="0"/>
-              </a:spcAft>
-              <a:buClrTx/>
-              <a:buSzTx/>
+              <a:t>Leslie made this paper in response to Echo, a fault-tolerant system </a:t>
+            </a:r>
+          </a:p>
+          <a:p>
+            <a:pPr marL="628650" lvl="1" indent="-171450">
               <a:buFontTx/>
               <a:buChar char="-"/>
-              <a:tabLst/>
-              <a:defRPr/>
             </a:pPr>
             <a:r>
               <a:rPr lang="en-US" dirty="0"/>
-              <a:t>Chen paper focuses on Space time considerations and training ML to see load balance</a:t>
-            </a:r>
-          </a:p>
-          <a:p>
-            <a:endParaRPr lang="en-US" dirty="0"/>
+              <a:t>Follows the story of the Greek island of </a:t>
+            </a:r>
+            <a:r>
+              <a:rPr lang="en-US" dirty="0" err="1"/>
+              <a:t>Paxos</a:t>
+            </a:r>
+            <a:r>
+              <a:rPr lang="en-US" dirty="0"/>
+              <a:t> not wanting leaders, so they elect leaders over time</a:t>
+            </a:r>
+          </a:p>
+          <a:p>
+            <a:pPr marL="628650" lvl="1" indent="-171450">
+              <a:buFontTx/>
+              <a:buChar char="-"/>
+            </a:pPr>
+            <a:r>
+              <a:rPr lang="en-US" dirty="0"/>
+              <a:t>Received many remarks, many of them “huh?”</a:t>
+            </a:r>
+          </a:p>
+          <a:p>
+            <a:pPr marL="171450" lvl="0" indent="-171450">
+              <a:buFontTx/>
+              <a:buChar char="-"/>
+            </a:pPr>
+            <a:r>
+              <a:rPr lang="en-US" dirty="0"/>
+              <a:t>Fast </a:t>
+            </a:r>
+            <a:r>
+              <a:rPr lang="en-US" dirty="0" err="1"/>
+              <a:t>Paxos</a:t>
+            </a:r>
+            <a:r>
+              <a:rPr lang="en-US" dirty="0"/>
+              <a:t> aims to eliminate messages, Byzantine eliminates false processors</a:t>
+            </a:r>
           </a:p>
         </p:txBody>
       </p:sp>
@@ -808,7 +798,7 @@
           <a:p>
             <a:fld id="{2C4C5C6A-5C69-4A81-8979-AFB55B1F027A}" type="slidenum">
               <a:rPr lang="en-US" smtClean="0"/>
-              <a:t>4</a:t>
+              <a:t>3</a:t>
             </a:fld>
             <a:endParaRPr lang="en-US"/>
           </a:p>
@@ -817,7 +807,7 @@
     </p:spTree>
     <p:extLst>
       <p:ext uri="{BB962C8B-B14F-4D97-AF65-F5344CB8AC3E}">
-        <p14:creationId xmlns:p14="http://schemas.microsoft.com/office/powerpoint/2010/main" val="3228023927"/>
+        <p14:creationId xmlns:p14="http://schemas.microsoft.com/office/powerpoint/2010/main" val="2679412502"/>
       </p:ext>
     </p:extLst>
   </p:cSld>
@@ -877,7 +867,7 @@
             </a:pPr>
             <a:r>
               <a:rPr lang="en-US" dirty="0"/>
-              <a:t>FBI catches Puerto Rico widespread modification of smart meters</a:t>
+              <a:t>Blockchain is CBC so it has a fixed amount it can send, scalability issues.</a:t>
             </a:r>
           </a:p>
           <a:p>
@@ -886,46 +876,13 @@
               <a:buChar char="-"/>
             </a:pPr>
             <a:r>
-              <a:rPr lang="en-US" dirty="0"/>
-              <a:t>Will cost up to 400 million dollar damages</a:t>
-            </a:r>
-          </a:p>
-          <a:p>
-            <a:pPr marL="171450" indent="-171450">
-              <a:buFontTx/>
-              <a:buChar char="-"/>
-            </a:pPr>
-            <a:r>
               <a:rPr lang="en-US" dirty="0" err="1"/>
-              <a:t>Youtube</a:t>
-            </a:r>
-            <a:r>
-              <a:rPr lang="en-US" dirty="0"/>
-              <a:t> video on right is how to hack one </a:t>
-            </a:r>
-          </a:p>
-          <a:p>
-            <a:pPr marL="628650" lvl="1" indent="-171450">
-              <a:buFontTx/>
-              <a:buChar char="-"/>
-            </a:pPr>
-            <a:r>
-              <a:rPr lang="en-US" dirty="0"/>
-              <a:t>blue-white wire reports back to company, can disconnect to keep price stable</a:t>
-            </a:r>
-          </a:p>
-          <a:p>
-            <a:pPr marL="628650" lvl="1" indent="-171450">
-              <a:buFontTx/>
-              <a:buChar char="-"/>
-            </a:pPr>
-            <a:r>
-              <a:rPr lang="en-US" dirty="0"/>
-              <a:t>Switches decide whether to access line</a:t>
-            </a:r>
-          </a:p>
-          <a:p>
-            <a:endParaRPr lang="en-US" dirty="0"/>
+              <a:t>Paxos</a:t>
+            </a:r>
+            <a:r>
+              <a:rPr lang="en-US" dirty="0"/>
+              <a:t> focuses more on the data transferred, can be any size. However, security issues are prevalent. </a:t>
+            </a:r>
           </a:p>
         </p:txBody>
       </p:sp>
@@ -946,7 +903,7 @@
           <a:p>
             <a:fld id="{2C4C5C6A-5C69-4A81-8979-AFB55B1F027A}" type="slidenum">
               <a:rPr lang="en-US" smtClean="0"/>
-              <a:t>5</a:t>
+              <a:t>4</a:t>
             </a:fld>
             <a:endParaRPr lang="en-US"/>
           </a:p>
@@ -955,7 +912,7 @@
     </p:spTree>
     <p:extLst>
       <p:ext uri="{BB962C8B-B14F-4D97-AF65-F5344CB8AC3E}">
-        <p14:creationId xmlns:p14="http://schemas.microsoft.com/office/powerpoint/2010/main" val="3084905778"/>
+        <p14:creationId xmlns:p14="http://schemas.microsoft.com/office/powerpoint/2010/main" val="175578696"/>
       </p:ext>
     </p:extLst>
   </p:cSld>
@@ -1009,10 +966,7 @@
           <a:bodyPr/>
           <a:lstStyle/>
           <a:p>
-            <a:r>
-              <a:rPr lang="en-US" dirty="0"/>
-              <a:t>- IEC 62056: Guidelines for smart metering standardization</a:t>
-            </a:r>
+            <a:endParaRPr lang="en-US" dirty="0"/>
           </a:p>
         </p:txBody>
       </p:sp>
@@ -1033,7 +987,7 @@
           <a:p>
             <a:fld id="{2C4C5C6A-5C69-4A81-8979-AFB55B1F027A}" type="slidenum">
               <a:rPr lang="en-US" smtClean="0"/>
-              <a:t>6</a:t>
+              <a:t>5</a:t>
             </a:fld>
             <a:endParaRPr lang="en-US"/>
           </a:p>
@@ -1042,7 +996,7 @@
     </p:spTree>
     <p:extLst>
       <p:ext uri="{BB962C8B-B14F-4D97-AF65-F5344CB8AC3E}">
-        <p14:creationId xmlns:p14="http://schemas.microsoft.com/office/powerpoint/2010/main" val="3027066461"/>
+        <p14:creationId xmlns:p14="http://schemas.microsoft.com/office/powerpoint/2010/main" val="3228023927"/>
       </p:ext>
     </p:extLst>
   </p:cSld>
@@ -1096,41 +1050,15 @@
           <a:bodyPr/>
           <a:lstStyle/>
           <a:p>
-            <a:pPr marL="171450" indent="-171450">
-              <a:buFontTx/>
-              <a:buChar char="-"/>
-            </a:pPr>
-            <a:r>
-              <a:rPr lang="en-US" dirty="0"/>
-              <a:t>IEC 61850 determines single substation requirements for message type and performance</a:t>
-            </a:r>
-          </a:p>
-          <a:p>
-            <a:pPr marL="171450" marR="0" lvl="0" indent="-171450" algn="l" defTabSz="914400" rtl="0" eaLnBrk="1" fontAlgn="auto" latinLnBrk="0" hangingPunct="1">
-              <a:lnSpc>
-                <a:spcPct val="100000"/>
-              </a:lnSpc>
-              <a:spcBef>
-                <a:spcPts val="0"/>
-              </a:spcBef>
-              <a:spcAft>
-                <a:spcPts val="0"/>
-              </a:spcAft>
-              <a:buClrTx/>
-              <a:buSzTx/>
-              <a:buFontTx/>
-              <a:buChar char="-"/>
-              <a:tabLst/>
-              <a:defRPr/>
-            </a:pPr>
-            <a:r>
-              <a:rPr lang="en-US" dirty="0"/>
-              <a:t>Popular method of identifying generation circuits, similar to internet relays </a:t>
-            </a:r>
-            <a:r>
-              <a:rPr lang="en-US" b="1" dirty="0"/>
-              <a:t>Room 641A</a:t>
-            </a:r>
+            <a:r>
+              <a:rPr lang="en-US" dirty="0"/>
+              <a:t>- Can use </a:t>
+            </a:r>
+            <a:r>
+              <a:rPr lang="en-US" dirty="0" err="1"/>
+              <a:t>Nacks</a:t>
+            </a:r>
+            <a:endParaRPr lang="en-US" dirty="0"/>
           </a:p>
         </p:txBody>
       </p:sp>
@@ -1151,7 +1079,7 @@
           <a:p>
             <a:fld id="{2C4C5C6A-5C69-4A81-8979-AFB55B1F027A}" type="slidenum">
               <a:rPr lang="en-US" smtClean="0"/>
-              <a:t>7</a:t>
+              <a:t>6</a:t>
             </a:fld>
             <a:endParaRPr lang="en-US"/>
           </a:p>
@@ -1160,7 +1088,7 @@
     </p:spTree>
     <p:extLst>
       <p:ext uri="{BB962C8B-B14F-4D97-AF65-F5344CB8AC3E}">
-        <p14:creationId xmlns:p14="http://schemas.microsoft.com/office/powerpoint/2010/main" val="3072502967"/>
+        <p14:creationId xmlns:p14="http://schemas.microsoft.com/office/powerpoint/2010/main" val="405936351"/>
       </p:ext>
     </p:extLst>
   </p:cSld>
@@ -1214,93 +1142,6 @@
           <a:bodyPr/>
           <a:lstStyle/>
           <a:p>
-            <a:r>
-              <a:rPr lang="en-US" dirty="0"/>
-              <a:t>- For full implementation will attempt to simulate a substation using available tools, however online tools are picky.</a:t>
-            </a:r>
-          </a:p>
-        </p:txBody>
-      </p:sp>
-      <p:sp>
-        <p:nvSpPr>
-          <p:cNvPr id="4" name="Slide Number Placeholder 3"/>
-          <p:cNvSpPr>
-            <a:spLocks noGrp="1"/>
-          </p:cNvSpPr>
-          <p:nvPr>
-            <p:ph type="sldNum" sz="quarter" idx="5"/>
-          </p:nvPr>
-        </p:nvSpPr>
-        <p:spPr/>
-        <p:txBody>
-          <a:bodyPr/>
-          <a:lstStyle/>
-          <a:p>
-            <a:fld id="{2C4C5C6A-5C69-4A81-8979-AFB55B1F027A}" type="slidenum">
-              <a:rPr lang="en-US" smtClean="0"/>
-              <a:t>10</a:t>
-            </a:fld>
-            <a:endParaRPr lang="en-US"/>
-          </a:p>
-        </p:txBody>
-      </p:sp>
-    </p:spTree>
-    <p:extLst>
-      <p:ext uri="{BB962C8B-B14F-4D97-AF65-F5344CB8AC3E}">
-        <p14:creationId xmlns:p14="http://schemas.microsoft.com/office/powerpoint/2010/main" val="1049195254"/>
-      </p:ext>
-    </p:extLst>
-  </p:cSld>
-  <p:clrMapOvr>
-    <a:masterClrMapping/>
-  </p:clrMapOvr>
-</p:notes>
-</file>
-
-<file path=ppt/notesSlides/notesSlide6.xml><?xml version="1.0" encoding="utf-8"?>
-<p:notes xmlns:a="http://schemas.openxmlformats.org/drawingml/2006/main" xmlns:r="http://schemas.openxmlformats.org/officeDocument/2006/relationships" xmlns:p="http://schemas.openxmlformats.org/presentationml/2006/main">
-  <p:cSld>
-    <p:spTree>
-      <p:nvGrpSpPr>
-        <p:cNvPr id="1" name=""/>
-        <p:cNvGrpSpPr/>
-        <p:nvPr/>
-      </p:nvGrpSpPr>
-      <p:grpSpPr>
-        <a:xfrm>
-          <a:off x="0" y="0"/>
-          <a:ext cx="0" cy="0"/>
-          <a:chOff x="0" y="0"/>
-          <a:chExt cx="0" cy="0"/>
-        </a:xfrm>
-      </p:grpSpPr>
-      <p:sp>
-        <p:nvSpPr>
-          <p:cNvPr id="2" name="Slide Image Placeholder 1"/>
-          <p:cNvSpPr>
-            <a:spLocks noGrp="1" noRot="1" noChangeAspect="1"/>
-          </p:cNvSpPr>
-          <p:nvPr>
-            <p:ph type="sldImg"/>
-          </p:nvPr>
-        </p:nvSpPr>
-        <p:spPr/>
-      </p:sp>
-      <p:sp>
-        <p:nvSpPr>
-          <p:cNvPr id="3" name="Notes Placeholder 2"/>
-          <p:cNvSpPr>
-            <a:spLocks noGrp="1"/>
-          </p:cNvSpPr>
-          <p:nvPr>
-            <p:ph type="body" idx="1"/>
-          </p:nvPr>
-        </p:nvSpPr>
-        <p:spPr/>
-        <p:txBody>
-          <a:bodyPr/>
-          <a:lstStyle/>
-          <a:p>
             <a:pPr marL="0" marR="0" lvl="0" indent="0" algn="l" defTabSz="914400" rtl="0" eaLnBrk="1" fontAlgn="auto" latinLnBrk="0" hangingPunct="1">
               <a:lnSpc>
                 <a:spcPct val="100000"/>
@@ -1345,7 +1186,7 @@
           <a:p>
             <a:fld id="{2C4C5C6A-5C69-4A81-8979-AFB55B1F027A}" type="slidenum">
               <a:rPr lang="en-US" smtClean="0"/>
-              <a:t>11</a:t>
+              <a:t>9</a:t>
             </a:fld>
             <a:endParaRPr lang="en-US"/>
           </a:p>
@@ -1354,7 +1195,7 @@
     </p:spTree>
     <p:extLst>
       <p:ext uri="{BB962C8B-B14F-4D97-AF65-F5344CB8AC3E}">
-        <p14:creationId xmlns:p14="http://schemas.microsoft.com/office/powerpoint/2010/main" val="177812116"/>
+        <p14:creationId xmlns:p14="http://schemas.microsoft.com/office/powerpoint/2010/main" val="3976892322"/>
       </p:ext>
     </p:extLst>
   </p:cSld>
@@ -1364,9 +1205,17 @@
 </p:notes>
 </file>
 
-<file path=ppt/notesSlides/notesSlide7.xml><?xml version="1.0" encoding="utf-8"?>
-<p:notes xmlns:a="http://schemas.openxmlformats.org/drawingml/2006/main" xmlns:r="http://schemas.openxmlformats.org/officeDocument/2006/relationships" xmlns:p="http://schemas.openxmlformats.org/presentationml/2006/main">
-  <p:cSld>
+<file path=ppt/slideLayouts/slideLayout1.xml><?xml version="1.0" encoding="utf-8"?>
+<p:sldLayout xmlns:a="http://schemas.openxmlformats.org/drawingml/2006/main" xmlns:r="http://schemas.openxmlformats.org/officeDocument/2006/relationships" xmlns:p="http://schemas.openxmlformats.org/presentationml/2006/main" type="title" preserve="1">
+  <p:cSld name="Title Slide">
+    <p:bg>
+      <p:bgPr>
+        <a:solidFill>
+          <a:schemeClr val="accent2"/>
+        </a:solidFill>
+        <a:effectLst/>
+      </p:bgPr>
+    </p:bg>
     <p:spTree>
       <p:nvGrpSpPr>
         <p:cNvPr id="1" name=""/>
@@ -1383,263 +1232,82 @@
       </p:grpSpPr>
       <p:sp>
         <p:nvSpPr>
-          <p:cNvPr id="2" name="Slide Image Placeholder 1"/>
-          <p:cNvSpPr>
-            <a:spLocks noGrp="1" noRot="1" noChangeAspect="1"/>
-          </p:cNvSpPr>
-          <p:nvPr>
-            <p:ph type="sldImg"/>
-          </p:nvPr>
-        </p:nvSpPr>
-        <p:spPr/>
-      </p:sp>
-      <p:sp>
-        <p:nvSpPr>
-          <p:cNvPr id="3" name="Notes Placeholder 2"/>
-          <p:cNvSpPr>
-            <a:spLocks noGrp="1"/>
-          </p:cNvSpPr>
-          <p:nvPr>
-            <p:ph type="body" idx="1"/>
-          </p:nvPr>
-        </p:nvSpPr>
-        <p:spPr/>
-        <p:txBody>
-          <a:bodyPr/>
-          <a:lstStyle/>
-          <a:p>
-            <a:pPr marL="0" marR="0" lvl="0" indent="0" algn="l" defTabSz="914400" rtl="0" eaLnBrk="1" fontAlgn="auto" latinLnBrk="0" hangingPunct="1">
-              <a:lnSpc>
-                <a:spcPct val="100000"/>
-              </a:lnSpc>
-              <a:spcBef>
-                <a:spcPts val="0"/>
-              </a:spcBef>
-              <a:spcAft>
-                <a:spcPts val="0"/>
-              </a:spcAft>
-              <a:buClrTx/>
-              <a:buSzTx/>
-              <a:buFontTx/>
-              <a:buNone/>
-              <a:tabLst/>
-              <a:defRPr/>
-            </a:pPr>
-            <a:r>
-              <a:rPr lang="en-US" dirty="0"/>
-              <a:t>- For full implementation will attempt to simulate a substation using available tools, however online tools are picky.</a:t>
-            </a:r>
-          </a:p>
-          <a:p>
+          <p:cNvPr id="2" name="Title 1"/>
+          <p:cNvSpPr>
+            <a:spLocks noGrp="1"/>
+          </p:cNvSpPr>
+          <p:nvPr>
+            <p:ph type="ctrTitle"/>
+          </p:nvPr>
+        </p:nvSpPr>
+        <p:spPr bwMode="blackWhite">
+          <a:xfrm>
+            <a:off x="1600200" y="2386744"/>
+            <a:ext cx="8991600" cy="1645920"/>
+          </a:xfrm>
+          <a:solidFill>
+            <a:srgbClr val="FFFFFF"/>
+          </a:solidFill>
+          <a:ln w="38100">
+            <a:solidFill>
+              <a:srgbClr val="404040"/>
+            </a:solidFill>
+          </a:ln>
+        </p:spPr>
+        <p:txBody>
+          <a:bodyPr lIns="274320" rIns="274320" anchor="ctr" anchorCtr="1">
+            <a:normAutofit/>
+          </a:bodyPr>
+          <a:lstStyle>
+            <a:lvl1pPr algn="ctr">
+              <a:defRPr sz="3800">
+                <a:solidFill>
+                  <a:srgbClr val="262626"/>
+                </a:solidFill>
+              </a:defRPr>
+            </a:lvl1pPr>
+          </a:lstStyle>
+          <a:p>
+            <a:r>
+              <a:rPr lang="en-US"/>
+              <a:t>Click to edit Master title style</a:t>
+            </a:r>
             <a:endParaRPr lang="en-US" dirty="0"/>
           </a:p>
         </p:txBody>
       </p:sp>
       <p:sp>
         <p:nvSpPr>
-          <p:cNvPr id="4" name="Slide Number Placeholder 3"/>
-          <p:cNvSpPr>
-            <a:spLocks noGrp="1"/>
-          </p:cNvSpPr>
-          <p:nvPr>
-            <p:ph type="sldNum" sz="quarter" idx="5"/>
-          </p:nvPr>
-        </p:nvSpPr>
-        <p:spPr/>
-        <p:txBody>
-          <a:bodyPr/>
-          <a:lstStyle/>
-          <a:p>
-            <a:fld id="{2C4C5C6A-5C69-4A81-8979-AFB55B1F027A}" type="slidenum">
-              <a:rPr lang="en-US" smtClean="0"/>
-              <a:t>13</a:t>
-            </a:fld>
-            <a:endParaRPr lang="en-US"/>
-          </a:p>
-        </p:txBody>
-      </p:sp>
-    </p:spTree>
-    <p:extLst>
-      <p:ext uri="{BB962C8B-B14F-4D97-AF65-F5344CB8AC3E}">
-        <p14:creationId xmlns:p14="http://schemas.microsoft.com/office/powerpoint/2010/main" val="3976892322"/>
-      </p:ext>
-    </p:extLst>
-  </p:cSld>
-  <p:clrMapOvr>
-    <a:masterClrMapping/>
-  </p:clrMapOvr>
-</p:notes>
-</file>
-
-<file path=ppt/notesSlides/notesSlide8.xml><?xml version="1.0" encoding="utf-8"?>
-<p:notes xmlns:a="http://schemas.openxmlformats.org/drawingml/2006/main" xmlns:r="http://schemas.openxmlformats.org/officeDocument/2006/relationships" xmlns:p="http://schemas.openxmlformats.org/presentationml/2006/main">
-  <p:cSld>
-    <p:spTree>
-      <p:nvGrpSpPr>
-        <p:cNvPr id="1" name=""/>
-        <p:cNvGrpSpPr/>
-        <p:nvPr/>
-      </p:nvGrpSpPr>
-      <p:grpSpPr>
-        <a:xfrm>
-          <a:off x="0" y="0"/>
-          <a:ext cx="0" cy="0"/>
-          <a:chOff x="0" y="0"/>
-          <a:chExt cx="0" cy="0"/>
-        </a:xfrm>
-      </p:grpSpPr>
-      <p:sp>
-        <p:nvSpPr>
-          <p:cNvPr id="2" name="Slide Image Placeholder 1"/>
-          <p:cNvSpPr>
-            <a:spLocks noGrp="1" noRot="1" noChangeAspect="1"/>
-          </p:cNvSpPr>
-          <p:nvPr>
-            <p:ph type="sldImg"/>
-          </p:nvPr>
-        </p:nvSpPr>
-        <p:spPr/>
-      </p:sp>
-      <p:sp>
-        <p:nvSpPr>
-          <p:cNvPr id="3" name="Notes Placeholder 2"/>
-          <p:cNvSpPr>
-            <a:spLocks noGrp="1"/>
-          </p:cNvSpPr>
-          <p:nvPr>
-            <p:ph type="body" idx="1"/>
-          </p:nvPr>
-        </p:nvSpPr>
-        <p:spPr/>
-        <p:txBody>
-          <a:bodyPr/>
-          <a:lstStyle/>
-          <a:p>
-            <a:r>
-              <a:rPr lang="en-US" dirty="0"/>
-              <a:t>- Perturb the power grid dataset</a:t>
-            </a:r>
-          </a:p>
-        </p:txBody>
-      </p:sp>
-      <p:sp>
-        <p:nvSpPr>
-          <p:cNvPr id="4" name="Slide Number Placeholder 3"/>
-          <p:cNvSpPr>
-            <a:spLocks noGrp="1"/>
-          </p:cNvSpPr>
-          <p:nvPr>
-            <p:ph type="sldNum" sz="quarter" idx="5"/>
-          </p:nvPr>
-        </p:nvSpPr>
-        <p:spPr/>
-        <p:txBody>
-          <a:bodyPr/>
-          <a:lstStyle/>
-          <a:p>
-            <a:fld id="{2C4C5C6A-5C69-4A81-8979-AFB55B1F027A}" type="slidenum">
-              <a:rPr lang="en-US" smtClean="0"/>
-              <a:t>14</a:t>
-            </a:fld>
-            <a:endParaRPr lang="en-US"/>
-          </a:p>
-        </p:txBody>
-      </p:sp>
-    </p:spTree>
-    <p:extLst>
-      <p:ext uri="{BB962C8B-B14F-4D97-AF65-F5344CB8AC3E}">
-        <p14:creationId xmlns:p14="http://schemas.microsoft.com/office/powerpoint/2010/main" val="833641986"/>
-      </p:ext>
-    </p:extLst>
-  </p:cSld>
-  <p:clrMapOvr>
-    <a:masterClrMapping/>
-  </p:clrMapOvr>
-</p:notes>
-</file>
-
-<file path=ppt/slideLayouts/slideLayout1.xml><?xml version="1.0" encoding="utf-8"?>
-<p:sldLayout xmlns:a="http://schemas.openxmlformats.org/drawingml/2006/main" xmlns:r="http://schemas.openxmlformats.org/officeDocument/2006/relationships" xmlns:p="http://schemas.openxmlformats.org/presentationml/2006/main" type="title" preserve="1">
-  <p:cSld name="Title Slide">
-    <p:spTree>
-      <p:nvGrpSpPr>
-        <p:cNvPr id="1" name=""/>
-        <p:cNvGrpSpPr/>
-        <p:nvPr/>
-      </p:nvGrpSpPr>
-      <p:grpSpPr>
-        <a:xfrm>
-          <a:off x="0" y="0"/>
-          <a:ext cx="0" cy="0"/>
-          <a:chOff x="0" y="0"/>
-          <a:chExt cx="0" cy="0"/>
-        </a:xfrm>
-      </p:grpSpPr>
-      <p:sp>
-        <p:nvSpPr>
-          <p:cNvPr id="2" name="Title 1">
-            <a:extLst>
-              <a:ext uri="{FF2B5EF4-FFF2-40B4-BE49-F238E27FC236}">
-                <a16:creationId xmlns:a16="http://schemas.microsoft.com/office/drawing/2014/main" id="{95B3F7F7-F9C9-4D1D-B72C-D97237DE2BB1}"/>
-              </a:ext>
-            </a:extLst>
-          </p:cNvPr>
-          <p:cNvSpPr>
-            <a:spLocks noGrp="1"/>
-          </p:cNvSpPr>
-          <p:nvPr>
-            <p:ph type="ctrTitle"/>
+          <p:cNvPr id="3" name="Subtitle 2"/>
+          <p:cNvSpPr>
+            <a:spLocks noGrp="1"/>
+          </p:cNvSpPr>
+          <p:nvPr>
+            <p:ph type="subTitle" idx="1"/>
           </p:nvPr>
         </p:nvSpPr>
         <p:spPr>
           <a:xfrm>
-            <a:off x="1524000" y="1122363"/>
-            <a:ext cx="9144000" cy="2387600"/>
+            <a:off x="2695194" y="4352544"/>
+            <a:ext cx="6801612" cy="1239894"/>
           </a:xfrm>
+          <a:noFill/>
         </p:spPr>
         <p:txBody>
-          <a:bodyPr anchor="b"/>
-          <a:lstStyle>
-            <a:lvl1pPr algn="ctr">
-              <a:defRPr sz="6000"/>
-            </a:lvl1pPr>
-          </a:lstStyle>
-          <a:p>
-            <a:r>
-              <a:rPr lang="en-US"/>
-              <a:t>Click to edit Master title style</a:t>
-            </a:r>
-          </a:p>
-        </p:txBody>
-      </p:sp>
-      <p:sp>
-        <p:nvSpPr>
-          <p:cNvPr id="3" name="Subtitle 2">
-            <a:extLst>
-              <a:ext uri="{FF2B5EF4-FFF2-40B4-BE49-F238E27FC236}">
-                <a16:creationId xmlns:a16="http://schemas.microsoft.com/office/drawing/2014/main" id="{93F427FC-E011-47D0-ADC3-DDAA6FF73C59}"/>
-              </a:ext>
-            </a:extLst>
-          </p:cNvPr>
-          <p:cNvSpPr>
-            <a:spLocks noGrp="1"/>
-          </p:cNvSpPr>
-          <p:nvPr>
-            <p:ph type="subTitle" idx="1"/>
-          </p:nvPr>
-        </p:nvSpPr>
-        <p:spPr>
-          <a:xfrm>
-            <a:off x="1524000" y="3602038"/>
-            <a:ext cx="9144000" cy="1655762"/>
-          </a:xfrm>
-        </p:spPr>
-        <p:txBody>
-          <a:bodyPr/>
+          <a:bodyPr>
+            <a:normAutofit/>
+          </a:bodyPr>
           <a:lstStyle>
             <a:lvl1pPr marL="0" indent="0" algn="ctr">
               <a:buNone/>
-              <a:defRPr sz="2400"/>
+              <a:defRPr sz="2000">
+                <a:solidFill>
+                  <a:schemeClr val="tx1">
+                    <a:lumMod val="75000"/>
+                    <a:lumOff val="25000"/>
+                  </a:schemeClr>
+                </a:solidFill>
+              </a:defRPr>
             </a:lvl1pPr>
             <a:lvl2pPr marL="457200" indent="0" algn="ctr">
               <a:buNone/>
@@ -1679,18 +1347,13 @@
               <a:rPr lang="en-US"/>
               <a:t>Click to edit Master subtitle style</a:t>
             </a:r>
-          </a:p>
-        </p:txBody>
-      </p:sp>
-      <p:sp>
-        <p:nvSpPr>
-          <p:cNvPr id="4" name="Date Placeholder 3">
-            <a:extLst>
-              <a:ext uri="{FF2B5EF4-FFF2-40B4-BE49-F238E27FC236}">
-                <a16:creationId xmlns:a16="http://schemas.microsoft.com/office/drawing/2014/main" id="{54FB7942-4520-4FCA-A1E2-57350475FC60}"/>
-              </a:ext>
-            </a:extLst>
-          </p:cNvPr>
+            <a:endParaRPr lang="en-US" dirty="0"/>
+          </a:p>
+        </p:txBody>
+      </p:sp>
+      <p:sp>
+        <p:nvSpPr>
+          <p:cNvPr id="7" name="Date Placeholder 6"/>
           <p:cNvSpPr>
             <a:spLocks noGrp="1"/>
           </p:cNvSpPr>
@@ -1713,13 +1376,7 @@
       </p:sp>
       <p:sp>
         <p:nvSpPr>
-          <p:cNvPr id="5" name="Footer Placeholder 4">
-            <a:extLst>
-              <a:ext uri="{FF2B5EF4-FFF2-40B4-BE49-F238E27FC236}">
-                <a16:creationId xmlns:a16="http://schemas.microsoft.com/office/drawing/2014/main" id="{3161FBD1-F551-4C0C-9CC6-7E7F5F5B2402}"/>
-              </a:ext>
-            </a:extLst>
-          </p:cNvPr>
+          <p:cNvPr id="8" name="Footer Placeholder 7"/>
           <p:cNvSpPr>
             <a:spLocks noGrp="1"/>
           </p:cNvSpPr>
@@ -1738,13 +1395,7 @@
       </p:sp>
       <p:sp>
         <p:nvSpPr>
-          <p:cNvPr id="6" name="Slide Number Placeholder 5">
-            <a:extLst>
-              <a:ext uri="{FF2B5EF4-FFF2-40B4-BE49-F238E27FC236}">
-                <a16:creationId xmlns:a16="http://schemas.microsoft.com/office/drawing/2014/main" id="{3611CA68-500E-4C1A-A38F-DE810C9B8FA9}"/>
-              </a:ext>
-            </a:extLst>
-          </p:cNvPr>
+          <p:cNvPr id="9" name="Slide Number Placeholder 8"/>
           <p:cNvSpPr>
             <a:spLocks noGrp="1"/>
           </p:cNvSpPr>
@@ -1768,12 +1419,12 @@
     </p:spTree>
     <p:extLst>
       <p:ext uri="{BB962C8B-B14F-4D97-AF65-F5344CB8AC3E}">
-        <p14:creationId xmlns:p14="http://schemas.microsoft.com/office/powerpoint/2010/main" val="93736293"/>
+        <p14:creationId xmlns:p14="http://schemas.microsoft.com/office/powerpoint/2010/main" val="4225384471"/>
       </p:ext>
     </p:extLst>
   </p:cSld>
   <p:clrMapOvr>
-    <a:masterClrMapping/>
+    <a:overrideClrMapping bg1="dk1" tx1="lt1" bg2="dk2" tx2="lt2" accent1="accent1" accent2="accent2" accent3="accent3" accent4="accent4" accent5="accent5" accent6="accent6" hlink="hlink" folHlink="folHlink"/>
   </p:clrMapOvr>
 </p:sldLayout>
 </file>
@@ -1797,13 +1448,7 @@
       </p:grpSpPr>
       <p:sp>
         <p:nvSpPr>
-          <p:cNvPr id="2" name="Title 1">
-            <a:extLst>
-              <a:ext uri="{FF2B5EF4-FFF2-40B4-BE49-F238E27FC236}">
-                <a16:creationId xmlns:a16="http://schemas.microsoft.com/office/drawing/2014/main" id="{CE3B40D6-C7B6-4354-A9C9-B290314C7A17}"/>
-              </a:ext>
-            </a:extLst>
-          </p:cNvPr>
+          <p:cNvPr id="2" name="Title 1"/>
           <p:cNvSpPr>
             <a:spLocks noGrp="1"/>
           </p:cNvSpPr>
@@ -1820,18 +1465,13 @@
               <a:rPr lang="en-US"/>
               <a:t>Click to edit Master title style</a:t>
             </a:r>
-          </a:p>
-        </p:txBody>
-      </p:sp>
-      <p:sp>
-        <p:nvSpPr>
-          <p:cNvPr id="3" name="Vertical Text Placeholder 2">
-            <a:extLst>
-              <a:ext uri="{FF2B5EF4-FFF2-40B4-BE49-F238E27FC236}">
-                <a16:creationId xmlns:a16="http://schemas.microsoft.com/office/drawing/2014/main" id="{47B8BDBB-BF76-44B3-AEF4-A7B2449DCECA}"/>
-              </a:ext>
-            </a:extLst>
-          </p:cNvPr>
+            <a:endParaRPr lang="en-US" dirty="0"/>
+          </a:p>
+        </p:txBody>
+      </p:sp>
+      <p:sp>
+        <p:nvSpPr>
+          <p:cNvPr id="3" name="Vertical Text Placeholder 2"/>
           <p:cNvSpPr>
             <a:spLocks noGrp="1"/>
           </p:cNvSpPr>
@@ -1877,18 +1517,13 @@
               <a:rPr lang="en-US"/>
               <a:t>Fifth level</a:t>
             </a:r>
-          </a:p>
-        </p:txBody>
-      </p:sp>
-      <p:sp>
-        <p:nvSpPr>
-          <p:cNvPr id="4" name="Date Placeholder 3">
-            <a:extLst>
-              <a:ext uri="{FF2B5EF4-FFF2-40B4-BE49-F238E27FC236}">
-                <a16:creationId xmlns:a16="http://schemas.microsoft.com/office/drawing/2014/main" id="{0764CD76-3C71-4C44-A96C-82466453DA5D}"/>
-              </a:ext>
-            </a:extLst>
-          </p:cNvPr>
+            <a:endParaRPr lang="en-US" dirty="0"/>
+          </a:p>
+        </p:txBody>
+      </p:sp>
+      <p:sp>
+        <p:nvSpPr>
+          <p:cNvPr id="4" name="Date Placeholder 3"/>
           <p:cNvSpPr>
             <a:spLocks noGrp="1"/>
           </p:cNvSpPr>
@@ -1911,13 +1546,7 @@
       </p:sp>
       <p:sp>
         <p:nvSpPr>
-          <p:cNvPr id="5" name="Footer Placeholder 4">
-            <a:extLst>
-              <a:ext uri="{FF2B5EF4-FFF2-40B4-BE49-F238E27FC236}">
-                <a16:creationId xmlns:a16="http://schemas.microsoft.com/office/drawing/2014/main" id="{823963CC-3357-4B8C-8441-27FFC571964C}"/>
-              </a:ext>
-            </a:extLst>
-          </p:cNvPr>
+          <p:cNvPr id="5" name="Footer Placeholder 4"/>
           <p:cNvSpPr>
             <a:spLocks noGrp="1"/>
           </p:cNvSpPr>
@@ -1936,13 +1565,7 @@
       </p:sp>
       <p:sp>
         <p:nvSpPr>
-          <p:cNvPr id="6" name="Slide Number Placeholder 5">
-            <a:extLst>
-              <a:ext uri="{FF2B5EF4-FFF2-40B4-BE49-F238E27FC236}">
-                <a16:creationId xmlns:a16="http://schemas.microsoft.com/office/drawing/2014/main" id="{1A9049E9-7DAF-4F52-AD24-AF4C4B6C89CA}"/>
-              </a:ext>
-            </a:extLst>
-          </p:cNvPr>
+          <p:cNvPr id="6" name="Slide Number Placeholder 5"/>
           <p:cNvSpPr>
             <a:spLocks noGrp="1"/>
           </p:cNvSpPr>
@@ -1966,7 +1589,7 @@
     </p:spTree>
     <p:extLst>
       <p:ext uri="{BB962C8B-B14F-4D97-AF65-F5344CB8AC3E}">
-        <p14:creationId xmlns:p14="http://schemas.microsoft.com/office/powerpoint/2010/main" val="1538984828"/>
+        <p14:creationId xmlns:p14="http://schemas.microsoft.com/office/powerpoint/2010/main" val="2772642206"/>
       </p:ext>
     </p:extLst>
   </p:cSld>
@@ -1995,13 +1618,7 @@
       </p:grpSpPr>
       <p:sp>
         <p:nvSpPr>
-          <p:cNvPr id="2" name="Vertical Title 1">
-            <a:extLst>
-              <a:ext uri="{FF2B5EF4-FFF2-40B4-BE49-F238E27FC236}">
-                <a16:creationId xmlns:a16="http://schemas.microsoft.com/office/drawing/2014/main" id="{CE55281D-3344-4BBF-9FF3-60FF1A2547AB}"/>
-              </a:ext>
-            </a:extLst>
-          </p:cNvPr>
+          <p:cNvPr id="2" name="Vertical Title 1"/>
           <p:cNvSpPr>
             <a:spLocks noGrp="1"/>
           </p:cNvSpPr>
@@ -2011,8 +1628,8 @@
         </p:nvSpPr>
         <p:spPr>
           <a:xfrm>
-            <a:off x="8724900" y="365125"/>
-            <a:ext cx="2628900" cy="5811838"/>
+            <a:off x="8653112" y="937260"/>
+            <a:ext cx="1298608" cy="4983480"/>
           </a:xfrm>
         </p:spPr>
         <p:txBody>
@@ -2023,18 +1640,13 @@
               <a:rPr lang="en-US"/>
               <a:t>Click to edit Master title style</a:t>
             </a:r>
-          </a:p>
-        </p:txBody>
-      </p:sp>
-      <p:sp>
-        <p:nvSpPr>
-          <p:cNvPr id="3" name="Vertical Text Placeholder 2">
-            <a:extLst>
-              <a:ext uri="{FF2B5EF4-FFF2-40B4-BE49-F238E27FC236}">
-                <a16:creationId xmlns:a16="http://schemas.microsoft.com/office/drawing/2014/main" id="{69C6DC11-7412-4A8A-B24D-A8FD06A643B9}"/>
-              </a:ext>
-            </a:extLst>
-          </p:cNvPr>
+            <a:endParaRPr lang="en-US" dirty="0"/>
+          </a:p>
+        </p:txBody>
+      </p:sp>
+      <p:sp>
+        <p:nvSpPr>
+          <p:cNvPr id="3" name="Vertical Text Placeholder 2"/>
           <p:cNvSpPr>
             <a:spLocks noGrp="1"/>
           </p:cNvSpPr>
@@ -2044,8 +1656,8 @@
         </p:nvSpPr>
         <p:spPr>
           <a:xfrm>
-            <a:off x="838200" y="365125"/>
-            <a:ext cx="7734300" cy="5811838"/>
+            <a:off x="2231136" y="937260"/>
+            <a:ext cx="6198489" cy="4983480"/>
           </a:xfrm>
         </p:spPr>
         <p:txBody>
@@ -2085,18 +1697,13 @@
               <a:rPr lang="en-US"/>
               <a:t>Fifth level</a:t>
             </a:r>
-          </a:p>
-        </p:txBody>
-      </p:sp>
-      <p:sp>
-        <p:nvSpPr>
-          <p:cNvPr id="4" name="Date Placeholder 3">
-            <a:extLst>
-              <a:ext uri="{FF2B5EF4-FFF2-40B4-BE49-F238E27FC236}">
-                <a16:creationId xmlns:a16="http://schemas.microsoft.com/office/drawing/2014/main" id="{6881DCB6-93D2-4352-8539-2438EEC6EDC1}"/>
-              </a:ext>
-            </a:extLst>
-          </p:cNvPr>
+            <a:endParaRPr lang="en-US" dirty="0"/>
+          </a:p>
+        </p:txBody>
+      </p:sp>
+      <p:sp>
+        <p:nvSpPr>
+          <p:cNvPr id="4" name="Date Placeholder 3"/>
           <p:cNvSpPr>
             <a:spLocks noGrp="1"/>
           </p:cNvSpPr>
@@ -2119,13 +1726,7 @@
       </p:sp>
       <p:sp>
         <p:nvSpPr>
-          <p:cNvPr id="5" name="Footer Placeholder 4">
-            <a:extLst>
-              <a:ext uri="{FF2B5EF4-FFF2-40B4-BE49-F238E27FC236}">
-                <a16:creationId xmlns:a16="http://schemas.microsoft.com/office/drawing/2014/main" id="{FEEA72CD-48BB-4EB2-9C34-C50B839BF79A}"/>
-              </a:ext>
-            </a:extLst>
-          </p:cNvPr>
+          <p:cNvPr id="5" name="Footer Placeholder 4"/>
           <p:cNvSpPr>
             <a:spLocks noGrp="1"/>
           </p:cNvSpPr>
@@ -2144,13 +1745,7 @@
       </p:sp>
       <p:sp>
         <p:nvSpPr>
-          <p:cNvPr id="6" name="Slide Number Placeholder 5">
-            <a:extLst>
-              <a:ext uri="{FF2B5EF4-FFF2-40B4-BE49-F238E27FC236}">
-                <a16:creationId xmlns:a16="http://schemas.microsoft.com/office/drawing/2014/main" id="{A79E2A9C-9656-4DB9-BEB8-83BB8B55D074}"/>
-              </a:ext>
-            </a:extLst>
-          </p:cNvPr>
+          <p:cNvPr id="6" name="Slide Number Placeholder 5"/>
           <p:cNvSpPr>
             <a:spLocks noGrp="1"/>
           </p:cNvSpPr>
@@ -2174,7 +1769,7 @@
     </p:spTree>
     <p:extLst>
       <p:ext uri="{BB962C8B-B14F-4D97-AF65-F5344CB8AC3E}">
-        <p14:creationId xmlns:p14="http://schemas.microsoft.com/office/powerpoint/2010/main" val="3319179987"/>
+        <p14:creationId xmlns:p14="http://schemas.microsoft.com/office/powerpoint/2010/main" val="155197121"/>
       </p:ext>
     </p:extLst>
   </p:cSld>
@@ -2203,58 +1798,47 @@
       </p:grpSpPr>
       <p:sp>
         <p:nvSpPr>
-          <p:cNvPr id="2" name="Title 1">
-            <a:extLst>
-              <a:ext uri="{FF2B5EF4-FFF2-40B4-BE49-F238E27FC236}">
-                <a16:creationId xmlns:a16="http://schemas.microsoft.com/office/drawing/2014/main" id="{87F17D4F-37F1-4412-A28C-CA9D7CB300F3}"/>
-              </a:ext>
-            </a:extLst>
-          </p:cNvPr>
+          <p:cNvPr id="2" name="Title 1"/>
           <p:cNvSpPr>
             <a:spLocks noGrp="1"/>
           </p:cNvSpPr>
           <p:nvPr>
             <p:ph type="title"/>
+          </p:nvPr>
+        </p:nvSpPr>
+        <p:spPr/>
+        <p:txBody>
+          <a:bodyPr/>
+          <a:lstStyle/>
+          <a:p>
+            <a:r>
+              <a:rPr lang="en-US"/>
+              <a:t>Click to edit Master title style</a:t>
+            </a:r>
+            <a:endParaRPr lang="en-US" dirty="0"/>
+          </a:p>
+        </p:txBody>
+      </p:sp>
+      <p:sp>
+        <p:nvSpPr>
+          <p:cNvPr id="3" name="Content Placeholder 2"/>
+          <p:cNvSpPr>
+            <a:spLocks noGrp="1"/>
+          </p:cNvSpPr>
+          <p:nvPr>
+            <p:ph idx="1"/>
           </p:nvPr>
         </p:nvSpPr>
         <p:spPr>
           <a:xfrm>
-            <a:off x="838200" y="136525"/>
-            <a:ext cx="10515600" cy="1325563"/>
+            <a:off x="2231136" y="2457571"/>
+            <a:ext cx="7729728" cy="3101983"/>
           </a:xfrm>
         </p:spPr>
         <p:txBody>
           <a:bodyPr/>
           <a:lstStyle/>
           <a:p>
-            <a:r>
-              <a:rPr lang="en-US"/>
-              <a:t>Click to edit Master title style</a:t>
-            </a:r>
-          </a:p>
-        </p:txBody>
-      </p:sp>
-      <p:sp>
-        <p:nvSpPr>
-          <p:cNvPr id="3" name="Content Placeholder 2">
-            <a:extLst>
-              <a:ext uri="{FF2B5EF4-FFF2-40B4-BE49-F238E27FC236}">
-                <a16:creationId xmlns:a16="http://schemas.microsoft.com/office/drawing/2014/main" id="{CCD3022C-D30C-415C-9195-B289FDE949EE}"/>
-              </a:ext>
-            </a:extLst>
-          </p:cNvPr>
-          <p:cNvSpPr>
-            <a:spLocks noGrp="1"/>
-          </p:cNvSpPr>
-          <p:nvPr>
-            <p:ph idx="1"/>
-          </p:nvPr>
-        </p:nvSpPr>
-        <p:spPr/>
-        <p:txBody>
-          <a:bodyPr/>
-          <a:lstStyle/>
-          <a:p>
             <a:pPr lvl="0"/>
             <a:r>
               <a:rPr lang="en-US"/>
@@ -2288,18 +1872,13 @@
               <a:rPr lang="en-US"/>
               <a:t>Fifth level</a:t>
             </a:r>
-          </a:p>
-        </p:txBody>
-      </p:sp>
-      <p:sp>
-        <p:nvSpPr>
-          <p:cNvPr id="4" name="Date Placeholder 3">
-            <a:extLst>
-              <a:ext uri="{FF2B5EF4-FFF2-40B4-BE49-F238E27FC236}">
-                <a16:creationId xmlns:a16="http://schemas.microsoft.com/office/drawing/2014/main" id="{30748C3C-E8D5-438D-BFA0-C6A7F4ACF01D}"/>
-              </a:ext>
-            </a:extLst>
-          </p:cNvPr>
+            <a:endParaRPr lang="en-US" dirty="0"/>
+          </a:p>
+        </p:txBody>
+      </p:sp>
+      <p:sp>
+        <p:nvSpPr>
+          <p:cNvPr id="7" name="Date Placeholder 6"/>
           <p:cNvSpPr>
             <a:spLocks noGrp="1"/>
           </p:cNvSpPr>
@@ -2322,13 +1901,7 @@
       </p:sp>
       <p:sp>
         <p:nvSpPr>
-          <p:cNvPr id="5" name="Footer Placeholder 4">
-            <a:extLst>
-              <a:ext uri="{FF2B5EF4-FFF2-40B4-BE49-F238E27FC236}">
-                <a16:creationId xmlns:a16="http://schemas.microsoft.com/office/drawing/2014/main" id="{BB8328B7-9F53-4E8B-93D0-6DCD4A30C461}"/>
-              </a:ext>
-            </a:extLst>
-          </p:cNvPr>
+          <p:cNvPr id="8" name="Footer Placeholder 7"/>
           <p:cNvSpPr>
             <a:spLocks noGrp="1"/>
           </p:cNvSpPr>
@@ -2347,13 +1920,7 @@
       </p:sp>
       <p:sp>
         <p:nvSpPr>
-          <p:cNvPr id="6" name="Slide Number Placeholder 5">
-            <a:extLst>
-              <a:ext uri="{FF2B5EF4-FFF2-40B4-BE49-F238E27FC236}">
-                <a16:creationId xmlns:a16="http://schemas.microsoft.com/office/drawing/2014/main" id="{9E1EEF40-5182-474B-8CDC-C543745B86B6}"/>
-              </a:ext>
-            </a:extLst>
-          </p:cNvPr>
+          <p:cNvPr id="9" name="Slide Number Placeholder 8"/>
           <p:cNvSpPr>
             <a:spLocks noGrp="1"/>
           </p:cNvSpPr>
@@ -2377,7 +1944,7 @@
     </p:spTree>
     <p:extLst>
       <p:ext uri="{BB962C8B-B14F-4D97-AF65-F5344CB8AC3E}">
-        <p14:creationId xmlns:p14="http://schemas.microsoft.com/office/powerpoint/2010/main" val="2941677830"/>
+        <p14:creationId xmlns:p14="http://schemas.microsoft.com/office/powerpoint/2010/main" val="395219981"/>
       </p:ext>
     </p:extLst>
   </p:cSld>
@@ -2390,6 +1957,14 @@
 <file path=ppt/slideLayouts/slideLayout3.xml><?xml version="1.0" encoding="utf-8"?>
 <p:sldLayout xmlns:a="http://schemas.openxmlformats.org/drawingml/2006/main" xmlns:r="http://schemas.openxmlformats.org/officeDocument/2006/relationships" xmlns:p="http://schemas.openxmlformats.org/presentationml/2006/main" type="secHead" preserve="1">
   <p:cSld name="Section Header">
+    <p:bg>
+      <p:bgPr>
+        <a:solidFill>
+          <a:schemeClr val="accent1"/>
+        </a:solidFill>
+        <a:effectLst/>
+      </p:bgPr>
+    </p:bg>
     <p:spTree>
       <p:nvGrpSpPr>
         <p:cNvPr id="1" name=""/>
@@ -2406,73 +1981,76 @@
       </p:grpSpPr>
       <p:sp>
         <p:nvSpPr>
-          <p:cNvPr id="2" name="Title 1">
-            <a:extLst>
-              <a:ext uri="{FF2B5EF4-FFF2-40B4-BE49-F238E27FC236}">
-                <a16:creationId xmlns:a16="http://schemas.microsoft.com/office/drawing/2014/main" id="{AB45706C-A8F0-4D8B-AD40-08583DD3411B}"/>
-              </a:ext>
-            </a:extLst>
-          </p:cNvPr>
+          <p:cNvPr id="2" name="Title 1"/>
           <p:cNvSpPr>
             <a:spLocks noGrp="1"/>
           </p:cNvSpPr>
           <p:nvPr>
             <p:ph type="title"/>
+          </p:nvPr>
+        </p:nvSpPr>
+        <p:spPr bwMode="blackWhite">
+          <a:xfrm>
+            <a:off x="1600200" y="2386744"/>
+            <a:ext cx="8991600" cy="1645920"/>
+          </a:xfrm>
+          <a:solidFill>
+            <a:srgbClr val="FFFFFF"/>
+          </a:solidFill>
+          <a:ln w="38100">
+            <a:solidFill>
+              <a:srgbClr val="404040"/>
+            </a:solidFill>
+          </a:ln>
+        </p:spPr>
+        <p:txBody>
+          <a:bodyPr lIns="274320" rIns="274320" anchor="ctr" anchorCtr="1">
+            <a:normAutofit/>
+          </a:bodyPr>
+          <a:lstStyle>
+            <a:lvl1pPr>
+              <a:defRPr sz="3800">
+                <a:solidFill>
+                  <a:srgbClr val="262626"/>
+                </a:solidFill>
+              </a:defRPr>
+            </a:lvl1pPr>
+          </a:lstStyle>
+          <a:p>
+            <a:r>
+              <a:rPr lang="en-US"/>
+              <a:t>Click to edit Master title style</a:t>
+            </a:r>
+            <a:endParaRPr lang="en-US" dirty="0"/>
+          </a:p>
+        </p:txBody>
+      </p:sp>
+      <p:sp>
+        <p:nvSpPr>
+          <p:cNvPr id="3" name="Text Placeholder 2"/>
+          <p:cNvSpPr>
+            <a:spLocks noGrp="1"/>
+          </p:cNvSpPr>
+          <p:nvPr>
+            <p:ph type="body" idx="1"/>
           </p:nvPr>
         </p:nvSpPr>
         <p:spPr>
           <a:xfrm>
-            <a:off x="831850" y="1709738"/>
-            <a:ext cx="10515600" cy="2852737"/>
+            <a:off x="2695194" y="4352465"/>
+            <a:ext cx="6801612" cy="1265082"/>
           </a:xfrm>
         </p:spPr>
         <p:txBody>
-          <a:bodyPr anchor="b"/>
-          <a:lstStyle>
-            <a:lvl1pPr>
-              <a:defRPr sz="6000"/>
-            </a:lvl1pPr>
-          </a:lstStyle>
-          <a:p>
-            <a:r>
-              <a:rPr lang="en-US"/>
-              <a:t>Click to edit Master title style</a:t>
-            </a:r>
-          </a:p>
-        </p:txBody>
-      </p:sp>
-      <p:sp>
-        <p:nvSpPr>
-          <p:cNvPr id="3" name="Text Placeholder 2">
-            <a:extLst>
-              <a:ext uri="{FF2B5EF4-FFF2-40B4-BE49-F238E27FC236}">
-                <a16:creationId xmlns:a16="http://schemas.microsoft.com/office/drawing/2014/main" id="{0EAA8D48-965C-47CA-8C24-1BD8A0E6BE02}"/>
-              </a:ext>
-            </a:extLst>
-          </p:cNvPr>
-          <p:cNvSpPr>
-            <a:spLocks noGrp="1"/>
-          </p:cNvSpPr>
-          <p:nvPr>
-            <p:ph type="body" idx="1"/>
-          </p:nvPr>
-        </p:nvSpPr>
-        <p:spPr>
-          <a:xfrm>
-            <a:off x="831850" y="4589463"/>
-            <a:ext cx="10515600" cy="1500187"/>
-          </a:xfrm>
-        </p:spPr>
-        <p:txBody>
-          <a:bodyPr/>
+          <a:bodyPr anchor="t" anchorCtr="1">
+            <a:normAutofit/>
+          </a:bodyPr>
           <a:lstStyle>
             <a:lvl1pPr marL="0" indent="0">
               <a:buNone/>
-              <a:defRPr sz="2400">
+              <a:defRPr sz="2000">
                 <a:solidFill>
-                  <a:schemeClr val="tx1">
-                    <a:tint val="75000"/>
-                  </a:schemeClr>
+                  <a:schemeClr val="tx1"/>
                 </a:solidFill>
               </a:defRPr>
             </a:lvl1pPr>
@@ -2568,13 +2146,7 @@
       </p:sp>
       <p:sp>
         <p:nvSpPr>
-          <p:cNvPr id="4" name="Date Placeholder 3">
-            <a:extLst>
-              <a:ext uri="{FF2B5EF4-FFF2-40B4-BE49-F238E27FC236}">
-                <a16:creationId xmlns:a16="http://schemas.microsoft.com/office/drawing/2014/main" id="{39CAA370-AC83-4292-A0EF-6C239C87158A}"/>
-              </a:ext>
-            </a:extLst>
-          </p:cNvPr>
+          <p:cNvPr id="7" name="Date Placeholder 6"/>
           <p:cNvSpPr>
             <a:spLocks noGrp="1"/>
           </p:cNvSpPr>
@@ -2597,13 +2169,7 @@
       </p:sp>
       <p:sp>
         <p:nvSpPr>
-          <p:cNvPr id="5" name="Footer Placeholder 4">
-            <a:extLst>
-              <a:ext uri="{FF2B5EF4-FFF2-40B4-BE49-F238E27FC236}">
-                <a16:creationId xmlns:a16="http://schemas.microsoft.com/office/drawing/2014/main" id="{7BAC2DF4-63A5-48FD-8119-74CBE9A7FFDB}"/>
-              </a:ext>
-            </a:extLst>
-          </p:cNvPr>
+          <p:cNvPr id="8" name="Footer Placeholder 7"/>
           <p:cNvSpPr>
             <a:spLocks noGrp="1"/>
           </p:cNvSpPr>
@@ -2622,13 +2188,7 @@
       </p:sp>
       <p:sp>
         <p:nvSpPr>
-          <p:cNvPr id="6" name="Slide Number Placeholder 5">
-            <a:extLst>
-              <a:ext uri="{FF2B5EF4-FFF2-40B4-BE49-F238E27FC236}">
-                <a16:creationId xmlns:a16="http://schemas.microsoft.com/office/drawing/2014/main" id="{EE57BA06-3073-49E6-BD54-E5D5BFE2AF19}"/>
-              </a:ext>
-            </a:extLst>
-          </p:cNvPr>
+          <p:cNvPr id="9" name="Slide Number Placeholder 8"/>
           <p:cNvSpPr>
             <a:spLocks noGrp="1"/>
           </p:cNvSpPr>
@@ -2652,12 +2212,12 @@
     </p:spTree>
     <p:extLst>
       <p:ext uri="{BB962C8B-B14F-4D97-AF65-F5344CB8AC3E}">
-        <p14:creationId xmlns:p14="http://schemas.microsoft.com/office/powerpoint/2010/main" val="2837971818"/>
+        <p14:creationId xmlns:p14="http://schemas.microsoft.com/office/powerpoint/2010/main" val="3085480402"/>
       </p:ext>
     </p:extLst>
   </p:cSld>
   <p:clrMapOvr>
-    <a:masterClrMapping/>
+    <a:overrideClrMapping bg1="dk1" tx1="lt1" bg2="dk2" tx2="lt2" accent1="accent1" accent2="accent2" accent3="accent3" accent4="accent4" accent5="accent5" accent6="accent6" hlink="hlink" folHlink="folHlink"/>
   </p:clrMapOvr>
 </p:sldLayout>
 </file>
@@ -2681,57 +2241,98 @@
       </p:grpSpPr>
       <p:sp>
         <p:nvSpPr>
-          <p:cNvPr id="2" name="Title 1">
-            <a:extLst>
-              <a:ext uri="{FF2B5EF4-FFF2-40B4-BE49-F238E27FC236}">
-                <a16:creationId xmlns:a16="http://schemas.microsoft.com/office/drawing/2014/main" id="{35322819-A4BD-4A79-A1A9-1DEAFFFC3541}"/>
-              </a:ext>
-            </a:extLst>
-          </p:cNvPr>
+          <p:cNvPr id="2" name="Title 1"/>
           <p:cNvSpPr>
             <a:spLocks noGrp="1"/>
           </p:cNvSpPr>
           <p:nvPr>
             <p:ph type="title"/>
+          </p:nvPr>
+        </p:nvSpPr>
+        <p:spPr/>
+        <p:txBody>
+          <a:bodyPr/>
+          <a:lstStyle/>
+          <a:p>
+            <a:r>
+              <a:rPr lang="en-US"/>
+              <a:t>Click to edit Master title style</a:t>
+            </a:r>
+            <a:endParaRPr lang="en-US" dirty="0"/>
+          </a:p>
+        </p:txBody>
+      </p:sp>
+      <p:sp>
+        <p:nvSpPr>
+          <p:cNvPr id="3" name="Content Placeholder 2"/>
+          <p:cNvSpPr>
+            <a:spLocks noGrp="1"/>
+          </p:cNvSpPr>
+          <p:nvPr>
+            <p:ph sz="half" idx="1"/>
           </p:nvPr>
         </p:nvSpPr>
         <p:spPr>
           <a:xfrm>
-            <a:off x="838200" y="136525"/>
-            <a:ext cx="10515600" cy="1325563"/>
+            <a:off x="1581912" y="2638044"/>
+            <a:ext cx="4271771" cy="3101982"/>
           </a:xfrm>
         </p:spPr>
         <p:txBody>
           <a:bodyPr/>
           <a:lstStyle/>
           <a:p>
+            <a:pPr lvl="0"/>
             <a:r>
               <a:rPr lang="en-US"/>
-              <a:t>Click to edit Master title style</a:t>
-            </a:r>
-          </a:p>
-        </p:txBody>
-      </p:sp>
-      <p:sp>
-        <p:nvSpPr>
-          <p:cNvPr id="3" name="Content Placeholder 2">
-            <a:extLst>
-              <a:ext uri="{FF2B5EF4-FFF2-40B4-BE49-F238E27FC236}">
-                <a16:creationId xmlns:a16="http://schemas.microsoft.com/office/drawing/2014/main" id="{FF35A4D7-173C-41E6-B7BF-C9F137509235}"/>
-              </a:ext>
-            </a:extLst>
-          </p:cNvPr>
-          <p:cNvSpPr>
-            <a:spLocks noGrp="1"/>
-          </p:cNvSpPr>
-          <p:nvPr>
-            <p:ph sz="half" idx="1"/>
+              <a:t>Edit Master text styles</a:t>
+            </a:r>
+          </a:p>
+          <a:p>
+            <a:pPr lvl="1"/>
+            <a:r>
+              <a:rPr lang="en-US"/>
+              <a:t>Second level</a:t>
+            </a:r>
+          </a:p>
+          <a:p>
+            <a:pPr lvl="2"/>
+            <a:r>
+              <a:rPr lang="en-US"/>
+              <a:t>Third level</a:t>
+            </a:r>
+          </a:p>
+          <a:p>
+            <a:pPr lvl="3"/>
+            <a:r>
+              <a:rPr lang="en-US"/>
+              <a:t>Fourth level</a:t>
+            </a:r>
+          </a:p>
+          <a:p>
+            <a:pPr lvl="4"/>
+            <a:r>
+              <a:rPr lang="en-US"/>
+              <a:t>Fifth level</a:t>
+            </a:r>
+            <a:endParaRPr lang="en-US" dirty="0"/>
+          </a:p>
+        </p:txBody>
+      </p:sp>
+      <p:sp>
+        <p:nvSpPr>
+          <p:cNvPr id="4" name="Content Placeholder 3"/>
+          <p:cNvSpPr>
+            <a:spLocks noGrp="1"/>
+          </p:cNvSpPr>
+          <p:nvPr>
+            <p:ph sz="half" idx="2"/>
           </p:nvPr>
         </p:nvSpPr>
         <p:spPr>
           <a:xfrm>
-            <a:off x="838200" y="1825625"/>
-            <a:ext cx="5181600" cy="4351338"/>
+            <a:off x="6338315" y="2638044"/>
+            <a:ext cx="4270247" cy="3101982"/>
           </a:xfrm>
         </p:spPr>
         <p:txBody>
@@ -2771,80 +2372,13 @@
               <a:rPr lang="en-US"/>
               <a:t>Fifth level</a:t>
             </a:r>
-          </a:p>
-        </p:txBody>
-      </p:sp>
-      <p:sp>
-        <p:nvSpPr>
-          <p:cNvPr id="4" name="Content Placeholder 3">
-            <a:extLst>
-              <a:ext uri="{FF2B5EF4-FFF2-40B4-BE49-F238E27FC236}">
-                <a16:creationId xmlns:a16="http://schemas.microsoft.com/office/drawing/2014/main" id="{0DC103D7-FC9E-4559-8DD6-565A81A328CA}"/>
-              </a:ext>
-            </a:extLst>
-          </p:cNvPr>
-          <p:cNvSpPr>
-            <a:spLocks noGrp="1"/>
-          </p:cNvSpPr>
-          <p:nvPr>
-            <p:ph sz="half" idx="2"/>
-          </p:nvPr>
-        </p:nvSpPr>
-        <p:spPr>
-          <a:xfrm>
-            <a:off x="6172200" y="1825625"/>
-            <a:ext cx="5181600" cy="4351338"/>
-          </a:xfrm>
-        </p:spPr>
-        <p:txBody>
-          <a:bodyPr/>
-          <a:lstStyle/>
-          <a:p>
-            <a:pPr lvl="0"/>
-            <a:r>
-              <a:rPr lang="en-US"/>
-              <a:t>Edit Master text styles</a:t>
-            </a:r>
-          </a:p>
-          <a:p>
-            <a:pPr lvl="1"/>
-            <a:r>
-              <a:rPr lang="en-US"/>
-              <a:t>Second level</a:t>
-            </a:r>
-          </a:p>
-          <a:p>
-            <a:pPr lvl="2"/>
-            <a:r>
-              <a:rPr lang="en-US"/>
-              <a:t>Third level</a:t>
-            </a:r>
-          </a:p>
-          <a:p>
-            <a:pPr lvl="3"/>
-            <a:r>
-              <a:rPr lang="en-US"/>
-              <a:t>Fourth level</a:t>
-            </a:r>
-          </a:p>
-          <a:p>
-            <a:pPr lvl="4"/>
-            <a:r>
-              <a:rPr lang="en-US"/>
-              <a:t>Fifth level</a:t>
-            </a:r>
-          </a:p>
-        </p:txBody>
-      </p:sp>
-      <p:sp>
-        <p:nvSpPr>
-          <p:cNvPr id="5" name="Date Placeholder 4">
-            <a:extLst>
-              <a:ext uri="{FF2B5EF4-FFF2-40B4-BE49-F238E27FC236}">
-                <a16:creationId xmlns:a16="http://schemas.microsoft.com/office/drawing/2014/main" id="{245EBE46-2B18-4421-873A-D8329BC5C66E}"/>
-              </a:ext>
-            </a:extLst>
-          </p:cNvPr>
+            <a:endParaRPr lang="en-US" dirty="0"/>
+          </a:p>
+        </p:txBody>
+      </p:sp>
+      <p:sp>
+        <p:nvSpPr>
+          <p:cNvPr id="8" name="Date Placeholder 7"/>
           <p:cNvSpPr>
             <a:spLocks noGrp="1"/>
           </p:cNvSpPr>
@@ -2867,13 +2401,7 @@
       </p:sp>
       <p:sp>
         <p:nvSpPr>
-          <p:cNvPr id="6" name="Footer Placeholder 5">
-            <a:extLst>
-              <a:ext uri="{FF2B5EF4-FFF2-40B4-BE49-F238E27FC236}">
-                <a16:creationId xmlns:a16="http://schemas.microsoft.com/office/drawing/2014/main" id="{87EE3577-4C7A-4FDB-800D-F2960844BCE0}"/>
-              </a:ext>
-            </a:extLst>
-          </p:cNvPr>
+          <p:cNvPr id="9" name="Footer Placeholder 8"/>
           <p:cNvSpPr>
             <a:spLocks noGrp="1"/>
           </p:cNvSpPr>
@@ -2892,13 +2420,7 @@
       </p:sp>
       <p:sp>
         <p:nvSpPr>
-          <p:cNvPr id="7" name="Slide Number Placeholder 6">
-            <a:extLst>
-              <a:ext uri="{FF2B5EF4-FFF2-40B4-BE49-F238E27FC236}">
-                <a16:creationId xmlns:a16="http://schemas.microsoft.com/office/drawing/2014/main" id="{7FBDC328-5367-4A3F-BF5D-36AE3F4F3C31}"/>
-              </a:ext>
-            </a:extLst>
-          </p:cNvPr>
+          <p:cNvPr id="10" name="Slide Number Placeholder 9"/>
           <p:cNvSpPr>
             <a:spLocks noGrp="1"/>
           </p:cNvSpPr>
@@ -2922,7 +2444,7 @@
     </p:spTree>
     <p:extLst>
       <p:ext uri="{BB962C8B-B14F-4D97-AF65-F5344CB8AC3E}">
-        <p14:creationId xmlns:p14="http://schemas.microsoft.com/office/powerpoint/2010/main" val="2732972911"/>
+        <p14:creationId xmlns:p14="http://schemas.microsoft.com/office/powerpoint/2010/main" val="3296614875"/>
       </p:ext>
     </p:extLst>
   </p:cSld>
@@ -2951,69 +2473,38 @@
       </p:grpSpPr>
       <p:sp>
         <p:nvSpPr>
-          <p:cNvPr id="2" name="Title 1">
-            <a:extLst>
-              <a:ext uri="{FF2B5EF4-FFF2-40B4-BE49-F238E27FC236}">
-                <a16:creationId xmlns:a16="http://schemas.microsoft.com/office/drawing/2014/main" id="{22E04EDA-88CE-4C46-AC07-908B87EAA447}"/>
-              </a:ext>
-            </a:extLst>
-          </p:cNvPr>
-          <p:cNvSpPr>
-            <a:spLocks noGrp="1"/>
-          </p:cNvSpPr>
-          <p:nvPr>
-            <p:ph type="title"/>
+          <p:cNvPr id="3" name="Text Placeholder 2"/>
+          <p:cNvSpPr>
+            <a:spLocks noGrp="1"/>
+          </p:cNvSpPr>
+          <p:nvPr>
+            <p:ph type="body" idx="1"/>
           </p:nvPr>
         </p:nvSpPr>
         <p:spPr>
           <a:xfrm>
-            <a:off x="838200" y="184761"/>
-            <a:ext cx="10515600" cy="1325563"/>
+            <a:off x="1583436" y="2313433"/>
+            <a:ext cx="4270248" cy="704087"/>
           </a:xfrm>
         </p:spPr>
         <p:txBody>
-          <a:bodyPr/>
-          <a:lstStyle/>
-          <a:p>
-            <a:r>
-              <a:rPr lang="en-US"/>
-              <a:t>Click to edit Master title style</a:t>
-            </a:r>
-          </a:p>
-        </p:txBody>
-      </p:sp>
-      <p:sp>
-        <p:nvSpPr>
-          <p:cNvPr id="3" name="Text Placeholder 2">
-            <a:extLst>
-              <a:ext uri="{FF2B5EF4-FFF2-40B4-BE49-F238E27FC236}">
-                <a16:creationId xmlns:a16="http://schemas.microsoft.com/office/drawing/2014/main" id="{029DD25D-E7C6-4DE9-9578-B57AE3507E57}"/>
-              </a:ext>
-            </a:extLst>
-          </p:cNvPr>
-          <p:cNvSpPr>
-            <a:spLocks noGrp="1"/>
-          </p:cNvSpPr>
-          <p:nvPr>
-            <p:ph type="body" idx="1"/>
-          </p:nvPr>
-        </p:nvSpPr>
-        <p:spPr>
-          <a:xfrm>
-            <a:off x="839788" y="1681163"/>
-            <a:ext cx="5157787" cy="823912"/>
-          </a:xfrm>
-        </p:spPr>
-        <p:txBody>
-          <a:bodyPr anchor="b"/>
+          <a:bodyPr anchor="b" anchorCtr="1">
+            <a:normAutofit/>
+          </a:bodyPr>
           <a:lstStyle>
-            <a:lvl1pPr marL="0" indent="0">
+            <a:lvl1pPr marL="0" indent="0" algn="ctr">
               <a:buNone/>
-              <a:defRPr sz="2400" b="1"/>
+              <a:defRPr sz="1900" b="0" cap="all" spc="100" baseline="0">
+                <a:solidFill>
+                  <a:schemeClr val="accent2">
+                    <a:lumMod val="75000"/>
+                  </a:schemeClr>
+                </a:solidFill>
+              </a:defRPr>
             </a:lvl1pPr>
             <a:lvl2pPr marL="457200" indent="0">
               <a:buNone/>
-              <a:defRPr sz="2000" b="1"/>
+              <a:defRPr sz="1900" b="1"/>
             </a:lvl2pPr>
             <a:lvl3pPr marL="914400" indent="0">
               <a:buNone/>
@@ -3055,13 +2546,7 @@
       </p:sp>
       <p:sp>
         <p:nvSpPr>
-          <p:cNvPr id="4" name="Content Placeholder 3">
-            <a:extLst>
-              <a:ext uri="{FF2B5EF4-FFF2-40B4-BE49-F238E27FC236}">
-                <a16:creationId xmlns:a16="http://schemas.microsoft.com/office/drawing/2014/main" id="{7F5B0893-5832-4BF7-A409-3727FD9FDB80}"/>
-              </a:ext>
-            </a:extLst>
-          </p:cNvPr>
+          <p:cNvPr id="4" name="Content Placeholder 3"/>
           <p:cNvSpPr>
             <a:spLocks noGrp="1"/>
           </p:cNvSpPr>
@@ -3071,8 +2556,8 @@
         </p:nvSpPr>
         <p:spPr>
           <a:xfrm>
-            <a:off x="839788" y="2505075"/>
-            <a:ext cx="5157787" cy="3684588"/>
+            <a:off x="1583436" y="3143250"/>
+            <a:ext cx="4270248" cy="2596776"/>
           </a:xfrm>
         </p:spPr>
         <p:txBody>
@@ -3112,41 +2597,105 @@
               <a:rPr lang="en-US"/>
               <a:t>Fifth level</a:t>
             </a:r>
-          </a:p>
-        </p:txBody>
-      </p:sp>
-      <p:sp>
-        <p:nvSpPr>
-          <p:cNvPr id="5" name="Text Placeholder 4">
-            <a:extLst>
-              <a:ext uri="{FF2B5EF4-FFF2-40B4-BE49-F238E27FC236}">
-                <a16:creationId xmlns:a16="http://schemas.microsoft.com/office/drawing/2014/main" id="{AC692708-E4AF-4A4F-8731-24790D262080}"/>
-              </a:ext>
-            </a:extLst>
-          </p:cNvPr>
-          <p:cNvSpPr>
-            <a:spLocks noGrp="1"/>
-          </p:cNvSpPr>
-          <p:nvPr>
-            <p:ph type="body" sz="quarter" idx="3"/>
+            <a:endParaRPr lang="en-US" dirty="0"/>
+          </a:p>
+        </p:txBody>
+      </p:sp>
+      <p:sp>
+        <p:nvSpPr>
+          <p:cNvPr id="6" name="Content Placeholder 5"/>
+          <p:cNvSpPr>
+            <a:spLocks noGrp="1"/>
+          </p:cNvSpPr>
+          <p:nvPr>
+            <p:ph sz="quarter" idx="4"/>
           </p:nvPr>
         </p:nvSpPr>
         <p:spPr>
           <a:xfrm>
-            <a:off x="6172200" y="1681163"/>
-            <a:ext cx="5183188" cy="823912"/>
+            <a:off x="6338316" y="3143250"/>
+            <a:ext cx="4253484" cy="2596776"/>
           </a:xfrm>
         </p:spPr>
         <p:txBody>
-          <a:bodyPr anchor="b"/>
+          <a:bodyPr/>
           <a:lstStyle>
-            <a:lvl1pPr marL="0" indent="0">
+            <a:lvl5pPr>
+              <a:defRPr/>
+            </a:lvl5pPr>
+          </a:lstStyle>
+          <a:p>
+            <a:pPr lvl="0"/>
+            <a:r>
+              <a:rPr lang="en-US"/>
+              <a:t>Edit Master text styles</a:t>
+            </a:r>
+          </a:p>
+          <a:p>
+            <a:pPr lvl="1"/>
+            <a:r>
+              <a:rPr lang="en-US"/>
+              <a:t>Second level</a:t>
+            </a:r>
+          </a:p>
+          <a:p>
+            <a:pPr lvl="2"/>
+            <a:r>
+              <a:rPr lang="en-US"/>
+              <a:t>Third level</a:t>
+            </a:r>
+          </a:p>
+          <a:p>
+            <a:pPr lvl="3"/>
+            <a:r>
+              <a:rPr lang="en-US"/>
+              <a:t>Fourth level</a:t>
+            </a:r>
+          </a:p>
+          <a:p>
+            <a:pPr lvl="4"/>
+            <a:r>
+              <a:rPr lang="en-US"/>
+              <a:t>Fifth level</a:t>
+            </a:r>
+            <a:endParaRPr lang="en-US" dirty="0"/>
+          </a:p>
+        </p:txBody>
+      </p:sp>
+      <p:sp>
+        <p:nvSpPr>
+          <p:cNvPr id="11" name="Text Placeholder 4"/>
+          <p:cNvSpPr>
+            <a:spLocks noGrp="1"/>
+          </p:cNvSpPr>
+          <p:nvPr>
+            <p:ph type="body" sz="quarter" idx="13"/>
+          </p:nvPr>
+        </p:nvSpPr>
+        <p:spPr>
+          <a:xfrm>
+            <a:off x="6338316" y="2313433"/>
+            <a:ext cx="4270248" cy="704087"/>
+          </a:xfrm>
+        </p:spPr>
+        <p:txBody>
+          <a:bodyPr anchor="b" anchorCtr="1">
+            <a:normAutofit/>
+          </a:bodyPr>
+          <a:lstStyle>
+            <a:lvl1pPr marL="0" indent="0" algn="ctr">
               <a:buNone/>
-              <a:defRPr sz="2400" b="1"/>
+              <a:defRPr sz="1900" b="0" cap="all" spc="100" baseline="0">
+                <a:solidFill>
+                  <a:schemeClr val="accent2">
+                    <a:lumMod val="75000"/>
+                  </a:schemeClr>
+                </a:solidFill>
+              </a:defRPr>
             </a:lvl1pPr>
             <a:lvl2pPr marL="457200" indent="0">
               <a:buNone/>
-              <a:defRPr sz="2000" b="1"/>
+              <a:defRPr sz="1900" b="1"/>
             </a:lvl2pPr>
             <a:lvl3pPr marL="914400" indent="0">
               <a:buNone/>
@@ -3188,75 +2737,7 @@
       </p:sp>
       <p:sp>
         <p:nvSpPr>
-          <p:cNvPr id="6" name="Content Placeholder 5">
-            <a:extLst>
-              <a:ext uri="{FF2B5EF4-FFF2-40B4-BE49-F238E27FC236}">
-                <a16:creationId xmlns:a16="http://schemas.microsoft.com/office/drawing/2014/main" id="{B0CE3F1F-0DEC-424F-9568-B011BC84547E}"/>
-              </a:ext>
-            </a:extLst>
-          </p:cNvPr>
-          <p:cNvSpPr>
-            <a:spLocks noGrp="1"/>
-          </p:cNvSpPr>
-          <p:nvPr>
-            <p:ph sz="quarter" idx="4"/>
-          </p:nvPr>
-        </p:nvSpPr>
-        <p:spPr>
-          <a:xfrm>
-            <a:off x="6172200" y="2505075"/>
-            <a:ext cx="5183188" cy="3684588"/>
-          </a:xfrm>
-        </p:spPr>
-        <p:txBody>
-          <a:bodyPr/>
-          <a:lstStyle/>
-          <a:p>
-            <a:pPr lvl="0"/>
-            <a:r>
-              <a:rPr lang="en-US"/>
-              <a:t>Edit Master text styles</a:t>
-            </a:r>
-          </a:p>
-          <a:p>
-            <a:pPr lvl="1"/>
-            <a:r>
-              <a:rPr lang="en-US"/>
-              <a:t>Second level</a:t>
-            </a:r>
-          </a:p>
-          <a:p>
-            <a:pPr lvl="2"/>
-            <a:r>
-              <a:rPr lang="en-US"/>
-              <a:t>Third level</a:t>
-            </a:r>
-          </a:p>
-          <a:p>
-            <a:pPr lvl="3"/>
-            <a:r>
-              <a:rPr lang="en-US"/>
-              <a:t>Fourth level</a:t>
-            </a:r>
-          </a:p>
-          <a:p>
-            <a:pPr lvl="4"/>
-            <a:r>
-              <a:rPr lang="en-US"/>
-              <a:t>Fifth level</a:t>
-            </a:r>
-          </a:p>
-        </p:txBody>
-      </p:sp>
-      <p:sp>
-        <p:nvSpPr>
-          <p:cNvPr id="7" name="Date Placeholder 6">
-            <a:extLst>
-              <a:ext uri="{FF2B5EF4-FFF2-40B4-BE49-F238E27FC236}">
-                <a16:creationId xmlns:a16="http://schemas.microsoft.com/office/drawing/2014/main" id="{8BC2C451-E153-440D-8AD1-CAE19FF35D55}"/>
-              </a:ext>
-            </a:extLst>
-          </p:cNvPr>
+          <p:cNvPr id="7" name="Date Placeholder 6"/>
           <p:cNvSpPr>
             <a:spLocks noGrp="1"/>
           </p:cNvSpPr>
@@ -3279,13 +2760,7 @@
       </p:sp>
       <p:sp>
         <p:nvSpPr>
-          <p:cNvPr id="8" name="Footer Placeholder 7">
-            <a:extLst>
-              <a:ext uri="{FF2B5EF4-FFF2-40B4-BE49-F238E27FC236}">
-                <a16:creationId xmlns:a16="http://schemas.microsoft.com/office/drawing/2014/main" id="{0F49AFAD-DB07-419A-880A-55E60946988B}"/>
-              </a:ext>
-            </a:extLst>
-          </p:cNvPr>
+          <p:cNvPr id="8" name="Footer Placeholder 7"/>
           <p:cNvSpPr>
             <a:spLocks noGrp="1"/>
           </p:cNvSpPr>
@@ -3304,13 +2779,7 @@
       </p:sp>
       <p:sp>
         <p:nvSpPr>
-          <p:cNvPr id="9" name="Slide Number Placeholder 8">
-            <a:extLst>
-              <a:ext uri="{FF2B5EF4-FFF2-40B4-BE49-F238E27FC236}">
-                <a16:creationId xmlns:a16="http://schemas.microsoft.com/office/drawing/2014/main" id="{87A7BED2-4D29-44D5-A917-57FCA2D85196}"/>
-              </a:ext>
-            </a:extLst>
-          </p:cNvPr>
+          <p:cNvPr id="9" name="Slide Number Placeholder 8"/>
           <p:cNvSpPr>
             <a:spLocks noGrp="1"/>
           </p:cNvSpPr>
@@ -3331,10 +2800,33 @@
           </a:p>
         </p:txBody>
       </p:sp>
+      <p:sp>
+        <p:nvSpPr>
+          <p:cNvPr id="10" name="Title 9"/>
+          <p:cNvSpPr>
+            <a:spLocks noGrp="1"/>
+          </p:cNvSpPr>
+          <p:nvPr>
+            <p:ph type="title"/>
+          </p:nvPr>
+        </p:nvSpPr>
+        <p:spPr/>
+        <p:txBody>
+          <a:bodyPr/>
+          <a:lstStyle/>
+          <a:p>
+            <a:r>
+              <a:rPr lang="en-US"/>
+              <a:t>Click to edit Master title style</a:t>
+            </a:r>
+            <a:endParaRPr lang="en-US" dirty="0"/>
+          </a:p>
+        </p:txBody>
+      </p:sp>
     </p:spTree>
     <p:extLst>
       <p:ext uri="{BB962C8B-B14F-4D97-AF65-F5344CB8AC3E}">
-        <p14:creationId xmlns:p14="http://schemas.microsoft.com/office/powerpoint/2010/main" val="3166973558"/>
+        <p14:creationId xmlns:p14="http://schemas.microsoft.com/office/powerpoint/2010/main" val="3228816621"/>
       </p:ext>
     </p:extLst>
   </p:cSld>
@@ -3363,13 +2855,7 @@
       </p:grpSpPr>
       <p:sp>
         <p:nvSpPr>
-          <p:cNvPr id="2" name="Title 1">
-            <a:extLst>
-              <a:ext uri="{FF2B5EF4-FFF2-40B4-BE49-F238E27FC236}">
-                <a16:creationId xmlns:a16="http://schemas.microsoft.com/office/drawing/2014/main" id="{FE99BFBF-D405-4356-B9FD-603CE305A8EC}"/>
-              </a:ext>
-            </a:extLst>
-          </p:cNvPr>
+          <p:cNvPr id="2" name="Title 1"/>
           <p:cNvSpPr>
             <a:spLocks noGrp="1"/>
           </p:cNvSpPr>
@@ -3386,18 +2872,13 @@
               <a:rPr lang="en-US"/>
               <a:t>Click to edit Master title style</a:t>
             </a:r>
-          </a:p>
-        </p:txBody>
-      </p:sp>
-      <p:sp>
-        <p:nvSpPr>
-          <p:cNvPr id="3" name="Date Placeholder 2">
-            <a:extLst>
-              <a:ext uri="{FF2B5EF4-FFF2-40B4-BE49-F238E27FC236}">
-                <a16:creationId xmlns:a16="http://schemas.microsoft.com/office/drawing/2014/main" id="{15B86B26-2D5D-4FE4-B90B-B24C6DC3E31E}"/>
-              </a:ext>
-            </a:extLst>
-          </p:cNvPr>
+            <a:endParaRPr lang="en-US" dirty="0"/>
+          </a:p>
+        </p:txBody>
+      </p:sp>
+      <p:sp>
+        <p:nvSpPr>
+          <p:cNvPr id="3" name="Date Placeholder 2"/>
           <p:cNvSpPr>
             <a:spLocks noGrp="1"/>
           </p:cNvSpPr>
@@ -3420,13 +2901,7 @@
       </p:sp>
       <p:sp>
         <p:nvSpPr>
-          <p:cNvPr id="4" name="Footer Placeholder 3">
-            <a:extLst>
-              <a:ext uri="{FF2B5EF4-FFF2-40B4-BE49-F238E27FC236}">
-                <a16:creationId xmlns:a16="http://schemas.microsoft.com/office/drawing/2014/main" id="{64AAF44A-618D-4C06-8309-BE51353946D2}"/>
-              </a:ext>
-            </a:extLst>
-          </p:cNvPr>
+          <p:cNvPr id="4" name="Footer Placeholder 3"/>
           <p:cNvSpPr>
             <a:spLocks noGrp="1"/>
           </p:cNvSpPr>
@@ -3445,13 +2920,7 @@
       </p:sp>
       <p:sp>
         <p:nvSpPr>
-          <p:cNvPr id="5" name="Slide Number Placeholder 4">
-            <a:extLst>
-              <a:ext uri="{FF2B5EF4-FFF2-40B4-BE49-F238E27FC236}">
-                <a16:creationId xmlns:a16="http://schemas.microsoft.com/office/drawing/2014/main" id="{2E7DB695-5C33-4E8E-B991-E61E007E9B8A}"/>
-              </a:ext>
-            </a:extLst>
-          </p:cNvPr>
+          <p:cNvPr id="5" name="Slide Number Placeholder 4"/>
           <p:cNvSpPr>
             <a:spLocks noGrp="1"/>
           </p:cNvSpPr>
@@ -3475,7 +2944,7 @@
     </p:spTree>
     <p:extLst>
       <p:ext uri="{BB962C8B-B14F-4D97-AF65-F5344CB8AC3E}">
-        <p14:creationId xmlns:p14="http://schemas.microsoft.com/office/powerpoint/2010/main" val="1580426642"/>
+        <p14:creationId xmlns:p14="http://schemas.microsoft.com/office/powerpoint/2010/main" val="2974399850"/>
       </p:ext>
     </p:extLst>
   </p:cSld>
@@ -3504,13 +2973,7 @@
       </p:grpSpPr>
       <p:sp>
         <p:nvSpPr>
-          <p:cNvPr id="2" name="Date Placeholder 1">
-            <a:extLst>
-              <a:ext uri="{FF2B5EF4-FFF2-40B4-BE49-F238E27FC236}">
-                <a16:creationId xmlns:a16="http://schemas.microsoft.com/office/drawing/2014/main" id="{B1D01DF8-4BAB-48B7-A26C-37DE4162DBD5}"/>
-              </a:ext>
-            </a:extLst>
-          </p:cNvPr>
+          <p:cNvPr id="2" name="Date Placeholder 1"/>
           <p:cNvSpPr>
             <a:spLocks noGrp="1"/>
           </p:cNvSpPr>
@@ -3533,13 +2996,7 @@
       </p:sp>
       <p:sp>
         <p:nvSpPr>
-          <p:cNvPr id="3" name="Footer Placeholder 2">
-            <a:extLst>
-              <a:ext uri="{FF2B5EF4-FFF2-40B4-BE49-F238E27FC236}">
-                <a16:creationId xmlns:a16="http://schemas.microsoft.com/office/drawing/2014/main" id="{C320EC05-66F9-48BD-AC98-D9E6BD72AE78}"/>
-              </a:ext>
-            </a:extLst>
-          </p:cNvPr>
+          <p:cNvPr id="3" name="Footer Placeholder 2"/>
           <p:cNvSpPr>
             <a:spLocks noGrp="1"/>
           </p:cNvSpPr>
@@ -3558,13 +3015,7 @@
       </p:sp>
       <p:sp>
         <p:nvSpPr>
-          <p:cNvPr id="4" name="Slide Number Placeholder 3">
-            <a:extLst>
-              <a:ext uri="{FF2B5EF4-FFF2-40B4-BE49-F238E27FC236}">
-                <a16:creationId xmlns:a16="http://schemas.microsoft.com/office/drawing/2014/main" id="{82198ECA-FCE3-4BB1-993C-1C58CC0ECF7D}"/>
-              </a:ext>
-            </a:extLst>
-          </p:cNvPr>
+          <p:cNvPr id="4" name="Slide Number Placeholder 3"/>
           <p:cNvSpPr>
             <a:spLocks noGrp="1"/>
           </p:cNvSpPr>
@@ -3588,7 +3039,7 @@
     </p:spTree>
     <p:extLst>
       <p:ext uri="{BB962C8B-B14F-4D97-AF65-F5344CB8AC3E}">
-        <p14:creationId xmlns:p14="http://schemas.microsoft.com/office/powerpoint/2010/main" val="2114923136"/>
+        <p14:creationId xmlns:p14="http://schemas.microsoft.com/office/powerpoint/2010/main" val="4118400224"/>
       </p:ext>
     </p:extLst>
   </p:cSld>
@@ -3617,159 +3068,223 @@
       </p:grpSpPr>
       <p:sp>
         <p:nvSpPr>
-          <p:cNvPr id="2" name="Title 1">
-            <a:extLst>
-              <a:ext uri="{FF2B5EF4-FFF2-40B4-BE49-F238E27FC236}">
-                <a16:creationId xmlns:a16="http://schemas.microsoft.com/office/drawing/2014/main" id="{1FCA47C6-C42F-4184-AB0A-A9D855AB0DFE}"/>
-              </a:ext>
-            </a:extLst>
-          </p:cNvPr>
-          <p:cNvSpPr>
-            <a:spLocks noGrp="1"/>
-          </p:cNvSpPr>
-          <p:nvPr>
-            <p:ph type="title"/>
-          </p:nvPr>
+          <p:cNvPr id="26" name="Rectangle 25"/>
+          <p:cNvSpPr/>
+          <p:nvPr/>
         </p:nvSpPr>
         <p:spPr>
           <a:xfrm>
-            <a:off x="839788" y="457200"/>
-            <a:ext cx="3932237" cy="1600200"/>
+            <a:off x="0" y="0"/>
+            <a:ext cx="6096000" cy="6858000"/>
+          </a:xfrm>
+          <a:prstGeom prst="rect">
+            <a:avLst/>
+          </a:prstGeom>
+          <a:solidFill>
+            <a:schemeClr val="accent2"/>
+          </a:solidFill>
+          <a:ln>
+            <a:noFill/>
+          </a:ln>
+        </p:spPr>
+        <p:style>
+          <a:lnRef idx="2">
+            <a:schemeClr val="accent1">
+              <a:shade val="50000"/>
+            </a:schemeClr>
+          </a:lnRef>
+          <a:fillRef idx="1">
+            <a:schemeClr val="accent1"/>
+          </a:fillRef>
+          <a:effectRef idx="0">
+            <a:schemeClr val="accent1"/>
+          </a:effectRef>
+          <a:fontRef idx="minor">
+            <a:schemeClr val="lt1"/>
+          </a:fontRef>
+        </p:style>
+      </p:sp>
+      <p:sp>
+        <p:nvSpPr>
+          <p:cNvPr id="2" name="Title 1"/>
+          <p:cNvSpPr>
+            <a:spLocks noGrp="1"/>
+          </p:cNvSpPr>
+          <p:nvPr>
+            <p:ph type="title"/>
+          </p:nvPr>
+        </p:nvSpPr>
+        <p:spPr bwMode="blackWhite">
+          <a:xfrm>
+            <a:off x="804672" y="2243828"/>
+            <a:ext cx="4486656" cy="1141497"/>
+          </a:xfrm>
+          <a:solidFill>
+            <a:srgbClr val="FFFFFF"/>
+          </a:solidFill>
+          <a:ln>
+            <a:solidFill>
+              <a:srgbClr val="404040"/>
+            </a:solidFill>
+          </a:ln>
+        </p:spPr>
+        <p:txBody>
+          <a:bodyPr anchor="ctr" anchorCtr="1">
+            <a:normAutofit/>
+          </a:bodyPr>
+          <a:lstStyle>
+            <a:lvl1pPr>
+              <a:defRPr sz="2200">
+                <a:solidFill>
+                  <a:srgbClr val="262626"/>
+                </a:solidFill>
+              </a:defRPr>
+            </a:lvl1pPr>
+          </a:lstStyle>
+          <a:p>
+            <a:r>
+              <a:rPr lang="en-US"/>
+              <a:t>Click to edit Master title style</a:t>
+            </a:r>
+            <a:endParaRPr lang="en-US" dirty="0"/>
+          </a:p>
+        </p:txBody>
+      </p:sp>
+      <p:sp>
+        <p:nvSpPr>
+          <p:cNvPr id="3" name="Content Placeholder 2"/>
+          <p:cNvSpPr>
+            <a:spLocks noGrp="1"/>
+          </p:cNvSpPr>
+          <p:nvPr>
+            <p:ph idx="1"/>
+          </p:nvPr>
+        </p:nvSpPr>
+        <p:spPr>
+          <a:xfrm>
+            <a:off x="6736080" y="804672"/>
+            <a:ext cx="4815840" cy="5248656"/>
           </a:xfrm>
         </p:spPr>
         <p:txBody>
-          <a:bodyPr anchor="b"/>
+          <a:bodyPr>
+            <a:normAutofit/>
+          </a:bodyPr>
           <a:lstStyle>
             <a:lvl1pPr>
-              <a:defRPr sz="3200"/>
+              <a:defRPr sz="1900">
+                <a:solidFill>
+                  <a:schemeClr val="tx1"/>
+                </a:solidFill>
+              </a:defRPr>
             </a:lvl1pPr>
+            <a:lvl2pPr>
+              <a:defRPr sz="1600">
+                <a:solidFill>
+                  <a:schemeClr val="tx1"/>
+                </a:solidFill>
+              </a:defRPr>
+            </a:lvl2pPr>
+            <a:lvl3pPr>
+              <a:defRPr sz="1600">
+                <a:solidFill>
+                  <a:schemeClr val="tx1"/>
+                </a:solidFill>
+              </a:defRPr>
+            </a:lvl3pPr>
+            <a:lvl4pPr>
+              <a:defRPr sz="1600">
+                <a:solidFill>
+                  <a:schemeClr val="tx1"/>
+                </a:solidFill>
+              </a:defRPr>
+            </a:lvl4pPr>
+            <a:lvl5pPr>
+              <a:defRPr sz="1600">
+                <a:solidFill>
+                  <a:schemeClr val="tx1"/>
+                </a:solidFill>
+              </a:defRPr>
+            </a:lvl5pPr>
+            <a:lvl6pPr>
+              <a:defRPr sz="1600"/>
+            </a:lvl6pPr>
+            <a:lvl7pPr>
+              <a:defRPr sz="1600"/>
+            </a:lvl7pPr>
+            <a:lvl8pPr>
+              <a:defRPr sz="1600"/>
+            </a:lvl8pPr>
+            <a:lvl9pPr>
+              <a:defRPr sz="1600"/>
+            </a:lvl9pPr>
           </a:lstStyle>
           <a:p>
+            <a:pPr lvl="0"/>
             <a:r>
               <a:rPr lang="en-US"/>
-              <a:t>Click to edit Master title style</a:t>
-            </a:r>
-          </a:p>
-        </p:txBody>
-      </p:sp>
-      <p:sp>
-        <p:nvSpPr>
-          <p:cNvPr id="3" name="Content Placeholder 2">
-            <a:extLst>
-              <a:ext uri="{FF2B5EF4-FFF2-40B4-BE49-F238E27FC236}">
-                <a16:creationId xmlns:a16="http://schemas.microsoft.com/office/drawing/2014/main" id="{73706AA3-A1A7-43DF-8157-F0124BE35928}"/>
-              </a:ext>
-            </a:extLst>
-          </p:cNvPr>
-          <p:cNvSpPr>
-            <a:spLocks noGrp="1"/>
-          </p:cNvSpPr>
-          <p:nvPr>
-            <p:ph idx="1"/>
+              <a:t>Edit Master text styles</a:t>
+            </a:r>
+          </a:p>
+          <a:p>
+            <a:pPr lvl="1"/>
+            <a:r>
+              <a:rPr lang="en-US"/>
+              <a:t>Second level</a:t>
+            </a:r>
+          </a:p>
+          <a:p>
+            <a:pPr lvl="2"/>
+            <a:r>
+              <a:rPr lang="en-US"/>
+              <a:t>Third level</a:t>
+            </a:r>
+          </a:p>
+          <a:p>
+            <a:pPr lvl="3"/>
+            <a:r>
+              <a:rPr lang="en-US"/>
+              <a:t>Fourth level</a:t>
+            </a:r>
+          </a:p>
+          <a:p>
+            <a:pPr lvl="4"/>
+            <a:r>
+              <a:rPr lang="en-US"/>
+              <a:t>Fifth level</a:t>
+            </a:r>
+            <a:endParaRPr lang="en-US" dirty="0"/>
+          </a:p>
+        </p:txBody>
+      </p:sp>
+      <p:sp>
+        <p:nvSpPr>
+          <p:cNvPr id="4" name="Text Placeholder 3"/>
+          <p:cNvSpPr>
+            <a:spLocks noGrp="1"/>
+          </p:cNvSpPr>
+          <p:nvPr>
+            <p:ph type="body" sz="half" idx="2"/>
           </p:nvPr>
         </p:nvSpPr>
         <p:spPr>
           <a:xfrm>
-            <a:off x="5183188" y="987425"/>
-            <a:ext cx="6172200" cy="4873625"/>
+            <a:off x="1115568" y="3549918"/>
+            <a:ext cx="3794760" cy="2194036"/>
           </a:xfrm>
         </p:spPr>
         <p:txBody>
-          <a:bodyPr/>
+          <a:bodyPr anchor="t" anchorCtr="1">
+            <a:normAutofit/>
+          </a:bodyPr>
           <a:lstStyle>
-            <a:lvl1pPr>
-              <a:defRPr sz="3200"/>
-            </a:lvl1pPr>
-            <a:lvl2pPr>
-              <a:defRPr sz="2800"/>
-            </a:lvl2pPr>
-            <a:lvl3pPr>
-              <a:defRPr sz="2400"/>
-            </a:lvl3pPr>
-            <a:lvl4pPr>
-              <a:defRPr sz="2000"/>
-            </a:lvl4pPr>
-            <a:lvl5pPr>
-              <a:defRPr sz="2000"/>
-            </a:lvl5pPr>
-            <a:lvl6pPr>
-              <a:defRPr sz="2000"/>
-            </a:lvl6pPr>
-            <a:lvl7pPr>
-              <a:defRPr sz="2000"/>
-            </a:lvl7pPr>
-            <a:lvl8pPr>
-              <a:defRPr sz="2000"/>
-            </a:lvl8pPr>
-            <a:lvl9pPr>
-              <a:defRPr sz="2000"/>
-            </a:lvl9pPr>
-          </a:lstStyle>
-          <a:p>
-            <a:pPr lvl="0"/>
-            <a:r>
-              <a:rPr lang="en-US"/>
-              <a:t>Edit Master text styles</a:t>
-            </a:r>
-          </a:p>
-          <a:p>
-            <a:pPr lvl="1"/>
-            <a:r>
-              <a:rPr lang="en-US"/>
-              <a:t>Second level</a:t>
-            </a:r>
-          </a:p>
-          <a:p>
-            <a:pPr lvl="2"/>
-            <a:r>
-              <a:rPr lang="en-US"/>
-              <a:t>Third level</a:t>
-            </a:r>
-          </a:p>
-          <a:p>
-            <a:pPr lvl="3"/>
-            <a:r>
-              <a:rPr lang="en-US"/>
-              <a:t>Fourth level</a:t>
-            </a:r>
-          </a:p>
-          <a:p>
-            <a:pPr lvl="4"/>
-            <a:r>
-              <a:rPr lang="en-US"/>
-              <a:t>Fifth level</a:t>
-            </a:r>
-          </a:p>
-        </p:txBody>
-      </p:sp>
-      <p:sp>
-        <p:nvSpPr>
-          <p:cNvPr id="4" name="Text Placeholder 3">
-            <a:extLst>
-              <a:ext uri="{FF2B5EF4-FFF2-40B4-BE49-F238E27FC236}">
-                <a16:creationId xmlns:a16="http://schemas.microsoft.com/office/drawing/2014/main" id="{AB960E79-B6C4-4603-9EEC-42F5231E484D}"/>
-              </a:ext>
-            </a:extLst>
-          </p:cNvPr>
-          <p:cNvSpPr>
-            <a:spLocks noGrp="1"/>
-          </p:cNvSpPr>
-          <p:nvPr>
-            <p:ph type="body" sz="half" idx="2"/>
-          </p:nvPr>
-        </p:nvSpPr>
-        <p:spPr>
-          <a:xfrm>
-            <a:off x="839788" y="2057400"/>
-            <a:ext cx="3932237" cy="3811588"/>
-          </a:xfrm>
-        </p:spPr>
-        <p:txBody>
-          <a:bodyPr/>
-          <a:lstStyle>
-            <a:lvl1pPr marL="0" indent="0">
+            <a:lvl1pPr marL="0" indent="0" algn="ctr">
               <a:buNone/>
-              <a:defRPr sz="1600"/>
+              <a:defRPr sz="1500">
+                <a:solidFill>
+                  <a:srgbClr val="FFFFFF"/>
+                </a:solidFill>
+              </a:defRPr>
             </a:lvl1pPr>
             <a:lvl2pPr marL="457200" indent="0">
               <a:buNone/>
@@ -3815,13 +3330,7 @@
       </p:sp>
       <p:sp>
         <p:nvSpPr>
-          <p:cNvPr id="5" name="Date Placeholder 4">
-            <a:extLst>
-              <a:ext uri="{FF2B5EF4-FFF2-40B4-BE49-F238E27FC236}">
-                <a16:creationId xmlns:a16="http://schemas.microsoft.com/office/drawing/2014/main" id="{60C6170B-23B6-4AB1-ACD5-799DA82CCDF3}"/>
-              </a:ext>
-            </a:extLst>
-          </p:cNvPr>
+          <p:cNvPr id="9" name="Date Placeholder 8"/>
           <p:cNvSpPr>
             <a:spLocks noGrp="1"/>
           </p:cNvSpPr>
@@ -3844,13 +3353,7 @@
       </p:sp>
       <p:sp>
         <p:nvSpPr>
-          <p:cNvPr id="6" name="Footer Placeholder 5">
-            <a:extLst>
-              <a:ext uri="{FF2B5EF4-FFF2-40B4-BE49-F238E27FC236}">
-                <a16:creationId xmlns:a16="http://schemas.microsoft.com/office/drawing/2014/main" id="{22D5CCB1-04CF-431B-933D-806EE1A6740F}"/>
-              </a:ext>
-            </a:extLst>
-          </p:cNvPr>
+          <p:cNvPr id="10" name="Footer Placeholder 9"/>
           <p:cNvSpPr>
             <a:spLocks noGrp="1"/>
           </p:cNvSpPr>
@@ -3858,10 +3361,25 @@
             <p:ph type="ftr" sz="quarter" idx="11"/>
           </p:nvPr>
         </p:nvSpPr>
-        <p:spPr/>
+        <p:spPr>
+          <a:xfrm>
+            <a:off x="804672" y="6236208"/>
+            <a:ext cx="5124797" cy="320040"/>
+          </a:xfrm>
+        </p:spPr>
         <p:txBody>
           <a:bodyPr/>
-          <a:lstStyle/>
+          <a:lstStyle>
+            <a:lvl1pPr>
+              <a:defRPr>
+                <a:solidFill>
+                  <a:srgbClr val="FFFFFF">
+                    <a:alpha val="70000"/>
+                  </a:srgbClr>
+                </a:solidFill>
+              </a:defRPr>
+            </a:lvl1pPr>
+          </a:lstStyle>
           <a:p>
             <a:endParaRPr lang="en-US"/>
           </a:p>
@@ -3869,13 +3387,7 @@
       </p:sp>
       <p:sp>
         <p:nvSpPr>
-          <p:cNvPr id="7" name="Slide Number Placeholder 6">
-            <a:extLst>
-              <a:ext uri="{FF2B5EF4-FFF2-40B4-BE49-F238E27FC236}">
-                <a16:creationId xmlns:a16="http://schemas.microsoft.com/office/drawing/2014/main" id="{DEF9A996-634A-43B6-A214-BB11E98B3E21}"/>
-              </a:ext>
-            </a:extLst>
-          </p:cNvPr>
+          <p:cNvPr id="11" name="Slide Number Placeholder 10"/>
           <p:cNvSpPr>
             <a:spLocks noGrp="1"/>
           </p:cNvSpPr>
@@ -3899,7 +3411,7 @@
     </p:spTree>
     <p:extLst>
       <p:ext uri="{BB962C8B-B14F-4D97-AF65-F5344CB8AC3E}">
-        <p14:creationId xmlns:p14="http://schemas.microsoft.com/office/powerpoint/2010/main" val="3081796230"/>
+        <p14:creationId xmlns:p14="http://schemas.microsoft.com/office/powerpoint/2010/main" val="3859322030"/>
       </p:ext>
     </p:extLst>
   </p:cSld>
@@ -3928,31 +3440,77 @@
       </p:grpSpPr>
       <p:sp>
         <p:nvSpPr>
-          <p:cNvPr id="2" name="Title 1">
-            <a:extLst>
-              <a:ext uri="{FF2B5EF4-FFF2-40B4-BE49-F238E27FC236}">
-                <a16:creationId xmlns:a16="http://schemas.microsoft.com/office/drawing/2014/main" id="{7E1A932F-284C-40FD-B409-BB2E5DF6E0ED}"/>
-              </a:ext>
-            </a:extLst>
-          </p:cNvPr>
-          <p:cNvSpPr>
-            <a:spLocks noGrp="1"/>
-          </p:cNvSpPr>
-          <p:nvPr>
-            <p:ph type="title"/>
-          </p:nvPr>
+          <p:cNvPr id="18" name="Rectangle 17"/>
+          <p:cNvSpPr/>
+          <p:nvPr/>
         </p:nvSpPr>
         <p:spPr>
           <a:xfrm>
-            <a:off x="839788" y="457200"/>
-            <a:ext cx="3932237" cy="1600200"/>
+            <a:off x="0" y="0"/>
+            <a:ext cx="6095999" cy="6858000"/>
           </a:xfrm>
+          <a:prstGeom prst="rect">
+            <a:avLst/>
+          </a:prstGeom>
+          <a:solidFill>
+            <a:schemeClr val="accent2"/>
+          </a:solidFill>
+          <a:ln>
+            <a:noFill/>
+          </a:ln>
         </p:spPr>
-        <p:txBody>
-          <a:bodyPr anchor="b"/>
+        <p:style>
+          <a:lnRef idx="2">
+            <a:schemeClr val="accent1">
+              <a:shade val="50000"/>
+            </a:schemeClr>
+          </a:lnRef>
+          <a:fillRef idx="1">
+            <a:schemeClr val="accent1"/>
+          </a:fillRef>
+          <a:effectRef idx="0">
+            <a:schemeClr val="accent1"/>
+          </a:effectRef>
+          <a:fontRef idx="minor">
+            <a:schemeClr val="lt1"/>
+          </a:fontRef>
+        </p:style>
+      </p:sp>
+      <p:sp>
+        <p:nvSpPr>
+          <p:cNvPr id="2" name="Title 1"/>
+          <p:cNvSpPr>
+            <a:spLocks noGrp="1"/>
+          </p:cNvSpPr>
+          <p:nvPr>
+            <p:ph type="title"/>
+          </p:nvPr>
+        </p:nvSpPr>
+        <p:spPr bwMode="blackWhite">
+          <a:xfrm>
+            <a:off x="808523" y="2243828"/>
+            <a:ext cx="4494998" cy="1134640"/>
+          </a:xfrm>
+          <a:solidFill>
+            <a:srgbClr val="FFFFFF"/>
+          </a:solidFill>
+          <a:ln>
+            <a:solidFill>
+              <a:srgbClr val="404040"/>
+            </a:solidFill>
+          </a:ln>
+        </p:spPr>
+        <p:txBody>
+          <a:bodyPr anchor="ctr" anchorCtr="1">
+            <a:noAutofit/>
+          </a:bodyPr>
           <a:lstStyle>
             <a:lvl1pPr>
-              <a:defRPr sz="3200"/>
+              <a:defRPr sz="2200">
+                <a:solidFill>
+                  <a:srgbClr val="262626"/>
+                </a:solidFill>
+              </a:defRPr>
             </a:lvl1pPr>
           </a:lstStyle>
           <a:p>
@@ -3960,20 +3518,15 @@
               <a:rPr lang="en-US"/>
               <a:t>Click to edit Master title style</a:t>
             </a:r>
-          </a:p>
-        </p:txBody>
-      </p:sp>
-      <p:sp>
-        <p:nvSpPr>
-          <p:cNvPr id="3" name="Picture Placeholder 2">
-            <a:extLst>
-              <a:ext uri="{FF2B5EF4-FFF2-40B4-BE49-F238E27FC236}">
-                <a16:creationId xmlns:a16="http://schemas.microsoft.com/office/drawing/2014/main" id="{CFB831DF-F8F6-4A84-A90F-AB9E0D35AFF9}"/>
-              </a:ext>
-            </a:extLst>
-          </p:cNvPr>
-          <p:cNvSpPr>
-            <a:spLocks noGrp="1"/>
+            <a:endParaRPr lang="en-US" dirty="0"/>
+          </a:p>
+        </p:txBody>
+      </p:sp>
+      <p:sp>
+        <p:nvSpPr>
+          <p:cNvPr id="3" name="Picture Placeholder 2"/>
+          <p:cNvSpPr>
+            <a:spLocks noGrp="1" noChangeAspect="1"/>
           </p:cNvSpPr>
           <p:nvPr>
             <p:ph type="pic" idx="1"/>
@@ -3981,16 +3534,28 @@
         </p:nvSpPr>
         <p:spPr>
           <a:xfrm>
-            <a:off x="5183188" y="987425"/>
-            <a:ext cx="6172200" cy="4873625"/>
+            <a:off x="6095999" y="0"/>
+            <a:ext cx="6102097" cy="6858000"/>
           </a:xfrm>
+          <a:solidFill>
+            <a:schemeClr val="bg1">
+              <a:lumMod val="75000"/>
+            </a:schemeClr>
+          </a:solidFill>
         </p:spPr>
         <p:txBody>
-          <a:bodyPr/>
+          <a:bodyPr anchor="t"/>
           <a:lstStyle>
             <a:lvl1pPr marL="0" indent="0">
               <a:buNone/>
-              <a:defRPr sz="3200"/>
+              <a:defRPr sz="3200">
+                <a:solidFill>
+                  <a:schemeClr val="bg1">
+                    <a:lumMod val="85000"/>
+                    <a:lumOff val="15000"/>
+                  </a:schemeClr>
+                </a:solidFill>
+              </a:defRPr>
             </a:lvl1pPr>
             <a:lvl2pPr marL="457200" indent="0">
               <a:buNone/>
@@ -4026,19 +3591,17 @@
             </a:lvl9pPr>
           </a:lstStyle>
           <a:p>
-            <a:endParaRPr lang="en-US"/>
-          </a:p>
-        </p:txBody>
-      </p:sp>
-      <p:sp>
-        <p:nvSpPr>
-          <p:cNvPr id="4" name="Text Placeholder 3">
-            <a:extLst>
-              <a:ext uri="{FF2B5EF4-FFF2-40B4-BE49-F238E27FC236}">
-                <a16:creationId xmlns:a16="http://schemas.microsoft.com/office/drawing/2014/main" id="{11BE392C-DAD9-468E-B56A-7E40EF8D196D}"/>
-              </a:ext>
-            </a:extLst>
-          </p:cNvPr>
+            <a:r>
+              <a:rPr lang="en-US"/>
+              <a:t>Click icon to add picture</a:t>
+            </a:r>
+            <a:endParaRPr lang="en-US" dirty="0"/>
+          </a:p>
+        </p:txBody>
+      </p:sp>
+      <p:sp>
+        <p:nvSpPr>
+          <p:cNvPr id="4" name="Text Placeholder 3"/>
           <p:cNvSpPr>
             <a:spLocks noGrp="1"/>
           </p:cNvSpPr>
@@ -4048,16 +3611,22 @@
         </p:nvSpPr>
         <p:spPr>
           <a:xfrm>
-            <a:off x="839788" y="2057400"/>
-            <a:ext cx="3932237" cy="3811588"/>
+            <a:off x="1115568" y="3549918"/>
+            <a:ext cx="3794760" cy="2194037"/>
           </a:xfrm>
         </p:spPr>
         <p:txBody>
-          <a:bodyPr/>
+          <a:bodyPr anchor="t" anchorCtr="1">
+            <a:normAutofit/>
+          </a:bodyPr>
           <a:lstStyle>
-            <a:lvl1pPr marL="0" indent="0">
+            <a:lvl1pPr marL="0" indent="0" algn="ctr">
               <a:buNone/>
-              <a:defRPr sz="1600"/>
+              <a:defRPr sz="1500">
+                <a:solidFill>
+                  <a:srgbClr val="FFFFFF"/>
+                </a:solidFill>
+              </a:defRPr>
             </a:lvl1pPr>
             <a:lvl2pPr marL="457200" indent="0">
               <a:buNone/>
@@ -4103,13 +3672,7 @@
       </p:sp>
       <p:sp>
         <p:nvSpPr>
-          <p:cNvPr id="5" name="Date Placeholder 4">
-            <a:extLst>
-              <a:ext uri="{FF2B5EF4-FFF2-40B4-BE49-F238E27FC236}">
-                <a16:creationId xmlns:a16="http://schemas.microsoft.com/office/drawing/2014/main" id="{7CD4000A-86E0-45FD-9C3D-36E730ADD28D}"/>
-              </a:ext>
-            </a:extLst>
-          </p:cNvPr>
+          <p:cNvPr id="8" name="Date Placeholder 7"/>
           <p:cNvSpPr>
             <a:spLocks noGrp="1"/>
           </p:cNvSpPr>
@@ -4120,7 +3683,22 @@
         <p:spPr/>
         <p:txBody>
           <a:bodyPr/>
-          <a:lstStyle/>
+          <a:lstStyle>
+            <a:lvl1pPr>
+              <a:defRPr>
+                <a:solidFill>
+                  <a:srgbClr val="FFFFFF"/>
+                </a:solidFill>
+                <a:effectLst>
+                  <a:outerShdw blurRad="50800" dist="38100" dir="2700000" algn="tl" rotWithShape="0">
+                    <a:prstClr val="black">
+                      <a:alpha val="43000"/>
+                    </a:prstClr>
+                  </a:outerShdw>
+                </a:effectLst>
+              </a:defRPr>
+            </a:lvl1pPr>
+          </a:lstStyle>
           <a:p>
             <a:fld id="{6D507E40-7F6C-4681-A6D7-35A15DCE1A73}" type="datetimeFigureOut">
               <a:rPr lang="en-US" smtClean="0"/>
@@ -4132,13 +3710,7 @@
       </p:sp>
       <p:sp>
         <p:nvSpPr>
-          <p:cNvPr id="6" name="Footer Placeholder 5">
-            <a:extLst>
-              <a:ext uri="{FF2B5EF4-FFF2-40B4-BE49-F238E27FC236}">
-                <a16:creationId xmlns:a16="http://schemas.microsoft.com/office/drawing/2014/main" id="{E78A60AD-E5AA-45EF-BD47-3C7B9D7CED9C}"/>
-              </a:ext>
-            </a:extLst>
-          </p:cNvPr>
+          <p:cNvPr id="9" name="Footer Placeholder 8"/>
           <p:cNvSpPr>
             <a:spLocks noGrp="1"/>
           </p:cNvSpPr>
@@ -4146,10 +3718,25 @@
             <p:ph type="ftr" sz="quarter" idx="11"/>
           </p:nvPr>
         </p:nvSpPr>
-        <p:spPr/>
+        <p:spPr>
+          <a:xfrm>
+            <a:off x="804672" y="6236208"/>
+            <a:ext cx="5124797" cy="320040"/>
+          </a:xfrm>
+        </p:spPr>
         <p:txBody>
           <a:bodyPr/>
-          <a:lstStyle/>
+          <a:lstStyle>
+            <a:lvl1pPr>
+              <a:defRPr>
+                <a:solidFill>
+                  <a:srgbClr val="FFFFFF">
+                    <a:alpha val="70000"/>
+                  </a:srgbClr>
+                </a:solidFill>
+              </a:defRPr>
+            </a:lvl1pPr>
+          </a:lstStyle>
           <a:p>
             <a:endParaRPr lang="en-US"/>
           </a:p>
@@ -4157,13 +3744,7 @@
       </p:sp>
       <p:sp>
         <p:nvSpPr>
-          <p:cNvPr id="7" name="Slide Number Placeholder 6">
-            <a:extLst>
-              <a:ext uri="{FF2B5EF4-FFF2-40B4-BE49-F238E27FC236}">
-                <a16:creationId xmlns:a16="http://schemas.microsoft.com/office/drawing/2014/main" id="{19E38C5E-A1F1-4FE7-8CAD-83AE068FE463}"/>
-              </a:ext>
-            </a:extLst>
-          </p:cNvPr>
+          <p:cNvPr id="10" name="Slide Number Placeholder 9"/>
           <p:cNvSpPr>
             <a:spLocks noGrp="1"/>
           </p:cNvSpPr>
@@ -4187,7 +3768,7 @@
     </p:spTree>
     <p:extLst>
       <p:ext uri="{BB962C8B-B14F-4D97-AF65-F5344CB8AC3E}">
-        <p14:creationId xmlns:p14="http://schemas.microsoft.com/office/powerpoint/2010/main" val="3000599516"/>
+        <p14:creationId xmlns:p14="http://schemas.microsoft.com/office/powerpoint/2010/main" val="4057720972"/>
       </p:ext>
     </p:extLst>
   </p:cSld>
@@ -4201,9 +3782,14 @@
 <p:sldMaster xmlns:a="http://schemas.openxmlformats.org/drawingml/2006/main" xmlns:r="http://schemas.openxmlformats.org/officeDocument/2006/relationships" xmlns:p="http://schemas.openxmlformats.org/presentationml/2006/main">
   <p:cSld>
     <p:bg>
-      <p:bgRef idx="1001">
-        <a:schemeClr val="bg1"/>
-      </p:bgRef>
+      <p:bgPr>
+        <a:solidFill>
+          <a:schemeClr val="bg1">
+            <a:lumMod val="95000"/>
+          </a:schemeClr>
+        </a:solidFill>
+        <a:effectLst/>
+      </p:bgPr>
     </p:bg>
     <p:spTree>
       <p:nvGrpSpPr>
@@ -4221,129 +3807,162 @@
       </p:grpSpPr>
       <p:sp>
         <p:nvSpPr>
-          <p:cNvPr id="2" name="Title Placeholder 1">
-            <a:extLst>
-              <a:ext uri="{FF2B5EF4-FFF2-40B4-BE49-F238E27FC236}">
-                <a16:creationId xmlns:a16="http://schemas.microsoft.com/office/drawing/2014/main" id="{7874AA89-2850-4673-947C-1654259E7E20}"/>
-              </a:ext>
-            </a:extLst>
-          </p:cNvPr>
+          <p:cNvPr id="2" name="Title Placeholder 1"/>
           <p:cNvSpPr>
             <a:spLocks noGrp="1"/>
           </p:cNvSpPr>
           <p:nvPr>
             <p:ph type="title"/>
+          </p:nvPr>
+        </p:nvSpPr>
+        <p:spPr bwMode="black">
+          <a:xfrm>
+            <a:off x="2231136" y="964692"/>
+            <a:ext cx="7729728" cy="1188720"/>
+          </a:xfrm>
+          <a:prstGeom prst="rect">
+            <a:avLst/>
+          </a:prstGeom>
+          <a:solidFill>
+            <a:srgbClr val="FFFFFF"/>
+          </a:solidFill>
+          <a:ln w="31750" cap="sq">
+            <a:solidFill>
+              <a:srgbClr val="404040"/>
+            </a:solidFill>
+            <a:miter lim="800000"/>
+          </a:ln>
+        </p:spPr>
+        <p:txBody>
+          <a:bodyPr vert="horz" lIns="182880" tIns="182880" rIns="182880" bIns="182880" rtlCol="0" anchor="ctr">
+            <a:normAutofit/>
+          </a:bodyPr>
+          <a:lstStyle/>
+          <a:p>
+            <a:r>
+              <a:rPr lang="en-US"/>
+              <a:t>Click to edit Master title style</a:t>
+            </a:r>
+            <a:endParaRPr lang="en-US" dirty="0"/>
+          </a:p>
+        </p:txBody>
+      </p:sp>
+      <p:sp>
+        <p:nvSpPr>
+          <p:cNvPr id="3" name="Text Placeholder 2"/>
+          <p:cNvSpPr>
+            <a:spLocks noGrp="1"/>
+          </p:cNvSpPr>
+          <p:nvPr>
+            <p:ph type="body" idx="1"/>
           </p:nvPr>
         </p:nvSpPr>
         <p:spPr>
           <a:xfrm>
-            <a:off x="838200" y="365125"/>
-            <a:ext cx="10515600" cy="1325563"/>
+            <a:off x="2231136" y="2638044"/>
+            <a:ext cx="7729728" cy="3101983"/>
           </a:xfrm>
           <a:prstGeom prst="rect">
             <a:avLst/>
           </a:prstGeom>
         </p:spPr>
         <p:txBody>
-          <a:bodyPr vert="horz" lIns="91440" tIns="45720" rIns="91440" bIns="45720" rtlCol="0" anchor="ctr">
+          <a:bodyPr vert="horz" lIns="91440" tIns="45720" rIns="91440" bIns="45720" rtlCol="0">
             <a:normAutofit/>
           </a:bodyPr>
           <a:lstStyle/>
           <a:p>
-            <a:r>
-              <a:rPr lang="en-US"/>
-              <a:t>Click to edit Master title style</a:t>
-            </a:r>
-          </a:p>
-        </p:txBody>
-      </p:sp>
-      <p:sp>
-        <p:nvSpPr>
-          <p:cNvPr id="3" name="Text Placeholder 2">
-            <a:extLst>
-              <a:ext uri="{FF2B5EF4-FFF2-40B4-BE49-F238E27FC236}">
-                <a16:creationId xmlns:a16="http://schemas.microsoft.com/office/drawing/2014/main" id="{2396C0F9-3A85-488E-A14E-93A1D687A178}"/>
-              </a:ext>
-            </a:extLst>
-          </p:cNvPr>
-          <p:cNvSpPr>
-            <a:spLocks noGrp="1"/>
-          </p:cNvSpPr>
-          <p:nvPr>
-            <p:ph type="body" idx="1"/>
+            <a:pPr lvl="0"/>
+            <a:r>
+              <a:rPr lang="en-US" dirty="0"/>
+              <a:t>Edit Master text styles</a:t>
+            </a:r>
+          </a:p>
+          <a:p>
+            <a:pPr lvl="1"/>
+            <a:r>
+              <a:rPr lang="en-US" dirty="0"/>
+              <a:t>Second level</a:t>
+            </a:r>
+          </a:p>
+          <a:p>
+            <a:pPr lvl="2"/>
+            <a:r>
+              <a:rPr lang="en-US" dirty="0"/>
+              <a:t>Third level</a:t>
+            </a:r>
+          </a:p>
+          <a:p>
+            <a:pPr lvl="3"/>
+            <a:r>
+              <a:rPr lang="en-US" dirty="0"/>
+              <a:t>Fourth level</a:t>
+            </a:r>
+          </a:p>
+          <a:p>
+            <a:pPr lvl="4"/>
+            <a:r>
+              <a:rPr lang="en-US" dirty="0"/>
+              <a:t>Fifth level</a:t>
+            </a:r>
+          </a:p>
+        </p:txBody>
+      </p:sp>
+      <p:sp>
+        <p:nvSpPr>
+          <p:cNvPr id="4" name="Date Placeholder 3"/>
+          <p:cNvSpPr>
+            <a:spLocks noGrp="1"/>
+          </p:cNvSpPr>
+          <p:nvPr>
+            <p:ph type="dt" sz="half" idx="2"/>
           </p:nvPr>
         </p:nvSpPr>
         <p:spPr>
           <a:xfrm>
-            <a:off x="838200" y="1825625"/>
-            <a:ext cx="10515600" cy="4351338"/>
+            <a:off x="7821429" y="6238816"/>
+            <a:ext cx="2753746" cy="323968"/>
           </a:xfrm>
           <a:prstGeom prst="rect">
             <a:avLst/>
           </a:prstGeom>
         </p:spPr>
         <p:txBody>
-          <a:bodyPr vert="horz" lIns="91440" tIns="45720" rIns="91440" bIns="45720" rtlCol="0">
-            <a:normAutofit/>
-          </a:bodyPr>
-          <a:lstStyle/>
-          <a:p>
-            <a:pPr lvl="0"/>
-            <a:r>
-              <a:rPr lang="en-US"/>
-              <a:t>Edit Master text styles</a:t>
-            </a:r>
-          </a:p>
-          <a:p>
-            <a:pPr lvl="1"/>
-            <a:r>
-              <a:rPr lang="en-US"/>
-              <a:t>Second level</a:t>
-            </a:r>
-          </a:p>
-          <a:p>
-            <a:pPr lvl="2"/>
-            <a:r>
-              <a:rPr lang="en-US"/>
-              <a:t>Third level</a:t>
-            </a:r>
-          </a:p>
-          <a:p>
-            <a:pPr lvl="3"/>
-            <a:r>
-              <a:rPr lang="en-US"/>
-              <a:t>Fourth level</a:t>
-            </a:r>
-          </a:p>
-          <a:p>
-            <a:pPr lvl="4"/>
-            <a:r>
-              <a:rPr lang="en-US"/>
-              <a:t>Fifth level</a:t>
-            </a:r>
-          </a:p>
-        </p:txBody>
-      </p:sp>
-      <p:sp>
-        <p:nvSpPr>
-          <p:cNvPr id="4" name="Date Placeholder 3">
-            <a:extLst>
-              <a:ext uri="{FF2B5EF4-FFF2-40B4-BE49-F238E27FC236}">
-                <a16:creationId xmlns:a16="http://schemas.microsoft.com/office/drawing/2014/main" id="{F719AE0C-A675-49C1-94B8-7186B912578E}"/>
-              </a:ext>
-            </a:extLst>
-          </p:cNvPr>
-          <p:cNvSpPr>
-            <a:spLocks noGrp="1"/>
-          </p:cNvSpPr>
-          <p:nvPr>
-            <p:ph type="dt" sz="half" idx="2"/>
+          <a:bodyPr vert="horz" lIns="91440" tIns="45720" rIns="91440" bIns="45720" rtlCol="0" anchor="ctr"/>
+          <a:lstStyle>
+            <a:lvl1pPr algn="r">
+              <a:defRPr sz="1050">
+                <a:solidFill>
+                  <a:schemeClr val="tx1">
+                    <a:alpha val="70000"/>
+                  </a:schemeClr>
+                </a:solidFill>
+              </a:defRPr>
+            </a:lvl1pPr>
+          </a:lstStyle>
+          <a:p>
+            <a:fld id="{6D507E40-7F6C-4681-A6D7-35A15DCE1A73}" type="datetimeFigureOut">
+              <a:rPr lang="en-US" smtClean="0"/>
+              <a:t>12/5/2018</a:t>
+            </a:fld>
+            <a:endParaRPr lang="en-US"/>
+          </a:p>
+        </p:txBody>
+      </p:sp>
+      <p:sp>
+        <p:nvSpPr>
+          <p:cNvPr id="5" name="Footer Placeholder 4"/>
+          <p:cNvSpPr>
+            <a:spLocks noGrp="1"/>
+          </p:cNvSpPr>
+          <p:nvPr>
+            <p:ph type="ftr" sz="quarter" idx="3"/>
           </p:nvPr>
         </p:nvSpPr>
         <p:spPr>
           <a:xfrm>
-            <a:off x="838200" y="6356350"/>
-            <a:ext cx="2743200" cy="365125"/>
+            <a:off x="1600200" y="6236208"/>
+            <a:ext cx="5901189" cy="320040"/>
           </a:xfrm>
           <a:prstGeom prst="rect">
             <a:avLst/>
@@ -4353,101 +3972,53 @@
           <a:bodyPr vert="horz" lIns="91440" tIns="45720" rIns="91440" bIns="45720" rtlCol="0" anchor="ctr"/>
           <a:lstStyle>
             <a:lvl1pPr algn="l">
-              <a:defRPr sz="1200">
+              <a:defRPr sz="1050">
                 <a:solidFill>
                   <a:schemeClr val="tx1">
-                    <a:tint val="75000"/>
+                    <a:alpha val="70000"/>
                   </a:schemeClr>
                 </a:solidFill>
               </a:defRPr>
             </a:lvl1pPr>
           </a:lstStyle>
           <a:p>
-            <a:fld id="{6D507E40-7F6C-4681-A6D7-35A15DCE1A73}" type="datetimeFigureOut">
-              <a:rPr lang="en-US" smtClean="0"/>
-              <a:t>12/5/2018</a:t>
-            </a:fld>
             <a:endParaRPr lang="en-US"/>
           </a:p>
         </p:txBody>
       </p:sp>
       <p:sp>
         <p:nvSpPr>
-          <p:cNvPr id="5" name="Footer Placeholder 4">
-            <a:extLst>
-              <a:ext uri="{FF2B5EF4-FFF2-40B4-BE49-F238E27FC236}">
-                <a16:creationId xmlns:a16="http://schemas.microsoft.com/office/drawing/2014/main" id="{F8E039B1-FFE4-4CF0-B138-A2DBE60F7E57}"/>
-              </a:ext>
-            </a:extLst>
-          </p:cNvPr>
-          <p:cNvSpPr>
-            <a:spLocks noGrp="1"/>
-          </p:cNvSpPr>
-          <p:nvPr>
-            <p:ph type="ftr" sz="quarter" idx="3"/>
+          <p:cNvPr id="6" name="Slide Number Placeholder 5"/>
+          <p:cNvSpPr>
+            <a:spLocks noGrp="1"/>
+          </p:cNvSpPr>
+          <p:nvPr>
+            <p:ph type="sldNum" sz="quarter" idx="4"/>
           </p:nvPr>
         </p:nvSpPr>
         <p:spPr>
           <a:xfrm>
-            <a:off x="4038600" y="6356350"/>
-            <a:ext cx="4114800" cy="365125"/>
+            <a:off x="10758922" y="6217920"/>
+            <a:ext cx="365760" cy="365760"/>
           </a:xfrm>
-          <a:prstGeom prst="rect">
+          <a:prstGeom prst="ellipse">
             <a:avLst/>
           </a:prstGeom>
+          <a:solidFill>
+            <a:srgbClr val="1D1D1D">
+              <a:alpha val="70000"/>
+            </a:srgbClr>
+          </a:solidFill>
         </p:spPr>
         <p:txBody>
-          <a:bodyPr vert="horz" lIns="91440" tIns="45720" rIns="91440" bIns="45720" rtlCol="0" anchor="ctr"/>
+          <a:bodyPr vert="horz" lIns="18288" tIns="45720" rIns="18288" bIns="45720" rtlCol="0" anchor="ctr">
+            <a:noAutofit/>
+          </a:bodyPr>
           <a:lstStyle>
             <a:lvl1pPr algn="ctr">
-              <a:defRPr sz="1200">
+              <a:defRPr sz="1100" spc="0" baseline="0">
                 <a:solidFill>
-                  <a:schemeClr val="tx1">
-                    <a:tint val="75000"/>
-                  </a:schemeClr>
-                </a:solidFill>
-              </a:defRPr>
-            </a:lvl1pPr>
-          </a:lstStyle>
-          <a:p>
-            <a:endParaRPr lang="en-US"/>
-          </a:p>
-        </p:txBody>
-      </p:sp>
-      <p:sp>
-        <p:nvSpPr>
-          <p:cNvPr id="6" name="Slide Number Placeholder 5">
-            <a:extLst>
-              <a:ext uri="{FF2B5EF4-FFF2-40B4-BE49-F238E27FC236}">
-                <a16:creationId xmlns:a16="http://schemas.microsoft.com/office/drawing/2014/main" id="{348898B2-8405-4504-8FEE-70BC99DCB7D4}"/>
-              </a:ext>
-            </a:extLst>
-          </p:cNvPr>
-          <p:cNvSpPr>
-            <a:spLocks noGrp="1"/>
-          </p:cNvSpPr>
-          <p:nvPr>
-            <p:ph type="sldNum" sz="quarter" idx="4"/>
-          </p:nvPr>
-        </p:nvSpPr>
-        <p:spPr>
-          <a:xfrm>
-            <a:off x="8610600" y="6356350"/>
-            <a:ext cx="2743200" cy="365125"/>
-          </a:xfrm>
-          <a:prstGeom prst="rect">
-            <a:avLst/>
-          </a:prstGeom>
-        </p:spPr>
-        <p:txBody>
-          <a:bodyPr vert="horz" lIns="91440" tIns="45720" rIns="91440" bIns="45720" rtlCol="0" anchor="ctr"/>
-          <a:lstStyle>
-            <a:lvl1pPr algn="r">
-              <a:defRPr sz="1200">
-                <a:solidFill>
-                  <a:schemeClr val="tx1">
-                    <a:tint val="75000"/>
-                  </a:schemeClr>
+                  <a:srgbClr val="FFFFFF"/>
                 </a:solidFill>
               </a:defRPr>
             </a:lvl1pPr>
@@ -4464,27 +4035,27 @@
     </p:spTree>
     <p:extLst>
       <p:ext uri="{BB962C8B-B14F-4D97-AF65-F5344CB8AC3E}">
-        <p14:creationId xmlns:p14="http://schemas.microsoft.com/office/powerpoint/2010/main" val="2794867993"/>
+        <p14:creationId xmlns:p14="http://schemas.microsoft.com/office/powerpoint/2010/main" val="286551443"/>
       </p:ext>
     </p:extLst>
   </p:cSld>
   <p:clrMap bg1="lt1" tx1="dk1" bg2="lt2" tx2="dk2" accent1="accent1" accent2="accent2" accent3="accent3" accent4="accent4" accent5="accent5" accent6="accent6" hlink="hlink" folHlink="folHlink"/>
   <p:sldLayoutIdLst>
-    <p:sldLayoutId id="2147483697" r:id="rId1"/>
-    <p:sldLayoutId id="2147483698" r:id="rId2"/>
-    <p:sldLayoutId id="2147483699" r:id="rId3"/>
-    <p:sldLayoutId id="2147483700" r:id="rId4"/>
-    <p:sldLayoutId id="2147483701" r:id="rId5"/>
-    <p:sldLayoutId id="2147483702" r:id="rId6"/>
-    <p:sldLayoutId id="2147483703" r:id="rId7"/>
-    <p:sldLayoutId id="2147483704" r:id="rId8"/>
-    <p:sldLayoutId id="2147483705" r:id="rId9"/>
-    <p:sldLayoutId id="2147483706" r:id="rId10"/>
-    <p:sldLayoutId id="2147483707" r:id="rId11"/>
+    <p:sldLayoutId id="2147483709" r:id="rId1"/>
+    <p:sldLayoutId id="2147483710" r:id="rId2"/>
+    <p:sldLayoutId id="2147483711" r:id="rId3"/>
+    <p:sldLayoutId id="2147483712" r:id="rId4"/>
+    <p:sldLayoutId id="2147483713" r:id="rId5"/>
+    <p:sldLayoutId id="2147483714" r:id="rId6"/>
+    <p:sldLayoutId id="2147483715" r:id="rId7"/>
+    <p:sldLayoutId id="2147483716" r:id="rId8"/>
+    <p:sldLayoutId id="2147483717" r:id="rId9"/>
+    <p:sldLayoutId id="2147483718" r:id="rId10"/>
+    <p:sldLayoutId id="2147483719" r:id="rId11"/>
   </p:sldLayoutIdLst>
   <p:txStyles>
     <p:titleStyle>
-      <a:lvl1pPr algn="l" defTabSz="914400" rtl="0" eaLnBrk="1" latinLnBrk="0" hangingPunct="1">
+      <a:lvl1pPr algn="ctr" defTabSz="914400" rtl="0" eaLnBrk="1" latinLnBrk="0" hangingPunct="1">
         <a:lnSpc>
           <a:spcPct val="90000"/>
         </a:lnSpc>
@@ -4492,9 +4063,9 @@
           <a:spcPct val="0"/>
         </a:spcBef>
         <a:buNone/>
-        <a:defRPr sz="4400" kern="1200">
+        <a:defRPr sz="2800" kern="1200" cap="all" spc="200" baseline="0">
           <a:solidFill>
-            <a:schemeClr val="tx1"/>
+            <a:srgbClr val="262626"/>
           </a:solidFill>
           <a:latin typeface="+mj-lt"/>
           <a:ea typeface="+mj-ea"/>
@@ -4505,104 +4076,137 @@
     <p:bodyStyle>
       <a:lvl1pPr marL="228600" indent="-228600" algn="l" defTabSz="914400" rtl="0" eaLnBrk="1" latinLnBrk="0" hangingPunct="1">
         <a:lnSpc>
-          <a:spcPct val="90000"/>
+          <a:spcPct val="100000"/>
         </a:lnSpc>
         <a:spcBef>
           <a:spcPts val="1000"/>
         </a:spcBef>
+        <a:buClr>
+          <a:schemeClr val="accent2"/>
+        </a:buClr>
         <a:buFont typeface="Arial" panose="020B0604020202020204" pitchFamily="34" charset="0"/>
         <a:buChar char="•"/>
-        <a:defRPr sz="2800" kern="1200">
+        <a:defRPr sz="1800" kern="1200">
           <a:solidFill>
-            <a:schemeClr val="tx1"/>
+            <a:schemeClr val="tx1">
+              <a:lumMod val="85000"/>
+              <a:lumOff val="15000"/>
+            </a:schemeClr>
           </a:solidFill>
           <a:latin typeface="+mn-lt"/>
           <a:ea typeface="+mn-ea"/>
           <a:cs typeface="+mn-cs"/>
         </a:defRPr>
       </a:lvl1pPr>
-      <a:lvl2pPr marL="685800" indent="-228600" algn="l" defTabSz="914400" rtl="0" eaLnBrk="1" latinLnBrk="0" hangingPunct="1">
+      <a:lvl2pPr marL="457200" indent="-228600" algn="l" defTabSz="914400" rtl="0" eaLnBrk="1" latinLnBrk="0" hangingPunct="1">
         <a:lnSpc>
-          <a:spcPct val="90000"/>
+          <a:spcPct val="100000"/>
         </a:lnSpc>
         <a:spcBef>
-          <a:spcPts val="500"/>
+          <a:spcPts val="1000"/>
         </a:spcBef>
+        <a:buClr>
+          <a:schemeClr val="accent2"/>
+        </a:buClr>
         <a:buFont typeface="Arial" panose="020B0604020202020204" pitchFamily="34" charset="0"/>
         <a:buChar char="•"/>
-        <a:defRPr sz="2400" kern="1200">
+        <a:defRPr sz="1600" kern="1200">
           <a:solidFill>
-            <a:schemeClr val="tx1"/>
+            <a:schemeClr val="tx1">
+              <a:lumMod val="85000"/>
+              <a:lumOff val="15000"/>
+            </a:schemeClr>
           </a:solidFill>
           <a:latin typeface="+mn-lt"/>
           <a:ea typeface="+mn-ea"/>
           <a:cs typeface="+mn-cs"/>
         </a:defRPr>
       </a:lvl2pPr>
-      <a:lvl3pPr marL="1143000" indent="-228600" algn="l" defTabSz="914400" rtl="0" eaLnBrk="1" latinLnBrk="0" hangingPunct="1">
+      <a:lvl3pPr marL="685800" indent="-228600" algn="l" defTabSz="914400" rtl="0" eaLnBrk="1" latinLnBrk="0" hangingPunct="1">
         <a:lnSpc>
-          <a:spcPct val="90000"/>
+          <a:spcPct val="100000"/>
         </a:lnSpc>
         <a:spcBef>
-          <a:spcPts val="500"/>
+          <a:spcPts val="1000"/>
         </a:spcBef>
+        <a:buClr>
+          <a:schemeClr val="accent2"/>
+        </a:buClr>
         <a:buFont typeface="Arial" panose="020B0604020202020204" pitchFamily="34" charset="0"/>
         <a:buChar char="•"/>
-        <a:defRPr sz="2000" kern="1200">
+        <a:defRPr sz="1600" kern="1200">
           <a:solidFill>
-            <a:schemeClr val="tx1"/>
+            <a:schemeClr val="tx1">
+              <a:lumMod val="85000"/>
+              <a:lumOff val="15000"/>
+            </a:schemeClr>
           </a:solidFill>
           <a:latin typeface="+mn-lt"/>
           <a:ea typeface="+mn-ea"/>
           <a:cs typeface="+mn-cs"/>
         </a:defRPr>
       </a:lvl3pPr>
-      <a:lvl4pPr marL="1600200" indent="-228600" algn="l" defTabSz="914400" rtl="0" eaLnBrk="1" latinLnBrk="0" hangingPunct="1">
+      <a:lvl4pPr marL="914400" indent="-228600" algn="l" defTabSz="914400" rtl="0" eaLnBrk="1" latinLnBrk="0" hangingPunct="1">
         <a:lnSpc>
-          <a:spcPct val="90000"/>
+          <a:spcPct val="100000"/>
         </a:lnSpc>
         <a:spcBef>
-          <a:spcPts val="500"/>
+          <a:spcPts val="1000"/>
         </a:spcBef>
+        <a:buClr>
+          <a:schemeClr val="accent2"/>
+        </a:buClr>
         <a:buFont typeface="Arial" panose="020B0604020202020204" pitchFamily="34" charset="0"/>
         <a:buChar char="•"/>
-        <a:defRPr sz="1800" kern="1200">
+        <a:defRPr sz="1600" kern="1200">
           <a:solidFill>
-            <a:schemeClr val="tx1"/>
+            <a:schemeClr val="tx1">
+              <a:lumMod val="85000"/>
+              <a:lumOff val="15000"/>
+            </a:schemeClr>
           </a:solidFill>
           <a:latin typeface="+mn-lt"/>
           <a:ea typeface="+mn-ea"/>
           <a:cs typeface="+mn-cs"/>
         </a:defRPr>
       </a:lvl4pPr>
-      <a:lvl5pPr marL="2057400" indent="-228600" algn="l" defTabSz="914400" rtl="0" eaLnBrk="1" latinLnBrk="0" hangingPunct="1">
+      <a:lvl5pPr marL="1143000" indent="-228600" algn="l" defTabSz="914400" rtl="0" eaLnBrk="1" latinLnBrk="0" hangingPunct="1">
         <a:lnSpc>
-          <a:spcPct val="90000"/>
+          <a:spcPct val="100000"/>
         </a:lnSpc>
         <a:spcBef>
-          <a:spcPts val="500"/>
+          <a:spcPts val="1000"/>
         </a:spcBef>
+        <a:buClr>
+          <a:schemeClr val="accent2"/>
+        </a:buClr>
         <a:buFont typeface="Arial" panose="020B0604020202020204" pitchFamily="34" charset="0"/>
         <a:buChar char="•"/>
-        <a:defRPr sz="1800" kern="1200">
+        <a:defRPr sz="1600" kern="1200">
           <a:solidFill>
-            <a:schemeClr val="tx1"/>
+            <a:schemeClr val="tx1">
+              <a:lumMod val="85000"/>
+              <a:lumOff val="15000"/>
+            </a:schemeClr>
           </a:solidFill>
           <a:latin typeface="+mn-lt"/>
           <a:ea typeface="+mn-ea"/>
           <a:cs typeface="+mn-cs"/>
         </a:defRPr>
       </a:lvl5pPr>
-      <a:lvl6pPr marL="2514600" indent="-228600" algn="l" defTabSz="914400" rtl="0" eaLnBrk="1" latinLnBrk="0" hangingPunct="1">
+      <a:lvl6pPr marL="1312863" indent="-228600" algn="l" defTabSz="914400" rtl="0" eaLnBrk="1" latinLnBrk="0" hangingPunct="1">
         <a:lnSpc>
-          <a:spcPct val="90000"/>
+          <a:spcPct val="100000"/>
         </a:lnSpc>
         <a:spcBef>
-          <a:spcPts val="500"/>
+          <a:spcPts val="1000"/>
         </a:spcBef>
+        <a:buClr>
+          <a:schemeClr val="accent2"/>
+        </a:buClr>
         <a:buFont typeface="Arial" panose="020B0604020202020204" pitchFamily="34" charset="0"/>
         <a:buChar char="•"/>
-        <a:defRPr sz="1800" kern="1200">
+        <a:defRPr sz="1600" kern="1200">
           <a:solidFill>
             <a:schemeClr val="tx1"/>
           </a:solidFill>
@@ -4611,16 +4215,19 @@
           <a:cs typeface="+mn-cs"/>
         </a:defRPr>
       </a:lvl6pPr>
-      <a:lvl7pPr marL="2971800" indent="-228600" algn="l" defTabSz="914400" rtl="0" eaLnBrk="1" latinLnBrk="0" hangingPunct="1">
+      <a:lvl7pPr marL="1484313" indent="-228600" algn="l" defTabSz="914400" rtl="0" eaLnBrk="1" latinLnBrk="0" hangingPunct="1">
         <a:lnSpc>
-          <a:spcPct val="90000"/>
+          <a:spcPct val="100000"/>
         </a:lnSpc>
         <a:spcBef>
-          <a:spcPts val="500"/>
+          <a:spcPts val="1000"/>
         </a:spcBef>
+        <a:buClr>
+          <a:schemeClr val="accent2"/>
+        </a:buClr>
         <a:buFont typeface="Arial" panose="020B0604020202020204" pitchFamily="34" charset="0"/>
         <a:buChar char="•"/>
-        <a:defRPr sz="1800" kern="1200">
+        <a:defRPr sz="1600" kern="1200">
           <a:solidFill>
             <a:schemeClr val="tx1"/>
           </a:solidFill>
@@ -4629,16 +4236,19 @@
           <a:cs typeface="+mn-cs"/>
         </a:defRPr>
       </a:lvl7pPr>
-      <a:lvl8pPr marL="3429000" indent="-228600" algn="l" defTabSz="914400" rtl="0" eaLnBrk="1" latinLnBrk="0" hangingPunct="1">
+      <a:lvl8pPr marL="1657350" indent="-228600" algn="l" defTabSz="914400" rtl="0" eaLnBrk="1" latinLnBrk="0" hangingPunct="1">
         <a:lnSpc>
-          <a:spcPct val="90000"/>
+          <a:spcPct val="100000"/>
         </a:lnSpc>
         <a:spcBef>
-          <a:spcPts val="500"/>
+          <a:spcPts val="1000"/>
         </a:spcBef>
+        <a:buClr>
+          <a:schemeClr val="accent2"/>
+        </a:buClr>
         <a:buFont typeface="Arial" panose="020B0604020202020204" pitchFamily="34" charset="0"/>
         <a:buChar char="•"/>
-        <a:defRPr sz="1800" kern="1200">
+        <a:defRPr sz="1600" kern="1200" baseline="0">
           <a:solidFill>
             <a:schemeClr val="tx1"/>
           </a:solidFill>
@@ -4647,16 +4257,19 @@
           <a:cs typeface="+mn-cs"/>
         </a:defRPr>
       </a:lvl8pPr>
-      <a:lvl9pPr marL="3886200" indent="-228600" algn="l" defTabSz="914400" rtl="0" eaLnBrk="1" latinLnBrk="0" hangingPunct="1">
+      <a:lvl9pPr marL="1882775" indent="-228600" algn="l" defTabSz="914400" rtl="0" eaLnBrk="1" latinLnBrk="0" hangingPunct="1">
         <a:lnSpc>
-          <a:spcPct val="90000"/>
+          <a:spcPct val="100000"/>
         </a:lnSpc>
         <a:spcBef>
-          <a:spcPts val="500"/>
+          <a:spcPts val="1000"/>
         </a:spcBef>
+        <a:buClr>
+          <a:schemeClr val="accent2"/>
+        </a:buClr>
         <a:buFont typeface="Arial" panose="020B0604020202020204" pitchFamily="34" charset="0"/>
         <a:buChar char="•"/>
-        <a:defRPr sz="1800" kern="1200">
+        <a:defRPr sz="1600" kern="1200" baseline="0">
           <a:solidFill>
             <a:schemeClr val="tx1"/>
           </a:solidFill>
@@ -4821,22 +4434,18 @@
             <a:pPr algn="l"/>
             <a:r>
               <a:rPr lang="en-US" dirty="0" err="1">
-                <a:latin typeface="Calibri" panose="020F0502020204030204" pitchFamily="34" charset="0"/>
+                <a:latin typeface="Gill Sans MT (Headings)"/>
                 <a:cs typeface="Calibri" panose="020F0502020204030204" pitchFamily="34" charset="0"/>
               </a:rPr>
               <a:t>Paxos</a:t>
             </a:r>
             <a:r>
-              <a:rPr lang="en-US">
-                <a:latin typeface="Calibri" panose="020F0502020204030204" pitchFamily="34" charset="0"/>
+              <a:rPr lang="en-US" dirty="0">
+                <a:latin typeface="Gill Sans MT (Headings)"/>
                 <a:cs typeface="Calibri" panose="020F0502020204030204" pitchFamily="34" charset="0"/>
               </a:rPr>
               <a:t> Algorithm</a:t>
             </a:r>
-            <a:endParaRPr lang="en-US" dirty="0">
-              <a:latin typeface="Calibri" panose="020F0502020204030204" pitchFamily="34" charset="0"/>
-              <a:cs typeface="Calibri" panose="020F0502020204030204" pitchFamily="34" charset="0"/>
-            </a:endParaRPr>
           </a:p>
         </p:txBody>
       </p:sp>
@@ -4878,7 +4487,7 @@
             </a:pPr>
             <a:r>
               <a:rPr lang="en-US" sz="2000" dirty="0">
-                <a:latin typeface="Calibri Light" panose="020F0302020204030204" pitchFamily="34" charset="0"/>
+                <a:latin typeface="Gill Sans MT (Body)"/>
                 <a:cs typeface="Calibri Light" panose="020F0302020204030204" pitchFamily="34" charset="0"/>
               </a:rPr>
               <a:t>CSC 6220</a:t>
@@ -4895,21 +4504,21 @@
             </a:pPr>
             <a:r>
               <a:rPr lang="en-US" sz="2000" dirty="0">
-                <a:latin typeface="Calibri Light" panose="020F0302020204030204" pitchFamily="34" charset="0"/>
+                <a:latin typeface="Gill Sans MT (Body)"/>
                 <a:cs typeface="Calibri Light" panose="020F0302020204030204" pitchFamily="34" charset="0"/>
               </a:rPr>
               <a:t>Wasfi </a:t>
             </a:r>
             <a:r>
               <a:rPr lang="en-US" sz="2000" dirty="0" err="1">
-                <a:latin typeface="Calibri Light" panose="020F0302020204030204" pitchFamily="34" charset="0"/>
+                <a:latin typeface="Gill Sans MT (Body)"/>
                 <a:cs typeface="Calibri Light" panose="020F0302020204030204" pitchFamily="34" charset="0"/>
               </a:rPr>
               <a:t>Momen</a:t>
             </a:r>
             <a:r>
               <a:rPr lang="en-US" sz="2000" dirty="0">
-                <a:latin typeface="Calibri Light" panose="020F0302020204030204" pitchFamily="34" charset="0"/>
+                <a:latin typeface="Gill Sans MT (Body)"/>
                 <a:cs typeface="Calibri Light" panose="020F0302020204030204" pitchFamily="34" charset="0"/>
               </a:rPr>
               <a:t> </a:t>
@@ -4926,7 +4535,7 @@
             </a:pPr>
             <a:r>
               <a:rPr lang="en-US" sz="2000" dirty="0">
-                <a:latin typeface="Calibri Light" panose="020F0302020204030204" pitchFamily="34" charset="0"/>
+                <a:latin typeface="Gill Sans MT (Body)"/>
                 <a:cs typeface="Calibri Light" panose="020F0302020204030204" pitchFamily="34" charset="0"/>
               </a:rPr>
               <a:t>12/6/18</a:t>
@@ -4991,7 +4600,7 @@
           <p:cNvPr id="2" name="Title 1">
             <a:extLst>
               <a:ext uri="{FF2B5EF4-FFF2-40B4-BE49-F238E27FC236}">
-                <a16:creationId xmlns:a16="http://schemas.microsoft.com/office/drawing/2014/main" id="{36BC3588-21B1-4E0D-B369-CE96ABF26ACC}"/>
+                <a16:creationId xmlns:a16="http://schemas.microsoft.com/office/drawing/2014/main" id="{7E70F09F-AFFC-413C-920D-7A0FA81A233F}"/>
               </a:ext>
             </a:extLst>
           </p:cNvPr>
@@ -5009,8 +4618,13 @@
           <a:p>
             <a:r>
               <a:rPr lang="en-US" dirty="0"/>
-              <a:t>Defense on HMI timing attack</a:t>
-            </a:r>
+              <a:t>Implementation of </a:t>
+            </a:r>
+            <a:r>
+              <a:rPr lang="en-US" dirty="0" err="1"/>
+              <a:t>Paxos</a:t>
+            </a:r>
+            <a:endParaRPr lang="en-US" dirty="0"/>
           </a:p>
         </p:txBody>
       </p:sp>
@@ -5019,7 +4633,7 @@
           <p:cNvPr id="3" name="Content Placeholder 2">
             <a:extLst>
               <a:ext uri="{FF2B5EF4-FFF2-40B4-BE49-F238E27FC236}">
-                <a16:creationId xmlns:a16="http://schemas.microsoft.com/office/drawing/2014/main" id="{9D2BA97B-47BB-4E26-9D73-A024EF177C32}"/>
+                <a16:creationId xmlns:a16="http://schemas.microsoft.com/office/drawing/2014/main" id="{42DC2726-2C32-4EFD-9349-2D6E1795EB9A}"/>
               </a:ext>
             </a:extLst>
           </p:cNvPr>
@@ -5037,52 +4651,33 @@
           <a:p>
             <a:r>
               <a:rPr lang="en-US" dirty="0"/>
-              <a:t>Deterministic browser</a:t>
-            </a:r>
-          </a:p>
-          <a:p>
-            <a:pPr lvl="1"/>
-            <a:r>
-              <a:rPr lang="en-US" dirty="0"/>
-              <a:t>Aims at making all operations within browser at constant time</a:t>
-            </a:r>
-          </a:p>
-          <a:p>
-            <a:pPr lvl="1"/>
-            <a:r>
-              <a:rPr lang="en-US" dirty="0"/>
-              <a:t>Across all browsers in the SCADA network, this time should be the same</a:t>
-            </a:r>
-          </a:p>
-          <a:p>
-            <a:r>
-              <a:rPr lang="en-US" dirty="0"/>
-              <a:t>Attackers viewing HMI will no longer be able to sniff timings at least</a:t>
-            </a:r>
-          </a:p>
-          <a:p>
-            <a:pPr lvl="1"/>
-            <a:r>
-              <a:rPr lang="en-US" dirty="0"/>
-              <a:t>As long as browsers use HTTPS or some other encryption</a:t>
-            </a:r>
-          </a:p>
-          <a:p>
-            <a:pPr lvl="1"/>
-            <a:r>
-              <a:rPr lang="en-US" dirty="0"/>
-              <a:t>Doesn’t protect against “over-the-shoulder” pixel snooping</a:t>
-            </a:r>
-          </a:p>
-          <a:p>
-            <a:endParaRPr lang="en-US" dirty="0"/>
-          </a:p>
-          <a:p>
-            <a:pPr lvl="1"/>
-            <a:endParaRPr lang="en-US" dirty="0"/>
-          </a:p>
-          <a:p>
-            <a:pPr lvl="1"/>
+              <a:t>We implement a privacy </a:t>
+            </a:r>
+            <a:r>
+              <a:rPr lang="en-US" dirty="0" err="1"/>
+              <a:t>Paxos</a:t>
+            </a:r>
+            <a:r>
+              <a:rPr lang="en-US" dirty="0"/>
+              <a:t> algorithm by issuing a proposed privacy value to an untrusted acceptor to which consensus can be reached. </a:t>
+            </a:r>
+          </a:p>
+          <a:p>
+            <a:r>
+              <a:rPr lang="en-US" dirty="0"/>
+              <a:t>Once consensus is reached, we can transmit privacy data to Proposers. </a:t>
+            </a:r>
+          </a:p>
+          <a:p>
+            <a:r>
+              <a:rPr lang="en-US" dirty="0"/>
+              <a:t>  </a:t>
+            </a:r>
+          </a:p>
+          <a:p>
+            <a:endParaRPr lang="en-US" b="1" dirty="0"/>
+          </a:p>
+          <a:p>
             <a:endParaRPr lang="en-US" dirty="0"/>
           </a:p>
         </p:txBody>
@@ -5090,7 +4685,7 @@
     </p:spTree>
     <p:extLst>
       <p:ext uri="{BB962C8B-B14F-4D97-AF65-F5344CB8AC3E}">
-        <p14:creationId xmlns:p14="http://schemas.microsoft.com/office/powerpoint/2010/main" val="575843591"/>
+        <p14:creationId xmlns:p14="http://schemas.microsoft.com/office/powerpoint/2010/main" val="3212246759"/>
       </p:ext>
     </p:extLst>
   </p:cSld>
@@ -5103,14 +4698,6 @@
 <file path=ppt/slides/slide11.xml><?xml version="1.0" encoding="utf-8"?>
 <p:sld xmlns:a="http://schemas.openxmlformats.org/drawingml/2006/main" xmlns:r="http://schemas.openxmlformats.org/officeDocument/2006/relationships" xmlns:p="http://schemas.openxmlformats.org/presentationml/2006/main">
   <p:cSld>
-    <p:bg>
-      <p:bgPr>
-        <a:solidFill>
-          <a:schemeClr val="bg1"/>
-        </a:solidFill>
-        <a:effectLst/>
-      </p:bgPr>
-    </p:bg>
     <p:spTree>
       <p:nvGrpSpPr>
         <p:cNvPr id="1" name=""/>
@@ -5127,73 +4714,38 @@
       </p:grpSpPr>
       <p:sp>
         <p:nvSpPr>
-          <p:cNvPr id="10" name="Rectangle 9">
+          <p:cNvPr id="2" name="Title 1">
             <a:extLst>
               <a:ext uri="{FF2B5EF4-FFF2-40B4-BE49-F238E27FC236}">
-                <a16:creationId xmlns:a16="http://schemas.microsoft.com/office/drawing/2014/main" id="{A4AC5506-6312-4701-8D3C-40187889A947}"/>
-              </a:ext>
-              <a:ext uri="{C183D7F6-B498-43B3-948B-1728B52AA6E4}">
-                <adec:decorative xmlns:adec="http://schemas.microsoft.com/office/drawing/2017/decorative" val="1"/>
+                <a16:creationId xmlns:a16="http://schemas.microsoft.com/office/drawing/2014/main" id="{265266D4-55D9-4FC9-A484-A3C9F23118E0}"/>
               </a:ext>
             </a:extLst>
           </p:cNvPr>
           <p:cNvSpPr>
-            <a:spLocks noGrp="1" noRot="1" noChangeAspect="1" noMove="1" noResize="1" noEditPoints="1" noAdjustHandles="1" noChangeArrowheads="1" noChangeShapeType="1" noTextEdit="1"/>
-          </p:cNvSpPr>
-          <p:nvPr>
-            <p:extLst>
-              <p:ext uri="{386F3935-93C4-4BCD-93E2-E3B085C9AB24}">
-                <p16:designElem xmlns:p16="http://schemas.microsoft.com/office/powerpoint/2015/main" val="1"/>
-              </p:ext>
-            </p:extLst>
-          </p:nvPr>
-        </p:nvSpPr>
-        <p:spPr>
-          <a:xfrm>
-            <a:off x="0" y="651752"/>
-            <a:ext cx="12192000" cy="736551"/>
-          </a:xfrm>
-          <a:prstGeom prst="rect">
-            <a:avLst/>
-          </a:prstGeom>
-          <a:solidFill>
-            <a:schemeClr val="tx1"/>
-          </a:solidFill>
-          <a:ln>
-            <a:noFill/>
-          </a:ln>
-        </p:spPr>
-        <p:style>
-          <a:lnRef idx="2">
-            <a:schemeClr val="accent1">
-              <a:shade val="50000"/>
-            </a:schemeClr>
-          </a:lnRef>
-          <a:fillRef idx="1">
-            <a:schemeClr val="accent1"/>
-          </a:fillRef>
-          <a:effectRef idx="0">
-            <a:schemeClr val="accent1"/>
-          </a:effectRef>
-          <a:fontRef idx="minor">
-            <a:schemeClr val="lt1"/>
-          </a:fontRef>
-        </p:style>
-        <p:txBody>
-          <a:bodyPr rtlCol="0" anchor="ctr"/>
-          <a:lstStyle/>
-          <a:p>
-            <a:pPr algn="ctr"/>
-            <a:endParaRPr lang="en-US"/>
-          </a:p>
-        </p:txBody>
-      </p:sp>
-      <p:sp>
-        <p:nvSpPr>
-          <p:cNvPr id="2" name="Title 1">
+            <a:spLocks noGrp="1"/>
+          </p:cNvSpPr>
+          <p:nvPr>
+            <p:ph type="title"/>
+          </p:nvPr>
+        </p:nvSpPr>
+        <p:spPr/>
+        <p:txBody>
+          <a:bodyPr/>
+          <a:lstStyle/>
+          <a:p>
+            <a:r>
+              <a:rPr lang="en-US" dirty="0"/>
+              <a:t>Conclusion</a:t>
+            </a:r>
+          </a:p>
+        </p:txBody>
+      </p:sp>
+      <p:sp>
+        <p:nvSpPr>
+          <p:cNvPr id="3" name="Content Placeholder 2">
             <a:extLst>
               <a:ext uri="{FF2B5EF4-FFF2-40B4-BE49-F238E27FC236}">
-                <a16:creationId xmlns:a16="http://schemas.microsoft.com/office/drawing/2014/main" id="{9F5D4530-152A-40C0-BBD4-7E978C13B749}"/>
+                <a16:creationId xmlns:a16="http://schemas.microsoft.com/office/drawing/2014/main" id="{6F9FB915-F72D-4C26-A95D-1690B92FA1FA}"/>
               </a:ext>
             </a:extLst>
           </p:cNvPr>
@@ -5201,116 +4753,49 @@
             <a:spLocks noGrp="1"/>
           </p:cNvSpPr>
           <p:nvPr>
-            <p:ph type="title"/>
-          </p:nvPr>
-        </p:nvSpPr>
-        <p:spPr>
-          <a:xfrm>
-            <a:off x="556532" y="643467"/>
-            <a:ext cx="11210925" cy="744836"/>
-          </a:xfrm>
-        </p:spPr>
-        <p:txBody>
-          <a:bodyPr vert="horz" lIns="91440" tIns="45720" rIns="91440" bIns="45720" rtlCol="0" anchor="ctr">
-            <a:normAutofit/>
-          </a:bodyPr>
-          <a:lstStyle/>
-          <a:p>
-            <a:pPr algn="ctr"/>
-            <a:r>
-              <a:rPr lang="en-US" sz="3200" kern="1200">
-                <a:solidFill>
-                  <a:schemeClr val="bg1"/>
-                </a:solidFill>
-                <a:latin typeface="+mj-lt"/>
-                <a:ea typeface="+mj-ea"/>
-                <a:cs typeface="+mj-cs"/>
-              </a:rPr>
-              <a:t>HMI examples</a:t>
-            </a:r>
-          </a:p>
-        </p:txBody>
-      </p:sp>
-      <p:pic>
-        <p:nvPicPr>
-          <p:cNvPr id="6" name="Content Placeholder 4">
-            <a:extLst>
-              <a:ext uri="{FF2B5EF4-FFF2-40B4-BE49-F238E27FC236}">
-                <a16:creationId xmlns:a16="http://schemas.microsoft.com/office/drawing/2014/main" id="{6842353E-97EE-4F23-B752-08784C529622}"/>
-              </a:ext>
-            </a:extLst>
-          </p:cNvPr>
-          <p:cNvPicPr>
-            <a:picLocks noGrp="1" noChangeAspect="1"/>
-          </p:cNvPicPr>
-          <p:nvPr>
-            <p:ph sz="half" idx="1"/>
-          </p:nvPr>
-        </p:nvPicPr>
-        <p:blipFill rotWithShape="1">
-          <a:blip r:embed="rId3"/>
-          <a:srcRect l="6261" r="10389"/>
-          <a:stretch/>
-        </p:blipFill>
-        <p:spPr>
-          <a:xfrm>
-            <a:off x="177799" y="2150406"/>
-            <a:ext cx="5613613" cy="3518874"/>
-          </a:xfrm>
-          <a:prstGeom prst="rect">
-            <a:avLst/>
-          </a:prstGeom>
-          <a:ln w="12700">
-            <a:solidFill>
-              <a:schemeClr val="tx1"/>
-            </a:solidFill>
-          </a:ln>
-        </p:spPr>
-      </p:pic>
-      <p:pic>
-        <p:nvPicPr>
-          <p:cNvPr id="7" name="Content Placeholder 5" descr="A screenshot of a social media post&#10;&#10;Description automatically generated">
-            <a:extLst>
-              <a:ext uri="{FF2B5EF4-FFF2-40B4-BE49-F238E27FC236}">
-                <a16:creationId xmlns:a16="http://schemas.microsoft.com/office/drawing/2014/main" id="{73F4A7A4-8016-4DA6-9C67-1AEF3BFB32FB}"/>
-              </a:ext>
-            </a:extLst>
-          </p:cNvPr>
-          <p:cNvPicPr>
-            <a:picLocks noChangeAspect="1"/>
-          </p:cNvPicPr>
-          <p:nvPr/>
-        </p:nvPicPr>
-        <p:blipFill rotWithShape="1">
-          <a:blip r:embed="rId4">
-            <a:extLst>
-              <a:ext uri="{28A0092B-C50C-407E-A947-70E740481C1C}">
-                <a14:useLocalDpi xmlns:a14="http://schemas.microsoft.com/office/drawing/2010/main" val="0"/>
-              </a:ext>
-            </a:extLst>
-          </a:blip>
-          <a:srcRect l="5943" t="9628" r="925" b="4237"/>
-          <a:stretch/>
-        </p:blipFill>
-        <p:spPr>
-          <a:xfrm>
-            <a:off x="6096000" y="2150406"/>
-            <a:ext cx="5913120" cy="3518874"/>
-          </a:xfrm>
-          <a:prstGeom prst="rect">
-            <a:avLst/>
-          </a:prstGeom>
-          <a:ln w="12700">
-            <a:solidFill>
-              <a:schemeClr val="tx1"/>
-            </a:solidFill>
-          </a:ln>
-        </p:spPr>
-      </p:pic>
+            <p:ph idx="1"/>
+          </p:nvPr>
+        </p:nvSpPr>
+        <p:spPr/>
+        <p:txBody>
+          <a:bodyPr/>
+          <a:lstStyle/>
+          <a:p>
+            <a:r>
+              <a:rPr lang="en-US" dirty="0" err="1"/>
+              <a:t>Paxos</a:t>
+            </a:r>
+            <a:r>
+              <a:rPr lang="en-US" dirty="0"/>
+              <a:t> is still relevant to the field of distributed computing. </a:t>
+            </a:r>
+          </a:p>
+          <a:p>
+            <a:r>
+              <a:rPr lang="en-US" dirty="0"/>
+              <a:t>We can show consensus being used in modern-day applications. </a:t>
+            </a:r>
+          </a:p>
+          <a:p>
+            <a:r>
+              <a:rPr lang="en-US" dirty="0"/>
+              <a:t>Understanding </a:t>
+            </a:r>
+            <a:r>
+              <a:rPr lang="en-US" dirty="0" err="1"/>
+              <a:t>Paxos</a:t>
+            </a:r>
+            <a:r>
+              <a:rPr lang="en-US" dirty="0"/>
+              <a:t> is still a topic that can be taught relatively simple and expanded upon.</a:t>
+            </a:r>
+          </a:p>
+        </p:txBody>
+      </p:sp>
     </p:spTree>
     <p:extLst>
       <p:ext uri="{BB962C8B-B14F-4D97-AF65-F5344CB8AC3E}">
-        <p14:creationId xmlns:p14="http://schemas.microsoft.com/office/powerpoint/2010/main" val="2620302540"/>
+        <p14:creationId xmlns:p14="http://schemas.microsoft.com/office/powerpoint/2010/main" val="121686699"/>
       </p:ext>
     </p:extLst>
   </p:cSld>
@@ -5342,567 +4827,6 @@
           <p:cNvPr id="2" name="Title 1">
             <a:extLst>
               <a:ext uri="{FF2B5EF4-FFF2-40B4-BE49-F238E27FC236}">
-                <a16:creationId xmlns:a16="http://schemas.microsoft.com/office/drawing/2014/main" id="{D481189B-A70F-4E41-9EC2-3CF67205FCB4}"/>
-              </a:ext>
-            </a:extLst>
-          </p:cNvPr>
-          <p:cNvSpPr>
-            <a:spLocks noGrp="1"/>
-          </p:cNvSpPr>
-          <p:nvPr>
-            <p:ph type="title"/>
-          </p:nvPr>
-        </p:nvSpPr>
-        <p:spPr/>
-        <p:txBody>
-          <a:bodyPr/>
-          <a:lstStyle/>
-          <a:p>
-            <a:r>
-              <a:rPr lang="en-US" dirty="0"/>
-              <a:t>Privacy Attack</a:t>
-            </a:r>
-          </a:p>
-        </p:txBody>
-      </p:sp>
-      <p:sp>
-        <p:nvSpPr>
-          <p:cNvPr id="3" name="Content Placeholder 2">
-            <a:extLst>
-              <a:ext uri="{FF2B5EF4-FFF2-40B4-BE49-F238E27FC236}">
-                <a16:creationId xmlns:a16="http://schemas.microsoft.com/office/drawing/2014/main" id="{20289608-DF40-462D-9D78-3E00BFBCF1DE}"/>
-              </a:ext>
-            </a:extLst>
-          </p:cNvPr>
-          <p:cNvSpPr>
-            <a:spLocks noGrp="1"/>
-          </p:cNvSpPr>
-          <p:nvPr>
-            <p:ph idx="1"/>
-          </p:nvPr>
-        </p:nvSpPr>
-        <p:spPr/>
-        <p:txBody>
-          <a:bodyPr/>
-          <a:lstStyle/>
-          <a:p>
-            <a:r>
-              <a:rPr lang="en-US" dirty="0"/>
-              <a:t>The Smart Grid is filled with more than just powers stations and houses; more attack space</a:t>
-            </a:r>
-          </a:p>
-          <a:p>
-            <a:r>
-              <a:rPr lang="en-US" dirty="0"/>
-              <a:t>Attackers aim to disclose personal information on targets by using the Smart Grid</a:t>
-            </a:r>
-          </a:p>
-          <a:p>
-            <a:pPr lvl="1"/>
-            <a:r>
-              <a:rPr lang="en-US" dirty="0"/>
-              <a:t>Attacks confidentiality</a:t>
-            </a:r>
-          </a:p>
-          <a:p>
-            <a:pPr lvl="1"/>
-            <a:r>
-              <a:rPr lang="en-US" dirty="0"/>
-              <a:t>Falls under reconnaissance rather than exploitation</a:t>
-            </a:r>
-          </a:p>
-          <a:p>
-            <a:r>
-              <a:rPr lang="en-US" dirty="0"/>
-              <a:t>RTUs (Remote Terminal Units) and Smart Vehicles will be targeted</a:t>
-            </a:r>
-          </a:p>
-          <a:p>
-            <a:pPr lvl="1"/>
-            <a:r>
-              <a:rPr lang="en-US" dirty="0"/>
-              <a:t>Both include aspects of Geo-locational Privacy</a:t>
-            </a:r>
-          </a:p>
-          <a:p>
-            <a:pPr marL="0" indent="0">
-              <a:buNone/>
-            </a:pPr>
-            <a:endParaRPr lang="en-US" dirty="0"/>
-          </a:p>
-          <a:p>
-            <a:endParaRPr lang="en-US" dirty="0"/>
-          </a:p>
-        </p:txBody>
-      </p:sp>
-    </p:spTree>
-    <p:extLst>
-      <p:ext uri="{BB962C8B-B14F-4D97-AF65-F5344CB8AC3E}">
-        <p14:creationId xmlns:p14="http://schemas.microsoft.com/office/powerpoint/2010/main" val="3912311376"/>
-      </p:ext>
-    </p:extLst>
-  </p:cSld>
-  <p:clrMapOvr>
-    <a:masterClrMapping/>
-  </p:clrMapOvr>
-</p:sld>
-</file>
-
-<file path=ppt/slides/slide13.xml><?xml version="1.0" encoding="utf-8"?>
-<p:sld xmlns:a="http://schemas.openxmlformats.org/drawingml/2006/main" xmlns:r="http://schemas.openxmlformats.org/officeDocument/2006/relationships" xmlns:p="http://schemas.openxmlformats.org/presentationml/2006/main">
-  <p:cSld>
-    <p:bg>
-      <p:bgPr>
-        <a:solidFill>
-          <a:schemeClr val="bg1"/>
-        </a:solidFill>
-        <a:effectLst/>
-      </p:bgPr>
-    </p:bg>
-    <p:spTree>
-      <p:nvGrpSpPr>
-        <p:cNvPr id="1" name=""/>
-        <p:cNvGrpSpPr/>
-        <p:nvPr/>
-      </p:nvGrpSpPr>
-      <p:grpSpPr>
-        <a:xfrm>
-          <a:off x="0" y="0"/>
-          <a:ext cx="0" cy="0"/>
-          <a:chOff x="0" y="0"/>
-          <a:chExt cx="0" cy="0"/>
-        </a:xfrm>
-      </p:grpSpPr>
-      <p:sp>
-        <p:nvSpPr>
-          <p:cNvPr id="10" name="Rectangle 9">
-            <a:extLst>
-              <a:ext uri="{FF2B5EF4-FFF2-40B4-BE49-F238E27FC236}">
-                <a16:creationId xmlns:a16="http://schemas.microsoft.com/office/drawing/2014/main" id="{A4AC5506-6312-4701-8D3C-40187889A947}"/>
-              </a:ext>
-              <a:ext uri="{C183D7F6-B498-43B3-948B-1728B52AA6E4}">
-                <adec:decorative xmlns:adec="http://schemas.microsoft.com/office/drawing/2017/decorative" val="1"/>
-              </a:ext>
-            </a:extLst>
-          </p:cNvPr>
-          <p:cNvSpPr>
-            <a:spLocks noGrp="1" noRot="1" noChangeAspect="1" noMove="1" noResize="1" noEditPoints="1" noAdjustHandles="1" noChangeArrowheads="1" noChangeShapeType="1" noTextEdit="1"/>
-          </p:cNvSpPr>
-          <p:nvPr>
-            <p:extLst>
-              <p:ext uri="{386F3935-93C4-4BCD-93E2-E3B085C9AB24}">
-                <p16:designElem xmlns:p16="http://schemas.microsoft.com/office/powerpoint/2015/main" val="1"/>
-              </p:ext>
-            </p:extLst>
-          </p:nvPr>
-        </p:nvSpPr>
-        <p:spPr>
-          <a:xfrm>
-            <a:off x="0" y="651752"/>
-            <a:ext cx="12192000" cy="736551"/>
-          </a:xfrm>
-          <a:prstGeom prst="rect">
-            <a:avLst/>
-          </a:prstGeom>
-          <a:solidFill>
-            <a:schemeClr val="tx1"/>
-          </a:solidFill>
-          <a:ln>
-            <a:noFill/>
-          </a:ln>
-        </p:spPr>
-        <p:style>
-          <a:lnRef idx="2">
-            <a:schemeClr val="accent1">
-              <a:shade val="50000"/>
-            </a:schemeClr>
-          </a:lnRef>
-          <a:fillRef idx="1">
-            <a:schemeClr val="accent1"/>
-          </a:fillRef>
-          <a:effectRef idx="0">
-            <a:schemeClr val="accent1"/>
-          </a:effectRef>
-          <a:fontRef idx="minor">
-            <a:schemeClr val="lt1"/>
-          </a:fontRef>
-        </p:style>
-        <p:txBody>
-          <a:bodyPr rtlCol="0" anchor="ctr"/>
-          <a:lstStyle/>
-          <a:p>
-            <a:pPr algn="ctr"/>
-            <a:endParaRPr lang="en-US"/>
-          </a:p>
-        </p:txBody>
-      </p:sp>
-      <p:sp>
-        <p:nvSpPr>
-          <p:cNvPr id="2" name="Title 1">
-            <a:extLst>
-              <a:ext uri="{FF2B5EF4-FFF2-40B4-BE49-F238E27FC236}">
-                <a16:creationId xmlns:a16="http://schemas.microsoft.com/office/drawing/2014/main" id="{9F5D4530-152A-40C0-BBD4-7E978C13B749}"/>
-              </a:ext>
-            </a:extLst>
-          </p:cNvPr>
-          <p:cNvSpPr>
-            <a:spLocks noGrp="1"/>
-          </p:cNvSpPr>
-          <p:nvPr>
-            <p:ph type="title"/>
-          </p:nvPr>
-        </p:nvSpPr>
-        <p:spPr>
-          <a:xfrm>
-            <a:off x="556532" y="643467"/>
-            <a:ext cx="11210925" cy="744836"/>
-          </a:xfrm>
-        </p:spPr>
-        <p:txBody>
-          <a:bodyPr vert="horz" lIns="91440" tIns="45720" rIns="91440" bIns="45720" rtlCol="0" anchor="ctr">
-            <a:normAutofit/>
-          </a:bodyPr>
-          <a:lstStyle/>
-          <a:p>
-            <a:pPr algn="ctr"/>
-            <a:r>
-              <a:rPr lang="en-US" sz="3200" kern="1200" dirty="0">
-                <a:solidFill>
-                  <a:schemeClr val="bg1"/>
-                </a:solidFill>
-                <a:latin typeface="+mj-lt"/>
-                <a:ea typeface="+mj-ea"/>
-                <a:cs typeface="+mj-cs"/>
-              </a:rPr>
-              <a:t>Power Profiles</a:t>
-            </a:r>
-          </a:p>
-        </p:txBody>
-      </p:sp>
-      <p:pic>
-        <p:nvPicPr>
-          <p:cNvPr id="9" name="Content Placeholder 3">
-            <a:extLst>
-              <a:ext uri="{FF2B5EF4-FFF2-40B4-BE49-F238E27FC236}">
-                <a16:creationId xmlns:a16="http://schemas.microsoft.com/office/drawing/2014/main" id="{229C796C-BDE7-40F4-80E9-8B8E2C4BE459}"/>
-              </a:ext>
-            </a:extLst>
-          </p:cNvPr>
-          <p:cNvPicPr>
-            <a:picLocks noGrp="1" noChangeAspect="1"/>
-          </p:cNvPicPr>
-          <p:nvPr>
-            <p:ph idx="1"/>
-          </p:nvPr>
-        </p:nvPicPr>
-        <p:blipFill>
-          <a:blip r:embed="rId3"/>
-          <a:stretch>
-            <a:fillRect/>
-          </a:stretch>
-        </p:blipFill>
-        <p:spPr>
-          <a:xfrm>
-            <a:off x="1946526" y="1330663"/>
-            <a:ext cx="8298947" cy="5527337"/>
-          </a:xfrm>
-          <a:prstGeom prst="rect">
-            <a:avLst/>
-          </a:prstGeom>
-          <a:ln w="12700">
-            <a:solidFill>
-              <a:schemeClr val="tx1"/>
-            </a:solidFill>
-          </a:ln>
-        </p:spPr>
-      </p:pic>
-    </p:spTree>
-    <p:extLst>
-      <p:ext uri="{BB962C8B-B14F-4D97-AF65-F5344CB8AC3E}">
-        <p14:creationId xmlns:p14="http://schemas.microsoft.com/office/powerpoint/2010/main" val="102041357"/>
-      </p:ext>
-    </p:extLst>
-  </p:cSld>
-  <p:clrMapOvr>
-    <a:masterClrMapping/>
-  </p:clrMapOvr>
-</p:sld>
-</file>
-
-<file path=ppt/slides/slide14.xml><?xml version="1.0" encoding="utf-8"?>
-<p:sld xmlns:a="http://schemas.openxmlformats.org/drawingml/2006/main" xmlns:r="http://schemas.openxmlformats.org/officeDocument/2006/relationships" xmlns:p="http://schemas.openxmlformats.org/presentationml/2006/main">
-  <p:cSld>
-    <p:spTree>
-      <p:nvGrpSpPr>
-        <p:cNvPr id="1" name=""/>
-        <p:cNvGrpSpPr/>
-        <p:nvPr/>
-      </p:nvGrpSpPr>
-      <p:grpSpPr>
-        <a:xfrm>
-          <a:off x="0" y="0"/>
-          <a:ext cx="0" cy="0"/>
-          <a:chOff x="0" y="0"/>
-          <a:chExt cx="0" cy="0"/>
-        </a:xfrm>
-      </p:grpSpPr>
-      <p:sp>
-        <p:nvSpPr>
-          <p:cNvPr id="2" name="Title 1">
-            <a:extLst>
-              <a:ext uri="{FF2B5EF4-FFF2-40B4-BE49-F238E27FC236}">
-                <a16:creationId xmlns:a16="http://schemas.microsoft.com/office/drawing/2014/main" id="{6E2FB4C0-8BE2-418A-ABD5-BA11ECC32E1A}"/>
-              </a:ext>
-            </a:extLst>
-          </p:cNvPr>
-          <p:cNvSpPr>
-            <a:spLocks noGrp="1"/>
-          </p:cNvSpPr>
-          <p:nvPr>
-            <p:ph type="title"/>
-          </p:nvPr>
-        </p:nvSpPr>
-        <p:spPr/>
-        <p:txBody>
-          <a:bodyPr/>
-          <a:lstStyle/>
-          <a:p>
-            <a:r>
-              <a:rPr lang="en-US" dirty="0"/>
-              <a:t>Defense on Privacy Attack</a:t>
-            </a:r>
-          </a:p>
-        </p:txBody>
-      </p:sp>
-      <p:sp>
-        <p:nvSpPr>
-          <p:cNvPr id="5" name="Content Placeholder 4">
-            <a:extLst>
-              <a:ext uri="{FF2B5EF4-FFF2-40B4-BE49-F238E27FC236}">
-                <a16:creationId xmlns:a16="http://schemas.microsoft.com/office/drawing/2014/main" id="{A54B0F9E-4890-4755-A78E-80B25EF3A89E}"/>
-              </a:ext>
-            </a:extLst>
-          </p:cNvPr>
-          <p:cNvSpPr>
-            <a:spLocks noGrp="1"/>
-          </p:cNvSpPr>
-          <p:nvPr>
-            <p:ph idx="1"/>
-          </p:nvPr>
-        </p:nvSpPr>
-        <p:spPr/>
-        <p:txBody>
-          <a:bodyPr/>
-          <a:lstStyle/>
-          <a:p>
-            <a:r>
-              <a:rPr lang="en-US" dirty="0"/>
-              <a:t>Use of privacy preservation algorithms</a:t>
-            </a:r>
-          </a:p>
-          <a:p>
-            <a:pPr lvl="1"/>
-            <a:r>
-              <a:rPr lang="en-US" dirty="0"/>
-              <a:t>Recommended for use in uncontrolled end user and service provider relations. Can be implemented via generation, transmission, distribution side, but not really required.</a:t>
-            </a:r>
-          </a:p>
-          <a:p>
-            <a:pPr lvl="1"/>
-            <a:r>
-              <a:rPr lang="en-US" dirty="0"/>
-              <a:t>For power grid network, we can use RAPPOR, a Google algorithm </a:t>
-            </a:r>
-            <a:r>
-              <a:rPr lang="en-US"/>
-              <a:t>for privacy.</a:t>
-            </a:r>
-            <a:endParaRPr lang="en-US" dirty="0"/>
-          </a:p>
-          <a:p>
-            <a:r>
-              <a:rPr lang="en-US" dirty="0"/>
-              <a:t>For RTUs and Vehicles, we can focus on Geo-Indistinguishable Privacy</a:t>
-            </a:r>
-          </a:p>
-          <a:p>
-            <a:pPr lvl="1"/>
-            <a:r>
-              <a:rPr lang="en-US" dirty="0"/>
-              <a:t>Also can prevent against Time Synchronization Attacks</a:t>
-            </a:r>
-          </a:p>
-          <a:p>
-            <a:pPr lvl="1"/>
-            <a:r>
-              <a:rPr lang="en-US" dirty="0"/>
-              <a:t>Notable paper: </a:t>
-            </a:r>
-            <a:r>
-              <a:rPr lang="en-US" i="1" dirty="0" err="1"/>
-              <a:t>MixGroup</a:t>
-            </a:r>
-            <a:r>
-              <a:rPr lang="en-US" i="1" dirty="0"/>
-              <a:t>: Accumulative Pseudonym Exchanging for Location Privacy Enhancement in Vehicular Social Networks</a:t>
-            </a:r>
-          </a:p>
-          <a:p>
-            <a:pPr lvl="1"/>
-            <a:endParaRPr lang="en-US" dirty="0"/>
-          </a:p>
-        </p:txBody>
-      </p:sp>
-    </p:spTree>
-    <p:extLst>
-      <p:ext uri="{BB962C8B-B14F-4D97-AF65-F5344CB8AC3E}">
-        <p14:creationId xmlns:p14="http://schemas.microsoft.com/office/powerpoint/2010/main" val="917689768"/>
-      </p:ext>
-    </p:extLst>
-  </p:cSld>
-  <p:clrMapOvr>
-    <a:masterClrMapping/>
-  </p:clrMapOvr>
-</p:sld>
-</file>
-
-<file path=ppt/slides/slide15.xml><?xml version="1.0" encoding="utf-8"?>
-<p:sld xmlns:a="http://schemas.openxmlformats.org/drawingml/2006/main" xmlns:r="http://schemas.openxmlformats.org/officeDocument/2006/relationships" xmlns:p="http://schemas.openxmlformats.org/presentationml/2006/main">
-  <p:cSld>
-    <p:spTree>
-      <p:nvGrpSpPr>
-        <p:cNvPr id="1" name=""/>
-        <p:cNvGrpSpPr/>
-        <p:nvPr/>
-      </p:nvGrpSpPr>
-      <p:grpSpPr>
-        <a:xfrm>
-          <a:off x="0" y="0"/>
-          <a:ext cx="0" cy="0"/>
-          <a:chOff x="0" y="0"/>
-          <a:chExt cx="0" cy="0"/>
-        </a:xfrm>
-      </p:grpSpPr>
-      <p:sp>
-        <p:nvSpPr>
-          <p:cNvPr id="2" name="Title 1">
-            <a:extLst>
-              <a:ext uri="{FF2B5EF4-FFF2-40B4-BE49-F238E27FC236}">
-                <a16:creationId xmlns:a16="http://schemas.microsoft.com/office/drawing/2014/main" id="{265266D4-55D9-4FC9-A484-A3C9F23118E0}"/>
-              </a:ext>
-            </a:extLst>
-          </p:cNvPr>
-          <p:cNvSpPr>
-            <a:spLocks noGrp="1"/>
-          </p:cNvSpPr>
-          <p:nvPr>
-            <p:ph type="title"/>
-          </p:nvPr>
-        </p:nvSpPr>
-        <p:spPr/>
-        <p:txBody>
-          <a:bodyPr/>
-          <a:lstStyle/>
-          <a:p>
-            <a:r>
-              <a:rPr lang="en-US" dirty="0"/>
-              <a:t>Conclusion</a:t>
-            </a:r>
-          </a:p>
-        </p:txBody>
-      </p:sp>
-      <p:sp>
-        <p:nvSpPr>
-          <p:cNvPr id="3" name="Content Placeholder 2">
-            <a:extLst>
-              <a:ext uri="{FF2B5EF4-FFF2-40B4-BE49-F238E27FC236}">
-                <a16:creationId xmlns:a16="http://schemas.microsoft.com/office/drawing/2014/main" id="{6F9FB915-F72D-4C26-A95D-1690B92FA1FA}"/>
-              </a:ext>
-            </a:extLst>
-          </p:cNvPr>
-          <p:cNvSpPr>
-            <a:spLocks noGrp="1"/>
-          </p:cNvSpPr>
-          <p:nvPr>
-            <p:ph idx="1"/>
-          </p:nvPr>
-        </p:nvSpPr>
-        <p:spPr/>
-        <p:txBody>
-          <a:bodyPr/>
-          <a:lstStyle/>
-          <a:p>
-            <a:r>
-              <a:rPr lang="en-US" dirty="0"/>
-              <a:t>Solutions exist for a wide variety of attacks presented in the Smart Grid realm</a:t>
-            </a:r>
-          </a:p>
-          <a:p>
-            <a:pPr lvl="1"/>
-            <a:r>
-              <a:rPr lang="en-US" dirty="0"/>
-              <a:t>Many are already being worked on with SCADA, the core of the Smart Grid</a:t>
-            </a:r>
-          </a:p>
-          <a:p>
-            <a:pPr lvl="1"/>
-            <a:r>
-              <a:rPr lang="en-US" dirty="0"/>
-              <a:t>Need focus on eliminating “security through obscurity” problems</a:t>
-            </a:r>
-          </a:p>
-          <a:p>
-            <a:r>
-              <a:rPr lang="en-US" dirty="0"/>
-              <a:t>Security via software is ongoing through standardization; yet to see work on Privacy group considerations</a:t>
-            </a:r>
-          </a:p>
-          <a:p>
-            <a:r>
-              <a:rPr lang="en-US" dirty="0"/>
-              <a:t>Software and frameworks must learn from the past and be adaptable for new, unpredictable technologies</a:t>
-            </a:r>
-          </a:p>
-          <a:p>
-            <a:endParaRPr lang="en-US" dirty="0"/>
-          </a:p>
-        </p:txBody>
-      </p:sp>
-    </p:spTree>
-    <p:extLst>
-      <p:ext uri="{BB962C8B-B14F-4D97-AF65-F5344CB8AC3E}">
-        <p14:creationId xmlns:p14="http://schemas.microsoft.com/office/powerpoint/2010/main" val="121686699"/>
-      </p:ext>
-    </p:extLst>
-  </p:cSld>
-  <p:clrMapOvr>
-    <a:masterClrMapping/>
-  </p:clrMapOvr>
-</p:sld>
-</file>
-
-<file path=ppt/slides/slide16.xml><?xml version="1.0" encoding="utf-8"?>
-<p:sld xmlns:a="http://schemas.openxmlformats.org/drawingml/2006/main" xmlns:r="http://schemas.openxmlformats.org/officeDocument/2006/relationships" xmlns:p="http://schemas.openxmlformats.org/presentationml/2006/main">
-  <p:cSld>
-    <p:spTree>
-      <p:nvGrpSpPr>
-        <p:cNvPr id="1" name=""/>
-        <p:cNvGrpSpPr/>
-        <p:nvPr/>
-      </p:nvGrpSpPr>
-      <p:grpSpPr>
-        <a:xfrm>
-          <a:off x="0" y="0"/>
-          <a:ext cx="0" cy="0"/>
-          <a:chOff x="0" y="0"/>
-          <a:chExt cx="0" cy="0"/>
-        </a:xfrm>
-      </p:grpSpPr>
-      <p:sp>
-        <p:nvSpPr>
-          <p:cNvPr id="2" name="Title 1">
-            <a:extLst>
-              <a:ext uri="{FF2B5EF4-FFF2-40B4-BE49-F238E27FC236}">
                 <a16:creationId xmlns:a16="http://schemas.microsoft.com/office/drawing/2014/main" id="{65D290DC-8D72-4F04-990C-890C964798D6}"/>
               </a:ext>
             </a:extLst>
@@ -5945,7 +4869,7 @@
         <p:spPr/>
         <p:txBody>
           <a:bodyPr>
-            <a:normAutofit lnSpcReduction="10000"/>
+            <a:normAutofit/>
           </a:bodyPr>
           <a:lstStyle/>
           <a:p>
@@ -6106,25 +5030,70 @@
           <a:p>
             <a:r>
               <a:rPr lang="en-US" dirty="0"/>
-              <a:t>Background on Smart Grid Security</a:t>
-            </a:r>
-          </a:p>
-          <a:p>
-            <a:r>
-              <a:rPr lang="en-US" dirty="0"/>
-              <a:t>False Data Injection Attack</a:t>
-            </a:r>
-          </a:p>
-          <a:p>
-            <a:r>
-              <a:rPr lang="en-US" dirty="0"/>
-              <a:t>Popping the HMI Attack</a:t>
-            </a:r>
-          </a:p>
-          <a:p>
-            <a:r>
-              <a:rPr lang="en-US" dirty="0"/>
-              <a:t>Privacy Attack</a:t>
+              <a:t>Background on </a:t>
+            </a:r>
+            <a:r>
+              <a:rPr lang="en-US" dirty="0" err="1"/>
+              <a:t>Paxos</a:t>
+            </a:r>
+            <a:r>
+              <a:rPr lang="en-US" dirty="0"/>
+              <a:t> Algorithms</a:t>
+            </a:r>
+          </a:p>
+          <a:p>
+            <a:r>
+              <a:rPr lang="en-US" dirty="0"/>
+              <a:t>Research on </a:t>
+            </a:r>
+            <a:r>
+              <a:rPr lang="en-US" dirty="0" err="1"/>
+              <a:t>Paxos</a:t>
+            </a:r>
+            <a:r>
+              <a:rPr lang="en-US" dirty="0"/>
+              <a:t> Algorithms</a:t>
+            </a:r>
+          </a:p>
+          <a:p>
+            <a:r>
+              <a:rPr lang="en-US" dirty="0"/>
+              <a:t>Why </a:t>
+            </a:r>
+            <a:r>
+              <a:rPr lang="en-US" dirty="0" err="1"/>
+              <a:t>Paxos</a:t>
+            </a:r>
+            <a:r>
+              <a:rPr lang="en-US" dirty="0"/>
+              <a:t>?</a:t>
+            </a:r>
+          </a:p>
+          <a:p>
+            <a:r>
+              <a:rPr lang="en-US" dirty="0" err="1"/>
+              <a:t>Paxos</a:t>
+            </a:r>
+            <a:r>
+              <a:rPr lang="en-US" dirty="0"/>
+              <a:t> Explanation </a:t>
+            </a:r>
+          </a:p>
+          <a:p>
+            <a:r>
+              <a:rPr lang="en-US" dirty="0"/>
+              <a:t>Implementation of </a:t>
+            </a:r>
+            <a:r>
+              <a:rPr lang="en-US" dirty="0" err="1"/>
+              <a:t>Paxos</a:t>
+            </a:r>
+            <a:endParaRPr lang="en-US" dirty="0"/>
+          </a:p>
+          <a:p>
+            <a:r>
+              <a:rPr lang="en-US" dirty="0"/>
+              <a:t>Results</a:t>
             </a:r>
           </a:p>
           <a:p>
@@ -6191,7 +5160,15 @@
           <a:p>
             <a:r>
               <a:rPr lang="en-US" dirty="0"/>
-              <a:t>Background</a:t>
+              <a:t>Research on </a:t>
+            </a:r>
+            <a:r>
+              <a:rPr lang="en-US" dirty="0" err="1"/>
+              <a:t>Paxos</a:t>
+            </a:r>
+            <a:r>
+              <a:rPr lang="en-US" dirty="0"/>
+              <a:t> Algorithms</a:t>
             </a:r>
           </a:p>
         </p:txBody>
@@ -6212,46 +5189,119 @@
             <p:ph idx="1"/>
           </p:nvPr>
         </p:nvSpPr>
-        <p:spPr/>
-        <p:txBody>
-          <a:bodyPr/>
-          <a:lstStyle/>
-          <a:p>
-            <a:r>
-              <a:rPr lang="en-US" dirty="0"/>
-              <a:t>Much work done in the realm of Smart Cities is still in the beginning stages of development.</a:t>
+        <p:spPr>
+          <a:xfrm>
+            <a:off x="2231136" y="2638044"/>
+            <a:ext cx="7729728" cy="3666503"/>
+          </a:xfrm>
+        </p:spPr>
+        <p:txBody>
+          <a:bodyPr>
+            <a:normAutofit/>
+          </a:bodyPr>
+          <a:lstStyle/>
+          <a:p>
+            <a:r>
+              <a:rPr lang="en-US" dirty="0" err="1"/>
+              <a:t>Paxos</a:t>
+            </a:r>
+            <a:r>
+              <a:rPr lang="en-US" dirty="0"/>
+              <a:t> first came onto the scene in 1990 with Leslie </a:t>
+            </a:r>
+            <a:r>
+              <a:rPr lang="en-US" dirty="0" err="1"/>
+              <a:t>Lamport</a:t>
+            </a:r>
+            <a:r>
+              <a:rPr lang="en-US" dirty="0"/>
+              <a:t>, a researcher in distributed algorithms and creator of LaTeX. The Part-Time Parliament</a:t>
             </a:r>
           </a:p>
           <a:p>
             <a:pPr lvl="1"/>
             <a:r>
               <a:rPr lang="en-US" dirty="0"/>
-              <a:t>NIST (National Institute of Standards and Technology) Smart Grid Version 4.0 in development this year, last release v3.0 was in 2014.</a:t>
+              <a:t>The paper title was “The Part-Time Parliament” publish in ACM 1998.</a:t>
             </a:r>
           </a:p>
           <a:p>
             <a:pPr lvl="1"/>
             <a:r>
               <a:rPr lang="en-US" dirty="0"/>
-              <a:t>Widespread adoption is yet to be implemented across power generation, transmission, distribution, service provider, and end user.</a:t>
-            </a:r>
-          </a:p>
-          <a:p>
-            <a:r>
-              <a:rPr lang="en-US" dirty="0"/>
-              <a:t>The core of the Smart Grid, the SCADA system, does not have widespread adoption of new standards.</a:t>
+              <a:t>Aim was to discover a method of creating distributed systems that were generalized enough to not need exceptions for multiple states.</a:t>
+            </a:r>
+          </a:p>
+          <a:p>
+            <a:r>
+              <a:rPr lang="en-US" dirty="0"/>
+              <a:t>Most other research is theoretical; mainly focus on improvements to the algorithm or different forms combining </a:t>
+            </a:r>
+            <a:r>
+              <a:rPr lang="en-US" dirty="0" err="1"/>
+              <a:t>Paxos</a:t>
+            </a:r>
+            <a:r>
+              <a:rPr lang="en-US" dirty="0"/>
+              <a:t> with other topics </a:t>
             </a:r>
           </a:p>
           <a:p>
             <a:pPr lvl="1"/>
             <a:r>
               <a:rPr lang="en-US" dirty="0"/>
-              <a:t>Will take time for full adoption. Current laws and regulations only call for research and study, not implementation.</a:t>
+              <a:t>Fast </a:t>
+            </a:r>
+            <a:r>
+              <a:rPr lang="en-US" dirty="0" err="1"/>
+              <a:t>Paxos</a:t>
+            </a:r>
+            <a:r>
+              <a:rPr lang="en-US" dirty="0"/>
+              <a:t>, Generalized </a:t>
+            </a:r>
+            <a:r>
+              <a:rPr lang="en-US" dirty="0" err="1"/>
+              <a:t>Paxos</a:t>
+            </a:r>
+            <a:r>
+              <a:rPr lang="en-US" dirty="0"/>
+              <a:t>, Byzantine </a:t>
+            </a:r>
+            <a:r>
+              <a:rPr lang="en-US" dirty="0" err="1"/>
+              <a:t>Paxos</a:t>
+            </a:r>
+            <a:endParaRPr lang="en-US" dirty="0"/>
+          </a:p>
+          <a:p>
+            <a:r>
+              <a:rPr lang="en-US" dirty="0"/>
+              <a:t>Used in many big solutions like Google </a:t>
+            </a:r>
+            <a:r>
+              <a:rPr lang="en-US" dirty="0" err="1"/>
+              <a:t>BigTable</a:t>
+            </a:r>
+            <a:r>
+              <a:rPr lang="en-US" dirty="0"/>
+              <a:t>, Apache Zookeeper, Cassandra</a:t>
             </a:r>
           </a:p>
           <a:p>
             <a:pPr lvl="1"/>
-            <a:endParaRPr lang="en-US" dirty="0"/>
+            <a:r>
+              <a:rPr lang="en-US" dirty="0"/>
+              <a:t>Chances are that any DB software will support a form of </a:t>
+            </a:r>
+            <a:r>
+              <a:rPr lang="en-US" dirty="0" err="1"/>
+              <a:t>Paxos</a:t>
+            </a:r>
+            <a:r>
+              <a:rPr lang="en-US" dirty="0"/>
+              <a:t>.</a:t>
+            </a:r>
           </a:p>
         </p:txBody>
       </p:sp>
@@ -6290,7 +5340,7 @@
           <p:cNvPr id="2" name="Title 1">
             <a:extLst>
               <a:ext uri="{FF2B5EF4-FFF2-40B4-BE49-F238E27FC236}">
-                <a16:creationId xmlns:a16="http://schemas.microsoft.com/office/drawing/2014/main" id="{80BEE166-5434-4D98-A65E-A962CDF37837}"/>
+                <a16:creationId xmlns:a16="http://schemas.microsoft.com/office/drawing/2014/main" id="{467F2E05-E9E8-49F3-B26E-741B0B5925F8}"/>
               </a:ext>
             </a:extLst>
           </p:cNvPr>
@@ -6308,7 +5358,15 @@
           <a:p>
             <a:r>
               <a:rPr lang="en-US" dirty="0"/>
-              <a:t>False Data Injection Attack</a:t>
+              <a:t>Why </a:t>
+            </a:r>
+            <a:r>
+              <a:rPr lang="en-US" dirty="0" err="1"/>
+              <a:t>Paxos</a:t>
+            </a:r>
+            <a:r>
+              <a:rPr lang="en-US" dirty="0"/>
+              <a:t>?</a:t>
             </a:r>
           </a:p>
         </p:txBody>
@@ -6318,7 +5376,7 @@
           <p:cNvPr id="3" name="Content Placeholder 2">
             <a:extLst>
               <a:ext uri="{FF2B5EF4-FFF2-40B4-BE49-F238E27FC236}">
-                <a16:creationId xmlns:a16="http://schemas.microsoft.com/office/drawing/2014/main" id="{06971C7A-E504-486C-9FF8-20B10A0B008C}"/>
+                <a16:creationId xmlns:a16="http://schemas.microsoft.com/office/drawing/2014/main" id="{3C6727BF-0217-4A0B-9876-A6FC8F216F28}"/>
               </a:ext>
             </a:extLst>
           </p:cNvPr>
@@ -6336,183 +5394,40 @@
           <a:p>
             <a:r>
               <a:rPr lang="en-US" dirty="0"/>
-              <a:t>Integrity Violation</a:t>
-            </a:r>
-          </a:p>
-          <a:p>
-            <a:r>
-              <a:rPr lang="en-US" dirty="0"/>
-              <a:t>Attacks influences the distribution, end user, and service provider.</a:t>
-            </a:r>
-          </a:p>
-          <a:p>
-            <a:r>
-              <a:rPr lang="en-US" dirty="0"/>
-              <a:t>Frameworks use known techniques like State Estimation aka a linear regression model:</a:t>
-            </a:r>
-          </a:p>
-          <a:p>
-            <a:pPr marL="0" indent="0">
-              <a:buNone/>
-            </a:pPr>
+              <a:t>Still relevant in today’s distributed world.</a:t>
+            </a:r>
+          </a:p>
+          <a:p>
+            <a:r>
+              <a:rPr lang="en-US" dirty="0" err="1"/>
+              <a:t>Paxos</a:t>
+            </a:r>
+            <a:r>
+              <a:rPr lang="en-US" dirty="0"/>
+              <a:t> focuses on the data transferred being delivered, not the processors doing it.</a:t>
+            </a:r>
+          </a:p>
+          <a:p>
+            <a:r>
+              <a:rPr lang="en-US" dirty="0"/>
+              <a:t>Potential solution for problems that require consensus and distribution in potentially low processor/user environments. </a:t>
+            </a:r>
+          </a:p>
+          <a:p>
+            <a:r>
+              <a:rPr lang="en-US" dirty="0"/>
+              <a:t>Educational uses</a:t>
+            </a:r>
+          </a:p>
+          <a:p>
             <a:endParaRPr lang="en-US" dirty="0"/>
           </a:p>
-          <a:p>
-            <a:r>
-              <a:rPr lang="en-US" dirty="0"/>
-              <a:t>Which are used in many of solutions, but a diversity of solutions are what matter. </a:t>
-            </a:r>
-          </a:p>
-          <a:p>
-            <a:pPr lvl="1"/>
-            <a:r>
-              <a:rPr lang="en-US" dirty="0"/>
-              <a:t>Can use state estimation and mathematical algorithms </a:t>
-            </a:r>
-          </a:p>
-          <a:p>
-            <a:pPr lvl="1"/>
-            <a:r>
-              <a:rPr lang="en-US" dirty="0"/>
-              <a:t>Or can use Machine Learning algorithms (Chen et al.)</a:t>
-            </a:r>
-          </a:p>
-        </p:txBody>
-      </p:sp>
-      <mc:AlternateContent xmlns:mc="http://schemas.openxmlformats.org/markup-compatibility/2006" xmlns:a14="http://schemas.microsoft.com/office/drawing/2010/main">
-        <mc:Choice Requires="a14">
-          <p:sp>
-            <p:nvSpPr>
-              <p:cNvPr id="4" name="TextBox 3">
-                <a:extLst>
-                  <a:ext uri="{FF2B5EF4-FFF2-40B4-BE49-F238E27FC236}">
-                    <a16:creationId xmlns:a16="http://schemas.microsoft.com/office/drawing/2014/main" id="{C53F3DA5-9B6C-4E71-88C8-9EB89E71236E}"/>
-                  </a:ext>
-                </a:extLst>
-              </p:cNvPr>
-              <p:cNvSpPr txBox="1"/>
-              <p:nvPr/>
-            </p:nvSpPr>
-            <p:spPr>
-              <a:xfrm>
-                <a:off x="4256545" y="3691582"/>
-                <a:ext cx="3058655" cy="430887"/>
-              </a:xfrm>
-              <a:prstGeom prst="rect">
-                <a:avLst/>
-              </a:prstGeom>
-              <a:noFill/>
-              <a:ln w="12700">
-                <a:solidFill>
-                  <a:schemeClr val="tx1"/>
-                </a:solidFill>
-              </a:ln>
-            </p:spPr>
-            <p:txBody>
-              <a:bodyPr wrap="square" lIns="0" tIns="0" rIns="0" bIns="0" rtlCol="0">
-                <a:spAutoFit/>
-              </a:bodyPr>
-              <a:lstStyle/>
-              <a:p>
-                <a:pPr/>
-                <a14:m>
-                  <m:oMathPara xmlns:m="http://schemas.openxmlformats.org/officeDocument/2006/math">
-                    <m:oMathParaPr>
-                      <m:jc m:val="centerGroup"/>
-                    </m:oMathParaPr>
-                    <m:oMath xmlns:m="http://schemas.openxmlformats.org/officeDocument/2006/math">
-                      <m:r>
-                        <a:rPr lang="en-US" sz="2800" b="0" i="1" smtClean="0">
-                          <a:latin typeface="Cambria Math" panose="02040503050406030204" pitchFamily="18" charset="0"/>
-                        </a:rPr>
-                        <m:t>𝑧</m:t>
-                      </m:r>
-                      <m:r>
-                        <a:rPr lang="en-US" sz="2800" b="0" i="1" smtClean="0">
-                          <a:latin typeface="Cambria Math" panose="02040503050406030204" pitchFamily="18" charset="0"/>
-                        </a:rPr>
-                        <m:t>=  </m:t>
-                      </m:r>
-                      <m:r>
-                        <a:rPr lang="en-US" sz="2800" b="0" i="1" smtClean="0">
-                          <a:latin typeface="Cambria Math" panose="02040503050406030204" pitchFamily="18" charset="0"/>
-                        </a:rPr>
-                        <m:t>𝐻𝑥</m:t>
-                      </m:r>
-                      <m:r>
-                        <a:rPr lang="en-US" sz="2800" b="0" i="1" smtClean="0">
-                          <a:latin typeface="Cambria Math" panose="02040503050406030204" pitchFamily="18" charset="0"/>
-                        </a:rPr>
-                        <m:t>+</m:t>
-                      </m:r>
-                      <m:r>
-                        <a:rPr lang="en-US" sz="2800" b="0" i="1" smtClean="0">
-                          <a:latin typeface="Cambria Math" panose="02040503050406030204" pitchFamily="18" charset="0"/>
-                        </a:rPr>
-                        <m:t>𝑒</m:t>
-                      </m:r>
-                    </m:oMath>
-                  </m:oMathPara>
-                </a14:m>
-                <a:endParaRPr lang="en-US" dirty="0"/>
-              </a:p>
-            </p:txBody>
-          </p:sp>
-        </mc:Choice>
-        <mc:Fallback xmlns="">
-          <p:sp>
-            <p:nvSpPr>
-              <p:cNvPr id="4" name="TextBox 3">
-                <a:extLst>
-                  <a:ext uri="{FF2B5EF4-FFF2-40B4-BE49-F238E27FC236}">
-                    <a16:creationId xmlns:a16="http://schemas.microsoft.com/office/drawing/2014/main" id="{C53F3DA5-9B6C-4E71-88C8-9EB89E71236E}"/>
-                  </a:ext>
-                </a:extLst>
-              </p:cNvPr>
-              <p:cNvSpPr txBox="1">
-                <a:spLocks noRot="1" noChangeAspect="1" noMove="1" noResize="1" noEditPoints="1" noAdjustHandles="1" noChangeArrowheads="1" noChangeShapeType="1" noTextEdit="1"/>
-              </p:cNvSpPr>
-              <p:nvPr/>
-            </p:nvSpPr>
-            <p:spPr>
-              <a:xfrm>
-                <a:off x="4256545" y="3691582"/>
-                <a:ext cx="3058655" cy="430887"/>
-              </a:xfrm>
-              <a:prstGeom prst="rect">
-                <a:avLst/>
-              </a:prstGeom>
-              <a:blipFill>
-                <a:blip r:embed="rId3"/>
-                <a:stretch>
-                  <a:fillRect/>
-                </a:stretch>
-              </a:blipFill>
-              <a:ln w="12700">
-                <a:solidFill>
-                  <a:schemeClr val="tx1"/>
-                </a:solidFill>
-              </a:ln>
-            </p:spPr>
-            <p:txBody>
-              <a:bodyPr/>
-              <a:lstStyle/>
-              <a:p>
-                <a:r>
-                  <a:rPr lang="en-US">
-                    <a:noFill/>
-                  </a:rPr>
-                  <a:t> </a:t>
-                </a:r>
-              </a:p>
-            </p:txBody>
-          </p:sp>
-        </mc:Fallback>
-      </mc:AlternateContent>
+        </p:txBody>
+      </p:sp>
     </p:spTree>
     <p:extLst>
       <p:ext uri="{BB962C8B-B14F-4D97-AF65-F5344CB8AC3E}">
-        <p14:creationId xmlns:p14="http://schemas.microsoft.com/office/powerpoint/2010/main" val="2367872332"/>
+        <p14:creationId xmlns:p14="http://schemas.microsoft.com/office/powerpoint/2010/main" val="1970503817"/>
       </p:ext>
     </p:extLst>
   </p:cSld>
@@ -6525,14 +5440,6 @@
 <file path=ppt/slides/slide5.xml><?xml version="1.0" encoding="utf-8"?>
 <p:sld xmlns:a="http://schemas.openxmlformats.org/drawingml/2006/main" xmlns:r="http://schemas.openxmlformats.org/officeDocument/2006/relationships" xmlns:p="http://schemas.openxmlformats.org/presentationml/2006/main">
   <p:cSld>
-    <p:bg>
-      <p:bgPr>
-        <a:solidFill>
-          <a:schemeClr val="bg1"/>
-        </a:solidFill>
-        <a:effectLst/>
-      </p:bgPr>
-    </p:bg>
     <p:spTree>
       <p:nvGrpSpPr>
         <p:cNvPr id="1" name=""/>
@@ -6549,73 +5456,43 @@
       </p:grpSpPr>
       <p:sp>
         <p:nvSpPr>
-          <p:cNvPr id="10" name="Rectangle 9">
+          <p:cNvPr id="2" name="Title 1">
             <a:extLst>
               <a:ext uri="{FF2B5EF4-FFF2-40B4-BE49-F238E27FC236}">
-                <a16:creationId xmlns:a16="http://schemas.microsoft.com/office/drawing/2014/main" id="{A4AC5506-6312-4701-8D3C-40187889A947}"/>
-              </a:ext>
-              <a:ext uri="{C183D7F6-B498-43B3-948B-1728B52AA6E4}">
-                <adec:decorative xmlns:adec="http://schemas.microsoft.com/office/drawing/2017/decorative" val="1"/>
+                <a16:creationId xmlns:a16="http://schemas.microsoft.com/office/drawing/2014/main" id="{80BEE166-5434-4D98-A65E-A962CDF37837}"/>
               </a:ext>
             </a:extLst>
           </p:cNvPr>
           <p:cNvSpPr>
-            <a:spLocks noGrp="1" noRot="1" noChangeAspect="1" noMove="1" noResize="1" noEditPoints="1" noAdjustHandles="1" noChangeArrowheads="1" noChangeShapeType="1" noTextEdit="1"/>
-          </p:cNvSpPr>
-          <p:nvPr>
-            <p:extLst>
-              <p:ext uri="{386F3935-93C4-4BCD-93E2-E3B085C9AB24}">
-                <p16:designElem xmlns:p16="http://schemas.microsoft.com/office/powerpoint/2015/main" val="1"/>
-              </p:ext>
-            </p:extLst>
-          </p:nvPr>
-        </p:nvSpPr>
-        <p:spPr>
-          <a:xfrm>
-            <a:off x="0" y="651752"/>
-            <a:ext cx="12192000" cy="736551"/>
-          </a:xfrm>
-          <a:prstGeom prst="rect">
-            <a:avLst/>
-          </a:prstGeom>
-          <a:solidFill>
-            <a:schemeClr val="tx1"/>
-          </a:solidFill>
-          <a:ln>
-            <a:noFill/>
-          </a:ln>
-        </p:spPr>
-        <p:style>
-          <a:lnRef idx="2">
-            <a:schemeClr val="accent1">
-              <a:shade val="50000"/>
-            </a:schemeClr>
-          </a:lnRef>
-          <a:fillRef idx="1">
-            <a:schemeClr val="accent1"/>
-          </a:fillRef>
-          <a:effectRef idx="0">
-            <a:schemeClr val="accent1"/>
-          </a:effectRef>
-          <a:fontRef idx="minor">
-            <a:schemeClr val="lt1"/>
-          </a:fontRef>
-        </p:style>
-        <p:txBody>
-          <a:bodyPr rtlCol="0" anchor="ctr"/>
-          <a:lstStyle/>
-          <a:p>
-            <a:pPr algn="ctr"/>
-            <a:endParaRPr lang="en-US"/>
-          </a:p>
-        </p:txBody>
-      </p:sp>
-      <p:sp>
-        <p:nvSpPr>
-          <p:cNvPr id="2" name="Title 1">
+            <a:spLocks noGrp="1"/>
+          </p:cNvSpPr>
+          <p:nvPr>
+            <p:ph type="title"/>
+          </p:nvPr>
+        </p:nvSpPr>
+        <p:spPr/>
+        <p:txBody>
+          <a:bodyPr/>
+          <a:lstStyle/>
+          <a:p>
+            <a:r>
+              <a:rPr lang="en-US" dirty="0"/>
+              <a:t>Explanation of </a:t>
+            </a:r>
+            <a:r>
+              <a:rPr lang="en-US" dirty="0" err="1"/>
+              <a:t>Paxos</a:t>
+            </a:r>
+            <a:endParaRPr lang="en-US" dirty="0"/>
+          </a:p>
+        </p:txBody>
+      </p:sp>
+      <p:sp>
+        <p:nvSpPr>
+          <p:cNvPr id="3" name="Content Placeholder 2">
             <a:extLst>
               <a:ext uri="{FF2B5EF4-FFF2-40B4-BE49-F238E27FC236}">
-                <a16:creationId xmlns:a16="http://schemas.microsoft.com/office/drawing/2014/main" id="{9F5D4530-152A-40C0-BBD4-7E978C13B749}"/>
+                <a16:creationId xmlns:a16="http://schemas.microsoft.com/office/drawing/2014/main" id="{06971C7A-E504-486C-9FF8-20B10A0B008C}"/>
               </a:ext>
             </a:extLst>
           </p:cNvPr>
@@ -6623,181 +5500,82 @@
             <a:spLocks noGrp="1"/>
           </p:cNvSpPr>
           <p:nvPr>
-            <p:ph type="title"/>
+            <p:ph idx="1"/>
           </p:nvPr>
         </p:nvSpPr>
         <p:spPr>
           <a:xfrm>
-            <a:off x="556532" y="643467"/>
-            <a:ext cx="11210925" cy="744836"/>
+            <a:off x="2231136" y="2469601"/>
+            <a:ext cx="7729728" cy="4027452"/>
           </a:xfrm>
         </p:spPr>
         <p:txBody>
-          <a:bodyPr vert="horz" lIns="91440" tIns="45720" rIns="91440" bIns="45720" rtlCol="0" anchor="ctr">
+          <a:bodyPr>
             <a:normAutofit/>
           </a:bodyPr>
           <a:lstStyle/>
           <a:p>
-            <a:pPr algn="ctr"/>
-            <a:r>
-              <a:rPr lang="en-US" sz="3200" kern="1200" dirty="0">
-                <a:solidFill>
-                  <a:schemeClr val="bg1"/>
-                </a:solidFill>
-                <a:latin typeface="+mj-lt"/>
-                <a:ea typeface="+mj-ea"/>
-                <a:cs typeface="+mj-cs"/>
-              </a:rPr>
-              <a:t>…But the basics matter</a:t>
-            </a:r>
-          </a:p>
-        </p:txBody>
-      </p:sp>
-      <p:sp>
-        <p:nvSpPr>
-          <p:cNvPr id="5" name="TextBox 4">
-            <a:extLst>
-              <a:ext uri="{FF2B5EF4-FFF2-40B4-BE49-F238E27FC236}">
-                <a16:creationId xmlns:a16="http://schemas.microsoft.com/office/drawing/2014/main" id="{273D0F92-A99D-442F-8119-93B1E34CE2EE}"/>
-              </a:ext>
-            </a:extLst>
-          </p:cNvPr>
-          <p:cNvSpPr txBox="1"/>
-          <p:nvPr/>
-        </p:nvSpPr>
-        <p:spPr>
-          <a:xfrm>
-            <a:off x="5806691" y="6066271"/>
-            <a:ext cx="4754252" cy="307777"/>
-          </a:xfrm>
-          <a:prstGeom prst="rect">
-            <a:avLst/>
-          </a:prstGeom>
-          <a:noFill/>
-        </p:spPr>
-        <p:txBody>
-          <a:bodyPr wrap="square" rtlCol="0">
-            <a:spAutoFit/>
-          </a:bodyPr>
-          <a:lstStyle/>
-          <a:p>
-            <a:r>
-              <a:rPr lang="en-US" sz="1400" dirty="0"/>
-              <a:t>https://www.youtube.com/watch?v=CjrJjMNrqsI</a:t>
-            </a:r>
-          </a:p>
-        </p:txBody>
-      </p:sp>
-      <p:pic>
-        <p:nvPicPr>
-          <p:cNvPr id="7" name="Picture 6" descr="A screenshot of a cell phone&#10;&#10;Description automatically generated">
-            <a:extLst>
-              <a:ext uri="{FF2B5EF4-FFF2-40B4-BE49-F238E27FC236}">
-                <a16:creationId xmlns:a16="http://schemas.microsoft.com/office/drawing/2014/main" id="{08CD62C9-A718-4D67-AECC-B756E84C6F5E}"/>
-              </a:ext>
-            </a:extLst>
-          </p:cNvPr>
-          <p:cNvPicPr>
-            <a:picLocks noChangeAspect="1"/>
-          </p:cNvPicPr>
-          <p:nvPr/>
-        </p:nvPicPr>
-        <p:blipFill>
-          <a:blip r:embed="rId3">
-            <a:extLst>
-              <a:ext uri="{28A0092B-C50C-407E-A947-70E740481C1C}">
-                <a14:useLocalDpi xmlns:a14="http://schemas.microsoft.com/office/drawing/2010/main" val="0"/>
-              </a:ext>
-            </a:extLst>
-          </a:blip>
-          <a:stretch>
-            <a:fillRect/>
-          </a:stretch>
-        </p:blipFill>
-        <p:spPr>
-          <a:xfrm>
-            <a:off x="848360" y="1666303"/>
-            <a:ext cx="3886389" cy="4165363"/>
-          </a:xfrm>
-          <a:prstGeom prst="rect">
-            <a:avLst/>
-          </a:prstGeom>
-          <a:ln w="12700">
-            <a:solidFill>
-              <a:schemeClr val="tx1"/>
-            </a:solidFill>
-          </a:ln>
-        </p:spPr>
-      </p:pic>
-      <p:sp>
-        <p:nvSpPr>
-          <p:cNvPr id="8" name="TextBox 7">
-            <a:extLst>
-              <a:ext uri="{FF2B5EF4-FFF2-40B4-BE49-F238E27FC236}">
-                <a16:creationId xmlns:a16="http://schemas.microsoft.com/office/drawing/2014/main" id="{471EFC42-5A4D-443E-9168-D70D79E7B98B}"/>
-              </a:ext>
-            </a:extLst>
-          </p:cNvPr>
-          <p:cNvSpPr txBox="1"/>
-          <p:nvPr/>
-        </p:nvSpPr>
-        <p:spPr>
-          <a:xfrm>
-            <a:off x="663752" y="6066271"/>
-            <a:ext cx="4754252" cy="523220"/>
-          </a:xfrm>
-          <a:prstGeom prst="rect">
-            <a:avLst/>
-          </a:prstGeom>
-          <a:noFill/>
-        </p:spPr>
-        <p:txBody>
-          <a:bodyPr wrap="square" rtlCol="0">
-            <a:spAutoFit/>
-          </a:bodyPr>
-          <a:lstStyle/>
-          <a:p>
-            <a:r>
-              <a:rPr lang="en-US" sz="1400" dirty="0"/>
-              <a:t>https://krebsonsecurity.com/2012/04/fbi-smart-meter-hacks-likely-to-spread/comment-page-1/</a:t>
-            </a:r>
-          </a:p>
-        </p:txBody>
-      </p:sp>
-      <p:pic>
-        <p:nvPicPr>
-          <p:cNvPr id="9" name="Picture 8">
-            <a:extLst>
-              <a:ext uri="{FF2B5EF4-FFF2-40B4-BE49-F238E27FC236}">
-                <a16:creationId xmlns:a16="http://schemas.microsoft.com/office/drawing/2014/main" id="{6770586C-372B-4C02-AB86-2C52F2F9B0C2}"/>
-              </a:ext>
-            </a:extLst>
-          </p:cNvPr>
-          <p:cNvPicPr>
-            <a:picLocks noChangeAspect="1"/>
-          </p:cNvPicPr>
-          <p:nvPr/>
-        </p:nvPicPr>
-        <p:blipFill>
-          <a:blip r:embed="rId4"/>
-          <a:stretch>
-            <a:fillRect/>
-          </a:stretch>
-        </p:blipFill>
-        <p:spPr>
-          <a:xfrm>
-            <a:off x="5418004" y="1732569"/>
-            <a:ext cx="6242330" cy="4216400"/>
-          </a:xfrm>
-          <a:prstGeom prst="rect">
-            <a:avLst/>
-          </a:prstGeom>
-        </p:spPr>
-      </p:pic>
+            <a:r>
+              <a:rPr lang="en-US" dirty="0" err="1"/>
+              <a:t>Paxos</a:t>
+            </a:r>
+            <a:r>
+              <a:rPr lang="en-US" dirty="0"/>
+              <a:t> is a distributed, peer-to-peer consensus algorithm that tries to achieve consensus with three basic ideas. </a:t>
+            </a:r>
+          </a:p>
+          <a:p>
+            <a:r>
+              <a:rPr lang="en-US" dirty="0" err="1"/>
+              <a:t>Paxos</a:t>
+            </a:r>
+            <a:r>
+              <a:rPr lang="en-US" dirty="0"/>
+              <a:t> uses a ledger of suggestions to keep track of proposed Messages and achieves consensus when</a:t>
+            </a:r>
+          </a:p>
+          <a:p>
+            <a:r>
+              <a:rPr lang="en-US" b="1" dirty="0"/>
+              <a:t>Proposers: </a:t>
+            </a:r>
+            <a:r>
+              <a:rPr lang="en-US" dirty="0"/>
+              <a:t>Any peer can propose a Message to be accepted. This Message is tagged with the Proposer’s unique id and a unique, sequential id for the Message to be proposed.</a:t>
+            </a:r>
+          </a:p>
+          <a:p>
+            <a:r>
+              <a:rPr lang="en-US" b="1" dirty="0"/>
+              <a:t>Acceptors: </a:t>
+            </a:r>
+            <a:r>
+              <a:rPr lang="en-US" dirty="0"/>
+              <a:t>Any peer can accept Messages and then either choose to accept or not accept the value. They send the Proposer(s) a Message with their answer.</a:t>
+            </a:r>
+          </a:p>
+          <a:p>
+            <a:r>
+              <a:rPr lang="en-US" b="1" dirty="0"/>
+              <a:t>Consensus </a:t>
+            </a:r>
+            <a:r>
+              <a:rPr lang="en-US" dirty="0"/>
+              <a:t>is reached once a set majority limit of peers come to the same value conclusion.</a:t>
+            </a:r>
+          </a:p>
+          <a:p>
+            <a:endParaRPr lang="en-US" dirty="0"/>
+          </a:p>
+          <a:p>
+            <a:endParaRPr lang="en-US" dirty="0"/>
+          </a:p>
+        </p:txBody>
+      </p:sp>
     </p:spTree>
     <p:extLst>
       <p:ext uri="{BB962C8B-B14F-4D97-AF65-F5344CB8AC3E}">
-        <p14:creationId xmlns:p14="http://schemas.microsoft.com/office/powerpoint/2010/main" val="3612303682"/>
+        <p14:creationId xmlns:p14="http://schemas.microsoft.com/office/powerpoint/2010/main" val="2367872332"/>
       </p:ext>
     </p:extLst>
   </p:cSld>
@@ -6829,7 +5607,7 @@
           <p:cNvPr id="2" name="Title 1">
             <a:extLst>
               <a:ext uri="{FF2B5EF4-FFF2-40B4-BE49-F238E27FC236}">
-                <a16:creationId xmlns:a16="http://schemas.microsoft.com/office/drawing/2014/main" id="{1CB0A0FA-C9D7-4D3F-A602-87E27DDA81DA}"/>
+                <a16:creationId xmlns:a16="http://schemas.microsoft.com/office/drawing/2014/main" id="{98B2B005-6508-46F1-A2C4-A3EE3FC763FB}"/>
               </a:ext>
             </a:extLst>
           </p:cNvPr>
@@ -6847,8 +5625,13 @@
           <a:p>
             <a:r>
               <a:rPr lang="en-US" dirty="0"/>
-              <a:t>Defense for False Data Injection</a:t>
-            </a:r>
+              <a:t>Explanation of </a:t>
+            </a:r>
+            <a:r>
+              <a:rPr lang="en-US" dirty="0" err="1"/>
+              <a:t>Paxos</a:t>
+            </a:r>
+            <a:endParaRPr lang="en-US" dirty="0"/>
           </a:p>
         </p:txBody>
       </p:sp>
@@ -6857,7 +5640,7 @@
           <p:cNvPr id="3" name="Content Placeholder 2">
             <a:extLst>
               <a:ext uri="{FF2B5EF4-FFF2-40B4-BE49-F238E27FC236}">
-                <a16:creationId xmlns:a16="http://schemas.microsoft.com/office/drawing/2014/main" id="{C72F0B91-40EC-4471-93C9-28BA51723AFF}"/>
+                <a16:creationId xmlns:a16="http://schemas.microsoft.com/office/drawing/2014/main" id="{FD34A45B-055B-4E3E-A903-139608C6CEBC}"/>
               </a:ext>
             </a:extLst>
           </p:cNvPr>
@@ -6875,66 +5658,83 @@
           <a:p>
             <a:r>
               <a:rPr lang="en-US" dirty="0"/>
-              <a:t>Implement IEC 62056-21</a:t>
-            </a:r>
+              <a:t>Now, there are asterisks* to be placed everywhere…</a:t>
+            </a:r>
+            <a:endParaRPr lang="en-US" b="1" dirty="0"/>
           </a:p>
           <a:p>
             <a:pPr lvl="1"/>
             <a:r>
               <a:rPr lang="en-US" dirty="0"/>
-              <a:t>Adds passwords, both simple and encrypted</a:t>
+              <a:t>If enough </a:t>
+            </a:r>
+            <a:r>
+              <a:rPr lang="en-US" b="1" dirty="0"/>
+              <a:t>Acceptors</a:t>
+            </a:r>
+            <a:r>
+              <a:rPr lang="en-US" dirty="0"/>
+              <a:t> reject a value, the Message is rejected from the network. The Proposer can then issue the same Message, but it must contain a higher number Message id. </a:t>
             </a:r>
           </a:p>
           <a:p>
             <a:pPr lvl="1"/>
             <a:r>
-              <a:rPr lang="en-US" dirty="0"/>
-              <a:t>Adds handshaking</a:t>
+              <a:rPr lang="en-US" b="1" dirty="0"/>
+              <a:t>Proposer</a:t>
+            </a:r>
+            <a:r>
+              <a:rPr lang="en-US" dirty="0"/>
+              <a:t> and </a:t>
+            </a:r>
+            <a:r>
+              <a:rPr lang="en-US" b="1" dirty="0"/>
+              <a:t>Acceptor </a:t>
+            </a:r>
+            <a:r>
+              <a:rPr lang="en-US" dirty="0"/>
+              <a:t>are interchangeable, peers can actually propose while working on another Message, even overriding the original Proposer. However, consensus will be reached due to the top point, but the case of rejecting the smaller network will mean multiple round trips to make consensus.</a:t>
             </a:r>
           </a:p>
           <a:p>
             <a:pPr lvl="1"/>
             <a:r>
               <a:rPr lang="en-US" dirty="0"/>
-              <a:t>Still vulnerable to attacks, but better than nothing</a:t>
-            </a:r>
-          </a:p>
-          <a:p>
-            <a:r>
-              <a:rPr lang="en-US" dirty="0"/>
-              <a:t>Machine learning algorithms</a:t>
+              <a:t>Values of Messages may not be transmitted to all peers.</a:t>
+            </a:r>
+          </a:p>
+          <a:p>
+            <a:r>
+              <a:rPr lang="en-US" dirty="0"/>
+              <a:t>Other implementations of </a:t>
+            </a:r>
+            <a:r>
+              <a:rPr lang="en-US" dirty="0" err="1"/>
+              <a:t>Paxos</a:t>
+            </a:r>
+            <a:r>
+              <a:rPr lang="en-US" dirty="0"/>
+              <a:t> address these problems.	</a:t>
             </a:r>
           </a:p>
           <a:p>
             <a:pPr lvl="1"/>
-            <a:r>
-              <a:rPr lang="en-US" dirty="0"/>
-              <a:t>Dealing with low-risk part of the grid</a:t>
-            </a:r>
+            <a:endParaRPr lang="en-US" dirty="0"/>
           </a:p>
           <a:p>
             <a:pPr lvl="1"/>
-            <a:r>
-              <a:rPr lang="en-US" dirty="0"/>
-              <a:t>Can provide additional information and adaptable</a:t>
-            </a:r>
+            <a:endParaRPr lang="en-US" dirty="0"/>
           </a:p>
           <a:p>
             <a:pPr lvl="1"/>
-            <a:r>
-              <a:rPr lang="en-US" dirty="0"/>
-              <a:t>Consensus</a:t>
-            </a:r>
-          </a:p>
-          <a:p>
-            <a:endParaRPr lang="en-US" dirty="0"/>
+            <a:endParaRPr lang="en-US" b="1" dirty="0"/>
           </a:p>
         </p:txBody>
       </p:sp>
     </p:spTree>
     <p:extLst>
       <p:ext uri="{BB962C8B-B14F-4D97-AF65-F5344CB8AC3E}">
-        <p14:creationId xmlns:p14="http://schemas.microsoft.com/office/powerpoint/2010/main" val="486765307"/>
+        <p14:creationId xmlns:p14="http://schemas.microsoft.com/office/powerpoint/2010/main" val="4256773190"/>
       </p:ext>
     </p:extLst>
   </p:cSld>
@@ -6966,7 +5766,7 @@
           <p:cNvPr id="2" name="Title 1">
             <a:extLst>
               <a:ext uri="{FF2B5EF4-FFF2-40B4-BE49-F238E27FC236}">
-                <a16:creationId xmlns:a16="http://schemas.microsoft.com/office/drawing/2014/main" id="{1A1315C2-00C6-4AC0-BD14-C48CF1DCFF00}"/>
+                <a16:creationId xmlns:a16="http://schemas.microsoft.com/office/drawing/2014/main" id="{15E37986-71FB-4C93-9A59-42FB5525F84B}"/>
               </a:ext>
             </a:extLst>
           </p:cNvPr>
@@ -6984,7 +5784,7 @@
           <a:p>
             <a:r>
               <a:rPr lang="en-US" dirty="0"/>
-              <a:t>Popping HMI attack</a:t>
+              <a:t>Example</a:t>
             </a:r>
           </a:p>
         </p:txBody>
@@ -6994,7 +5794,7 @@
           <p:cNvPr id="3" name="Content Placeholder 2">
             <a:extLst>
               <a:ext uri="{FF2B5EF4-FFF2-40B4-BE49-F238E27FC236}">
-                <a16:creationId xmlns:a16="http://schemas.microsoft.com/office/drawing/2014/main" id="{B0E70B00-AABF-40C9-815A-733697359B6C}"/>
+                <a16:creationId xmlns:a16="http://schemas.microsoft.com/office/drawing/2014/main" id="{BFC6BDAD-983C-4073-ACEE-7A2D17843B9F}"/>
               </a:ext>
             </a:extLst>
           </p:cNvPr>
@@ -7005,63 +5805,55 @@
             <p:ph idx="1"/>
           </p:nvPr>
         </p:nvSpPr>
-        <p:spPr/>
-        <p:txBody>
-          <a:bodyPr>
-            <a:normAutofit lnSpcReduction="10000"/>
-          </a:bodyPr>
-          <a:lstStyle/>
-          <a:p>
-            <a:r>
-              <a:rPr lang="en-US" dirty="0"/>
-              <a:t>Lots of different vectors, but let’s focus on timing attacks.</a:t>
-            </a:r>
-          </a:p>
-          <a:p>
-            <a:r>
-              <a:rPr lang="en-US" dirty="0"/>
-              <a:t>Attacker’s aim to discover network topology</a:t>
-            </a:r>
-          </a:p>
-          <a:p>
-            <a:pPr lvl="1"/>
-            <a:r>
-              <a:rPr lang="en-US" dirty="0"/>
-              <a:t>On power generation</a:t>
-            </a:r>
-          </a:p>
-          <a:p>
-            <a:pPr lvl="1"/>
-            <a:r>
-              <a:rPr lang="en-US" dirty="0"/>
-              <a:t>Especially target devices that return either &lt;3msec or &lt;10msec according to IEC 61850</a:t>
-            </a:r>
-          </a:p>
-          <a:p>
-            <a:pPr lvl="1"/>
-            <a:r>
-              <a:rPr lang="en-US" dirty="0"/>
-              <a:t>Attack on privacy and security</a:t>
-            </a:r>
-          </a:p>
-          <a:p>
-            <a:r>
-              <a:rPr lang="en-US" dirty="0"/>
-              <a:t>Attacker can exploit the web browser to gain information of critical systems.</a:t>
-            </a:r>
-          </a:p>
-          <a:p>
-            <a:pPr lvl="1"/>
-            <a:r>
-              <a:rPr lang="en-US" dirty="0"/>
-              <a:t>Request information of target systems in substation</a:t>
-            </a:r>
-          </a:p>
-          <a:p>
-            <a:pPr lvl="1"/>
-            <a:r>
-              <a:rPr lang="en-US" dirty="0"/>
-              <a:t>Over a large sample of requests, the timing of the device can be traced to specific devices</a:t>
+        <p:spPr>
+          <a:xfrm>
+            <a:off x="2231136" y="2457571"/>
+            <a:ext cx="7729728" cy="3907134"/>
+          </a:xfrm>
+        </p:spPr>
+        <p:txBody>
+          <a:bodyPr/>
+          <a:lstStyle/>
+          <a:p>
+            <a:r>
+              <a:rPr lang="en-US" dirty="0"/>
+              <a:t>Three nodes A,B,C, D. Maximum to reach consensus is 2.</a:t>
+            </a:r>
+          </a:p>
+          <a:p>
+            <a:r>
+              <a:rPr lang="en-US" dirty="0"/>
+              <a:t>A proposes Message(2, “A+”)</a:t>
+            </a:r>
+          </a:p>
+          <a:p>
+            <a:r>
+              <a:rPr lang="en-US" dirty="0"/>
+              <a:t>B, C, D receive. Only B accepts.</a:t>
+            </a:r>
+          </a:p>
+          <a:p>
+            <a:r>
+              <a:rPr lang="en-US" dirty="0"/>
+              <a:t>Message approval failed. Await next message.</a:t>
+            </a:r>
+          </a:p>
+          <a:p>
+            <a:r>
+              <a:rPr lang="en-US" dirty="0"/>
+              <a:t>A proposes Message(3, “A+”). D cannot receive due to Windows updating…</a:t>
+            </a:r>
+          </a:p>
+          <a:p>
+            <a:r>
+              <a:rPr lang="en-US" dirty="0"/>
+              <a:t>This time B, C accept the message. Consensus was reached.</a:t>
+            </a:r>
+          </a:p>
+          <a:p>
+            <a:r>
+              <a:rPr lang="en-US" dirty="0"/>
+              <a:t>D reconnects. If it tries to propose Message(2, “A+”) it will be rejected. It can try to send another message like Message(4, “B”). </a:t>
             </a:r>
           </a:p>
         </p:txBody>
@@ -7069,7 +5861,7 @@
     </p:spTree>
     <p:extLst>
       <p:ext uri="{BB962C8B-B14F-4D97-AF65-F5344CB8AC3E}">
-        <p14:creationId xmlns:p14="http://schemas.microsoft.com/office/powerpoint/2010/main" val="3753109332"/>
+        <p14:creationId xmlns:p14="http://schemas.microsoft.com/office/powerpoint/2010/main" val="468755082"/>
       </p:ext>
     </p:extLst>
   </p:cSld>
@@ -7082,14 +5874,6 @@
 <file path=ppt/slides/slide8.xml><?xml version="1.0" encoding="utf-8"?>
 <p:sld xmlns:a="http://schemas.openxmlformats.org/drawingml/2006/main" xmlns:r="http://schemas.openxmlformats.org/officeDocument/2006/relationships" xmlns:p="http://schemas.openxmlformats.org/presentationml/2006/main">
   <p:cSld>
-    <p:bg>
-      <p:bgPr>
-        <a:solidFill>
-          <a:schemeClr val="bg1"/>
-        </a:solidFill>
-        <a:effectLst/>
-      </p:bgPr>
-    </p:bg>
     <p:spTree>
       <p:nvGrpSpPr>
         <p:cNvPr id="1" name=""/>
@@ -7106,73 +5890,46 @@
       </p:grpSpPr>
       <p:sp>
         <p:nvSpPr>
-          <p:cNvPr id="10" name="Rectangle 9">
+          <p:cNvPr id="2" name="Title 1">
             <a:extLst>
               <a:ext uri="{FF2B5EF4-FFF2-40B4-BE49-F238E27FC236}">
-                <a16:creationId xmlns:a16="http://schemas.microsoft.com/office/drawing/2014/main" id="{A4AC5506-6312-4701-8D3C-40187889A947}"/>
-              </a:ext>
-              <a:ext uri="{C183D7F6-B498-43B3-948B-1728B52AA6E4}">
-                <adec:decorative xmlns:adec="http://schemas.microsoft.com/office/drawing/2017/decorative" val="1"/>
+                <a16:creationId xmlns:a16="http://schemas.microsoft.com/office/drawing/2014/main" id="{D481189B-A70F-4E41-9EC2-3CF67205FCB4}"/>
               </a:ext>
             </a:extLst>
           </p:cNvPr>
           <p:cNvSpPr>
-            <a:spLocks noGrp="1" noRot="1" noChangeAspect="1" noMove="1" noResize="1" noEditPoints="1" noAdjustHandles="1" noChangeArrowheads="1" noChangeShapeType="1" noTextEdit="1"/>
-          </p:cNvSpPr>
-          <p:nvPr>
-            <p:extLst>
-              <p:ext uri="{386F3935-93C4-4BCD-93E2-E3B085C9AB24}">
-                <p16:designElem xmlns:p16="http://schemas.microsoft.com/office/powerpoint/2015/main" val="1"/>
-              </p:ext>
-            </p:extLst>
-          </p:nvPr>
-        </p:nvSpPr>
-        <p:spPr>
-          <a:xfrm>
-            <a:off x="0" y="651752"/>
-            <a:ext cx="12192000" cy="736551"/>
-          </a:xfrm>
-          <a:prstGeom prst="rect">
-            <a:avLst/>
-          </a:prstGeom>
-          <a:solidFill>
-            <a:schemeClr val="tx1"/>
-          </a:solidFill>
-          <a:ln>
-            <a:noFill/>
-          </a:ln>
-        </p:spPr>
-        <p:style>
-          <a:lnRef idx="2">
-            <a:schemeClr val="accent1">
-              <a:shade val="50000"/>
-            </a:schemeClr>
-          </a:lnRef>
-          <a:fillRef idx="1">
-            <a:schemeClr val="accent1"/>
-          </a:fillRef>
-          <a:effectRef idx="0">
-            <a:schemeClr val="accent1"/>
-          </a:effectRef>
-          <a:fontRef idx="minor">
-            <a:schemeClr val="lt1"/>
-          </a:fontRef>
-        </p:style>
-        <p:txBody>
-          <a:bodyPr rtlCol="0" anchor="ctr"/>
-          <a:lstStyle/>
-          <a:p>
-            <a:pPr algn="ctr"/>
-            <a:endParaRPr lang="en-US"/>
-          </a:p>
-        </p:txBody>
-      </p:sp>
-      <p:sp>
-        <p:nvSpPr>
-          <p:cNvPr id="2" name="Title 1">
+            <a:spLocks noGrp="1"/>
+          </p:cNvSpPr>
+          <p:nvPr>
+            <p:ph type="title"/>
+          </p:nvPr>
+        </p:nvSpPr>
+        <p:spPr/>
+        <p:txBody>
+          <a:bodyPr/>
+          <a:lstStyle/>
+          <a:p>
+            <a:r>
+              <a:rPr lang="en-US" dirty="0"/>
+              <a:t>Implementation of </a:t>
+            </a:r>
+            <a:r>
+              <a:rPr lang="en-US" dirty="0" err="1"/>
+              <a:t>Paxos</a:t>
+            </a:r>
+            <a:r>
+              <a:rPr lang="en-US" dirty="0"/>
+              <a:t> </a:t>
+            </a:r>
+          </a:p>
+        </p:txBody>
+      </p:sp>
+      <p:sp>
+        <p:nvSpPr>
+          <p:cNvPr id="3" name="Content Placeholder 2">
             <a:extLst>
               <a:ext uri="{FF2B5EF4-FFF2-40B4-BE49-F238E27FC236}">
-                <a16:creationId xmlns:a16="http://schemas.microsoft.com/office/drawing/2014/main" id="{9F5D4530-152A-40C0-BBD4-7E978C13B749}"/>
+                <a16:creationId xmlns:a16="http://schemas.microsoft.com/office/drawing/2014/main" id="{20289608-DF40-462D-9D78-3E00BFBCF1DE}"/>
               </a:ext>
             </a:extLst>
           </p:cNvPr>
@@ -7180,81 +5937,40 @@
             <a:spLocks noGrp="1"/>
           </p:cNvSpPr>
           <p:nvPr>
-            <p:ph type="title"/>
-          </p:nvPr>
-        </p:nvSpPr>
-        <p:spPr>
-          <a:xfrm>
-            <a:off x="556532" y="643467"/>
-            <a:ext cx="11210925" cy="744836"/>
-          </a:xfrm>
-        </p:spPr>
-        <p:txBody>
-          <a:bodyPr vert="horz" lIns="91440" tIns="45720" rIns="91440" bIns="45720" rtlCol="0" anchor="ctr">
-            <a:normAutofit/>
-          </a:bodyPr>
-          <a:lstStyle/>
-          <a:p>
-            <a:pPr algn="ctr"/>
-            <a:r>
-              <a:rPr lang="en-US" sz="3200" kern="1200">
-                <a:solidFill>
-                  <a:schemeClr val="bg1"/>
-                </a:solidFill>
-                <a:latin typeface="+mj-lt"/>
-                <a:ea typeface="+mj-ea"/>
-                <a:cs typeface="+mj-cs"/>
-              </a:rPr>
-              <a:t>HMI examples</a:t>
-            </a:r>
-          </a:p>
-        </p:txBody>
-      </p:sp>
-      <p:pic>
-        <p:nvPicPr>
-          <p:cNvPr id="6" name="Content Placeholder 3">
-            <a:extLst>
-              <a:ext uri="{FF2B5EF4-FFF2-40B4-BE49-F238E27FC236}">
-                <a16:creationId xmlns:a16="http://schemas.microsoft.com/office/drawing/2014/main" id="{2B605C64-C035-440D-AA4B-3E8FCA307986}"/>
-              </a:ext>
-            </a:extLst>
-          </p:cNvPr>
-          <p:cNvPicPr>
-            <a:picLocks noChangeAspect="1"/>
-          </p:cNvPicPr>
-          <p:nvPr/>
-        </p:nvPicPr>
-        <p:blipFill>
-          <a:blip r:embed="rId2">
-            <a:extLst>
-              <a:ext uri="{28A0092B-C50C-407E-A947-70E740481C1C}">
-                <a14:useLocalDpi xmlns:a14="http://schemas.microsoft.com/office/drawing/2010/main" val="0"/>
-              </a:ext>
-            </a:extLst>
-          </a:blip>
-          <a:stretch>
-            <a:fillRect/>
-          </a:stretch>
-        </p:blipFill>
-        <p:spPr>
-          <a:xfrm>
-            <a:off x="2672080" y="1566488"/>
-            <a:ext cx="6847840" cy="5291512"/>
-          </a:xfrm>
-          <a:prstGeom prst="rect">
-            <a:avLst/>
-          </a:prstGeom>
-          <a:ln w="12700">
-            <a:solidFill>
-              <a:schemeClr val="tx1"/>
-            </a:solidFill>
-          </a:ln>
-        </p:spPr>
-      </p:pic>
+            <p:ph idx="1"/>
+          </p:nvPr>
+        </p:nvSpPr>
+        <p:spPr/>
+        <p:txBody>
+          <a:bodyPr/>
+          <a:lstStyle/>
+          <a:p>
+            <a:r>
+              <a:rPr lang="en-US" dirty="0"/>
+              <a:t>Recent innovations of the Smart Grid have opened new distributed problems, particularly with privacy.</a:t>
+            </a:r>
+          </a:p>
+          <a:p>
+            <a:r>
+              <a:rPr lang="en-US" dirty="0"/>
+              <a:t>Smart meter readings can be easily read and understood to be individual actions within a building. </a:t>
+            </a:r>
+          </a:p>
+          <a:p>
+            <a:r>
+              <a:rPr lang="en-US" dirty="0"/>
+              <a:t>Considering privacy considerations in the Smart Grid is part of NIST’s Smart Grid Framework which is currently being developed.</a:t>
+            </a:r>
+          </a:p>
+          <a:p>
+            <a:endParaRPr lang="en-US" dirty="0"/>
+          </a:p>
+        </p:txBody>
+      </p:sp>
     </p:spTree>
     <p:extLst>
       <p:ext uri="{BB962C8B-B14F-4D97-AF65-F5344CB8AC3E}">
-        <p14:creationId xmlns:p14="http://schemas.microsoft.com/office/powerpoint/2010/main" val="2558085262"/>
+        <p14:creationId xmlns:p14="http://schemas.microsoft.com/office/powerpoint/2010/main" val="3912311376"/>
       </p:ext>
     </p:extLst>
   </p:cSld>
@@ -7289,153 +6005,47 @@
           <a:chExt cx="0" cy="0"/>
         </a:xfrm>
       </p:grpSpPr>
-      <p:sp>
-        <p:nvSpPr>
-          <p:cNvPr id="10" name="Rectangle 9">
+      <p:pic>
+        <p:nvPicPr>
+          <p:cNvPr id="9" name="Content Placeholder 3">
             <a:extLst>
               <a:ext uri="{FF2B5EF4-FFF2-40B4-BE49-F238E27FC236}">
-                <a16:creationId xmlns:a16="http://schemas.microsoft.com/office/drawing/2014/main" id="{A4AC5506-6312-4701-8D3C-40187889A947}"/>
-              </a:ext>
-              <a:ext uri="{C183D7F6-B498-43B3-948B-1728B52AA6E4}">
-                <adec:decorative xmlns:adec="http://schemas.microsoft.com/office/drawing/2017/decorative" val="1"/>
-              </a:ext>
-            </a:extLst>
-          </p:cNvPr>
-          <p:cNvSpPr>
-            <a:spLocks noGrp="1" noRot="1" noChangeAspect="1" noMove="1" noResize="1" noEditPoints="1" noAdjustHandles="1" noChangeArrowheads="1" noChangeShapeType="1" noTextEdit="1"/>
-          </p:cNvSpPr>
-          <p:nvPr>
-            <p:extLst>
-              <p:ext uri="{386F3935-93C4-4BCD-93E2-E3B085C9AB24}">
-                <p16:designElem xmlns:p16="http://schemas.microsoft.com/office/powerpoint/2015/main" val="1"/>
-              </p:ext>
-            </p:extLst>
-          </p:nvPr>
-        </p:nvSpPr>
-        <p:spPr>
-          <a:xfrm>
-            <a:off x="0" y="651752"/>
-            <a:ext cx="12192000" cy="736551"/>
-          </a:xfrm>
-          <a:prstGeom prst="rect">
-            <a:avLst/>
-          </a:prstGeom>
-          <a:solidFill>
-            <a:schemeClr val="tx1"/>
-          </a:solidFill>
-          <a:ln>
-            <a:noFill/>
-          </a:ln>
-        </p:spPr>
-        <p:style>
-          <a:lnRef idx="2">
-            <a:schemeClr val="accent1">
-              <a:shade val="50000"/>
-            </a:schemeClr>
-          </a:lnRef>
-          <a:fillRef idx="1">
-            <a:schemeClr val="accent1"/>
-          </a:fillRef>
-          <a:effectRef idx="0">
-            <a:schemeClr val="accent1"/>
-          </a:effectRef>
-          <a:fontRef idx="minor">
-            <a:schemeClr val="lt1"/>
-          </a:fontRef>
-        </p:style>
-        <p:txBody>
-          <a:bodyPr rtlCol="0" anchor="ctr"/>
-          <a:lstStyle/>
-          <a:p>
-            <a:pPr algn="ctr"/>
-            <a:endParaRPr lang="en-US"/>
-          </a:p>
-        </p:txBody>
-      </p:sp>
-      <p:sp>
-        <p:nvSpPr>
-          <p:cNvPr id="2" name="Title 1">
-            <a:extLst>
-              <a:ext uri="{FF2B5EF4-FFF2-40B4-BE49-F238E27FC236}">
-                <a16:creationId xmlns:a16="http://schemas.microsoft.com/office/drawing/2014/main" id="{9F5D4530-152A-40C0-BBD4-7E978C13B749}"/>
-              </a:ext>
-            </a:extLst>
-          </p:cNvPr>
-          <p:cNvSpPr>
-            <a:spLocks noGrp="1"/>
-          </p:cNvSpPr>
-          <p:nvPr>
-            <p:ph type="title"/>
-          </p:nvPr>
-        </p:nvSpPr>
-        <p:spPr>
-          <a:xfrm>
-            <a:off x="556532" y="643467"/>
-            <a:ext cx="11210925" cy="744836"/>
-          </a:xfrm>
-        </p:spPr>
-        <p:txBody>
-          <a:bodyPr vert="horz" lIns="91440" tIns="45720" rIns="91440" bIns="45720" rtlCol="0" anchor="ctr">
-            <a:normAutofit/>
-          </a:bodyPr>
-          <a:lstStyle/>
-          <a:p>
-            <a:pPr algn="ctr"/>
-            <a:r>
-              <a:rPr lang="en-US" sz="3200" kern="1200">
-                <a:solidFill>
-                  <a:schemeClr val="bg1"/>
-                </a:solidFill>
-                <a:latin typeface="+mj-lt"/>
-                <a:ea typeface="+mj-ea"/>
-                <a:cs typeface="+mj-cs"/>
-              </a:rPr>
-              <a:t>HMI examples</a:t>
-            </a:r>
-          </a:p>
-        </p:txBody>
-      </p:sp>
-      <p:pic>
-        <p:nvPicPr>
-          <p:cNvPr id="5" name="Picture 4" descr="A screenshot of a computer&#10;&#10;Description generated with very high confidence">
-            <a:extLst>
-              <a:ext uri="{FF2B5EF4-FFF2-40B4-BE49-F238E27FC236}">
-                <a16:creationId xmlns:a16="http://schemas.microsoft.com/office/drawing/2014/main" id="{7B571089-5426-4443-B1B8-9BBCDC4BF42C}"/>
+                <a16:creationId xmlns:a16="http://schemas.microsoft.com/office/drawing/2014/main" id="{229C796C-BDE7-40F4-80E9-8B8E2C4BE459}"/>
               </a:ext>
             </a:extLst>
           </p:cNvPr>
           <p:cNvPicPr>
-            <a:picLocks noChangeAspect="1"/>
+            <a:picLocks noGrp="1" noChangeAspect="1"/>
           </p:cNvPicPr>
-          <p:nvPr/>
+          <p:nvPr>
+            <p:ph idx="1"/>
+          </p:nvPr>
         </p:nvPicPr>
         <p:blipFill>
-          <a:blip r:embed="rId2">
-            <a:extLst>
-              <a:ext uri="{28A0092B-C50C-407E-A947-70E740481C1C}">
-                <a14:useLocalDpi xmlns:a14="http://schemas.microsoft.com/office/drawing/2010/main" val="0"/>
-              </a:ext>
-            </a:extLst>
-          </a:blip>
+          <a:blip r:embed="rId3"/>
           <a:stretch>
             <a:fillRect/>
           </a:stretch>
         </p:blipFill>
         <p:spPr>
           <a:xfrm>
-            <a:off x="643467" y="2686401"/>
-            <a:ext cx="10905066" cy="2371850"/>
+            <a:off x="1766316" y="765760"/>
+            <a:ext cx="8659367" cy="5767388"/>
           </a:xfrm>
           <a:prstGeom prst="rect">
             <a:avLst/>
           </a:prstGeom>
-          <a:noFill/>
+          <a:ln w="12700">
+            <a:solidFill>
+              <a:schemeClr val="tx1"/>
+            </a:solidFill>
+          </a:ln>
         </p:spPr>
       </p:pic>
     </p:spTree>
     <p:extLst>
       <p:ext uri="{BB962C8B-B14F-4D97-AF65-F5344CB8AC3E}">
-        <p14:creationId xmlns:p14="http://schemas.microsoft.com/office/powerpoint/2010/main" val="703967711"/>
+        <p14:creationId xmlns:p14="http://schemas.microsoft.com/office/powerpoint/2010/main" val="102041357"/>
       </p:ext>
     </p:extLst>
   </p:cSld>
@@ -7446,108 +6056,58 @@
 </file>
 
 <file path=ppt/theme/theme1.xml><?xml version="1.0" encoding="utf-8"?>
-<a:theme xmlns:a="http://schemas.openxmlformats.org/drawingml/2006/main" name="Office Theme">
+<a:theme xmlns:a="http://schemas.openxmlformats.org/drawingml/2006/main" name="Parcel">
   <a:themeElements>
-    <a:clrScheme name="Office">
+    <a:clrScheme name="Parcel">
       <a:dk1>
-        <a:sysClr val="windowText" lastClr="000000"/>
+        <a:srgbClr val="000000"/>
       </a:dk1>
       <a:lt1>
-        <a:sysClr val="window" lastClr="FFFFFF"/>
+        <a:srgbClr val="FFFFFF"/>
       </a:lt1>
       <a:dk2>
-        <a:srgbClr val="44546A"/>
+        <a:srgbClr val="4A5356"/>
       </a:dk2>
       <a:lt2>
-        <a:srgbClr val="E7E6E6"/>
+        <a:srgbClr val="E8E3CE"/>
       </a:lt2>
       <a:accent1>
-        <a:srgbClr val="4472C4"/>
+        <a:srgbClr val="F6A21D"/>
       </a:accent1>
       <a:accent2>
-        <a:srgbClr val="ED7D31"/>
+        <a:srgbClr val="9BAFB5"/>
       </a:accent2>
       <a:accent3>
-        <a:srgbClr val="A5A5A5"/>
+        <a:srgbClr val="C96731"/>
       </a:accent3>
       <a:accent4>
-        <a:srgbClr val="FFC000"/>
+        <a:srgbClr val="9CA383"/>
       </a:accent4>
       <a:accent5>
-        <a:srgbClr val="5B9BD5"/>
+        <a:srgbClr val="87795D"/>
       </a:accent5>
       <a:accent6>
-        <a:srgbClr val="70AD47"/>
+        <a:srgbClr val="A0988C"/>
       </a:accent6>
       <a:hlink>
-        <a:srgbClr val="0563C1"/>
+        <a:srgbClr val="00B0F0"/>
       </a:hlink>
       <a:folHlink>
-        <a:srgbClr val="954F72"/>
+        <a:srgbClr val="738F97"/>
       </a:folHlink>
     </a:clrScheme>
-    <a:fontScheme name="Office">
+    <a:fontScheme name="Parcel">
       <a:majorFont>
-        <a:latin typeface="Calibri Light" panose="020F0302020204030204"/>
+        <a:latin typeface="Gill Sans MT" panose="020B0502020104020203"/>
         <a:ea typeface=""/>
         <a:cs typeface=""/>
-        <a:font script="Jpan" typeface="游ゴシック Light"/>
-        <a:font script="Hang" typeface="맑은 고딕"/>
-        <a:font script="Hans" typeface="等线 Light"/>
-        <a:font script="Hant" typeface="新細明體"/>
-        <a:font script="Arab" typeface="Times New Roman"/>
-        <a:font script="Hebr" typeface="Times New Roman"/>
-        <a:font script="Thai" typeface="Angsana New"/>
-        <a:font script="Ethi" typeface="Nyala"/>
-        <a:font script="Beng" typeface="Vrinda"/>
-        <a:font script="Gujr" typeface="Shruti"/>
-        <a:font script="Khmr" typeface="MoolBoran"/>
-        <a:font script="Knda" typeface="Tunga"/>
-        <a:font script="Guru" typeface="Raavi"/>
-        <a:font script="Cans" typeface="Euphemia"/>
-        <a:font script="Cher" typeface="Plantagenet Cherokee"/>
-        <a:font script="Yiii" typeface="Microsoft Yi Baiti"/>
-        <a:font script="Tibt" typeface="Microsoft Himalaya"/>
-        <a:font script="Thaa" typeface="MV Boli"/>
-        <a:font script="Deva" typeface="Mangal"/>
-        <a:font script="Telu" typeface="Gautami"/>
-        <a:font script="Taml" typeface="Latha"/>
-        <a:font script="Syrc" typeface="Estrangelo Edessa"/>
-        <a:font script="Orya" typeface="Kalinga"/>
-        <a:font script="Mlym" typeface="Kartika"/>
-        <a:font script="Laoo" typeface="DokChampa"/>
-        <a:font script="Sinh" typeface="Iskoola Pota"/>
-        <a:font script="Mong" typeface="Mongolian Baiti"/>
-        <a:font script="Viet" typeface="Times New Roman"/>
-        <a:font script="Uigh" typeface="Microsoft Uighur"/>
-        <a:font script="Geor" typeface="Sylfaen"/>
-        <a:font script="Armn" typeface="Arial"/>
-        <a:font script="Bugi" typeface="Leelawadee UI"/>
-        <a:font script="Bopo" typeface="Microsoft JhengHei"/>
-        <a:font script="Java" typeface="Javanese Text"/>
-        <a:font script="Lisu" typeface="Segoe UI"/>
-        <a:font script="Mymr" typeface="Myanmar Text"/>
-        <a:font script="Nkoo" typeface="Ebrima"/>
-        <a:font script="Olck" typeface="Nirmala UI"/>
-        <a:font script="Osma" typeface="Ebrima"/>
-        <a:font script="Phag" typeface="Phagspa"/>
-        <a:font script="Syrn" typeface="Estrangelo Edessa"/>
-        <a:font script="Syrj" typeface="Estrangelo Edessa"/>
-        <a:font script="Syre" typeface="Estrangelo Edessa"/>
-        <a:font script="Sora" typeface="Nirmala UI"/>
-        <a:font script="Tale" typeface="Microsoft Tai Le"/>
-        <a:font script="Talu" typeface="Microsoft New Tai Lue"/>
-        <a:font script="Tfng" typeface="Ebrima"/>
-      </a:majorFont>
-      <a:minorFont>
-        <a:latin typeface="Calibri" panose="020F0502020204030204"/>
-        <a:ea typeface=""/>
-        <a:cs typeface=""/>
-        <a:font script="Jpan" typeface="游ゴシック"/>
-        <a:font script="Hang" typeface="맑은 고딕"/>
-        <a:font script="Hans" typeface="等线"/>
-        <a:font script="Hant" typeface="新細明體"/>
-        <a:font script="Arab" typeface="Arial"/>
+        <a:font script="Grek" typeface="Corbel"/>
+        <a:font script="Cyrl" typeface="Corbel"/>
+        <a:font script="Jpan" typeface="HGｺﾞｼｯｸE"/>
+        <a:font script="Hang" typeface="휴먼매직체"/>
+        <a:font script="Hans" typeface="华文中宋"/>
+        <a:font script="Hant" typeface="微軟正黑體"/>
+        <a:font script="Arab" typeface="Majalla UI"/>
         <a:font script="Hebr" typeface="Arial"/>
         <a:font script="Thai" typeface="Cordia New"/>
         <a:font script="Ethi" typeface="Nyala"/>
@@ -7570,29 +6130,49 @@
         <a:font script="Laoo" typeface="DokChampa"/>
         <a:font script="Sinh" typeface="Iskoola Pota"/>
         <a:font script="Mong" typeface="Mongolian Baiti"/>
-        <a:font script="Viet" typeface="Arial"/>
+        <a:font script="Viet" typeface="Tahoma"/>
         <a:font script="Uigh" typeface="Microsoft Uighur"/>
         <a:font script="Geor" typeface="Sylfaen"/>
-        <a:font script="Armn" typeface="Arial"/>
-        <a:font script="Bugi" typeface="Leelawadee UI"/>
-        <a:font script="Bopo" typeface="Microsoft JhengHei"/>
-        <a:font script="Java" typeface="Javanese Text"/>
-        <a:font script="Lisu" typeface="Segoe UI"/>
-        <a:font script="Mymr" typeface="Myanmar Text"/>
-        <a:font script="Nkoo" typeface="Ebrima"/>
-        <a:font script="Olck" typeface="Nirmala UI"/>
-        <a:font script="Osma" typeface="Ebrima"/>
-        <a:font script="Phag" typeface="Phagspa"/>
-        <a:font script="Syrn" typeface="Estrangelo Edessa"/>
-        <a:font script="Syrj" typeface="Estrangelo Edessa"/>
-        <a:font script="Syre" typeface="Estrangelo Edessa"/>
-        <a:font script="Sora" typeface="Nirmala UI"/>
-        <a:font script="Tale" typeface="Microsoft Tai Le"/>
-        <a:font script="Talu" typeface="Microsoft New Tai Lue"/>
-        <a:font script="Tfng" typeface="Ebrima"/>
+      </a:majorFont>
+      <a:minorFont>
+        <a:latin typeface="Gill Sans MT" panose="020B0502020104020203"/>
+        <a:ea typeface=""/>
+        <a:cs typeface=""/>
+        <a:font script="Grek" typeface="Corbel"/>
+        <a:font script="Cyrl" typeface="Corbel"/>
+        <a:font script="Jpan" typeface="HGｺﾞｼｯｸE"/>
+        <a:font script="Hang" typeface="휴먼매직체"/>
+        <a:font script="Hans" typeface="华文中宋"/>
+        <a:font script="Hant" typeface="微軟正黑體"/>
+        <a:font script="Arab" typeface="Majalla UI"/>
+        <a:font script="Hebr" typeface="Arial"/>
+        <a:font script="Thai" typeface="Cordia New"/>
+        <a:font script="Ethi" typeface="Nyala"/>
+        <a:font script="Beng" typeface="Vrinda"/>
+        <a:font script="Gujr" typeface="Shruti"/>
+        <a:font script="Khmr" typeface="DaunPenh"/>
+        <a:font script="Knda" typeface="Tunga"/>
+        <a:font script="Guru" typeface="Raavi"/>
+        <a:font script="Cans" typeface="Euphemia"/>
+        <a:font script="Cher" typeface="Plantagenet Cherokee"/>
+        <a:font script="Yiii" typeface="Microsoft Yi Baiti"/>
+        <a:font script="Tibt" typeface="Microsoft Himalaya"/>
+        <a:font script="Thaa" typeface="MV Boli"/>
+        <a:font script="Deva" typeface="Mangal"/>
+        <a:font script="Telu" typeface="Gautami"/>
+        <a:font script="Taml" typeface="Latha"/>
+        <a:font script="Syrc" typeface="Estrangelo Edessa"/>
+        <a:font script="Orya" typeface="Kalinga"/>
+        <a:font script="Mlym" typeface="Kartika"/>
+        <a:font script="Laoo" typeface="DokChampa"/>
+        <a:font script="Sinh" typeface="Iskoola Pota"/>
+        <a:font script="Mong" typeface="Mongolian Baiti"/>
+        <a:font script="Viet" typeface="Tahoma"/>
+        <a:font script="Uigh" typeface="Microsoft Uighur"/>
+        <a:font script="Geor" typeface="Sylfaen"/>
       </a:minorFont>
     </a:fontScheme>
-    <a:fmtScheme name="Office">
+    <a:fmtScheme name="Parcel">
       <a:fillStyleLst>
         <a:solidFill>
           <a:schemeClr val="phClr"/>
@@ -7601,23 +6181,16 @@
           <a:gsLst>
             <a:gs pos="0">
               <a:schemeClr val="phClr">
-                <a:lumMod val="110000"/>
-                <a:satMod val="105000"/>
-                <a:tint val="67000"/>
-              </a:schemeClr>
-            </a:gs>
-            <a:gs pos="50000">
-              <a:schemeClr val="phClr">
-                <a:lumMod val="105000"/>
-                <a:satMod val="103000"/>
-                <a:tint val="73000"/>
+                <a:tint val="80000"/>
+                <a:satMod val="107000"/>
+                <a:lumMod val="103000"/>
               </a:schemeClr>
             </a:gs>
             <a:gs pos="100000">
               <a:schemeClr val="phClr">
-                <a:lumMod val="105000"/>
+                <a:tint val="82000"/>
                 <a:satMod val="109000"/>
-                <a:tint val="81000"/>
+                <a:lumMod val="103000"/>
               </a:schemeClr>
             </a:gs>
           </a:gsLst>
@@ -7627,23 +6200,23 @@
           <a:gsLst>
             <a:gs pos="0">
               <a:schemeClr val="phClr">
-                <a:satMod val="103000"/>
+                <a:tint val="97000"/>
+                <a:satMod val="100000"/>
                 <a:lumMod val="102000"/>
-                <a:tint val="94000"/>
               </a:schemeClr>
             </a:gs>
             <a:gs pos="50000">
               <a:schemeClr val="phClr">
-                <a:satMod val="110000"/>
+                <a:shade val="100000"/>
+                <a:satMod val="103000"/>
                 <a:lumMod val="100000"/>
-                <a:shade val="100000"/>
               </a:schemeClr>
             </a:gs>
             <a:gs pos="100000">
               <a:schemeClr val="phClr">
+                <a:shade val="93000"/>
+                <a:satMod val="110000"/>
                 <a:lumMod val="99000"/>
-                <a:satMod val="120000"/>
-                <a:shade val="78000"/>
               </a:schemeClr>
             </a:gs>
           </a:gsLst>
@@ -7656,21 +6229,18 @@
             <a:schemeClr val="phClr"/>
           </a:solidFill>
           <a:prstDash val="solid"/>
-          <a:miter lim="800000"/>
         </a:ln>
         <a:ln w="12700" cap="flat" cmpd="sng" algn="ctr">
           <a:solidFill>
             <a:schemeClr val="phClr"/>
           </a:solidFill>
           <a:prstDash val="solid"/>
-          <a:miter lim="800000"/>
         </a:ln>
-        <a:ln w="19050" cap="flat" cmpd="sng" algn="ctr">
+        <a:ln w="31750" cap="flat" cmpd="sng" algn="ctr">
           <a:solidFill>
             <a:schemeClr val="phClr"/>
           </a:solidFill>
           <a:prstDash val="solid"/>
-          <a:miter lim="800000"/>
         </a:ln>
       </a:lnStyleLst>
       <a:effectStyleLst>
@@ -7682,12 +6252,21 @@
         </a:effectStyle>
         <a:effectStyle>
           <a:effectLst>
-            <a:outerShdw blurRad="57150" dist="19050" dir="5400000" algn="ctr" rotWithShape="0">
+            <a:outerShdw blurRad="55880" dist="15240" dir="5400000" algn="ctr" rotWithShape="0">
               <a:srgbClr val="000000">
-                <a:alpha val="63000"/>
+                <a:alpha val="45000"/>
               </a:srgbClr>
             </a:outerShdw>
           </a:effectLst>
+          <a:scene3d>
+            <a:camera prst="orthographicFront">
+              <a:rot lat="0" lon="0" rev="0"/>
+            </a:camera>
+            <a:lightRig rig="brightRoom" dir="tl"/>
+          </a:scene3d>
+          <a:sp3d prstMaterial="dkEdge">
+            <a:bevelT w="0" h="0"/>
+          </a:sp3d>
         </a:effectStyle>
       </a:effectStyleLst>
       <a:bgFillStyleLst>
@@ -7704,28 +6283,24 @@
           <a:gsLst>
             <a:gs pos="0">
               <a:schemeClr val="phClr">
-                <a:tint val="93000"/>
-                <a:satMod val="150000"/>
-                <a:shade val="98000"/>
-                <a:lumMod val="102000"/>
-              </a:schemeClr>
-            </a:gs>
-            <a:gs pos="50000">
-              <a:schemeClr val="phClr">
-                <a:tint val="98000"/>
-                <a:satMod val="130000"/>
-                <a:shade val="90000"/>
-                <a:lumMod val="103000"/>
+                <a:tint val="97000"/>
+                <a:shade val="100000"/>
+                <a:satMod val="185000"/>
+                <a:lumMod val="120000"/>
               </a:schemeClr>
             </a:gs>
             <a:gs pos="100000">
               <a:schemeClr val="phClr">
-                <a:shade val="63000"/>
-                <a:satMod val="120000"/>
+                <a:tint val="96000"/>
+                <a:shade val="95000"/>
+                <a:satMod val="215000"/>
+                <a:lumMod val="80000"/>
               </a:schemeClr>
             </a:gs>
           </a:gsLst>
-          <a:lin ang="5400000" scaled="0"/>
+          <a:path path="circle">
+            <a:fillToRect l="50000" t="55000" r="125000" b="100000"/>
+          </a:path>
         </a:gradFill>
       </a:bgFillStyleLst>
     </a:fmtScheme>
@@ -7734,7 +6309,7 @@
   <a:extraClrSchemeLst/>
   <a:extLst>
     <a:ext uri="{05A4C25C-085E-4340-85A3-A5531E510DB2}">
-      <thm15:themeFamily xmlns:thm15="http://schemas.microsoft.com/office/thememl/2012/main" name="Office Theme" id="{62F939B6-93AF-4DB8-9C6B-D6C7DFDC589F}" vid="{4A3C46E8-61CC-4603-A589-7422A47A8E4A}"/>
+      <thm15:themeFamily xmlns:thm15="http://schemas.microsoft.com/office/thememl/2012/main" name="Parcel" id="{8BEC4385-4EB9-4D53-BFB5-0EA123736B6D}" vid="{4DB32801-28C0-48B0-8C1D-A9A58613615A}"/>
     </a:ext>
   </a:extLst>
 </a:theme>

--- a/CS-6220/hw/Grad_Project/Paxos Algorithm.pptx
+++ b/CS-6220/hw/Grad_Project/Paxos Algorithm.pptx
@@ -4869,82 +4869,142 @@
         <p:spPr/>
         <p:txBody>
           <a:bodyPr>
-            <a:normAutofit/>
+            <a:normAutofit lnSpcReduction="10000"/>
           </a:bodyPr>
           <a:lstStyle/>
           <a:p>
-            <a:pPr lvl="0"/>
-            <a:r>
-              <a:rPr lang="en-US" dirty="0"/>
-              <a:t>Cao, Y., Chen, Z., Li, S. and Wu, S. (2018). </a:t>
+            <a:r>
+              <a:rPr lang="en-US" dirty="0"/>
+              <a:t>[1] Leslie </a:t>
+            </a:r>
+            <a:r>
+              <a:rPr lang="en-US" dirty="0" err="1"/>
+              <a:t>Lamport</a:t>
+            </a:r>
+            <a:r>
+              <a:rPr lang="en-US" dirty="0"/>
+              <a:t>, "</a:t>
+            </a:r>
+            <a:r>
+              <a:rPr lang="en-US" dirty="0" err="1"/>
+              <a:t>Paxos</a:t>
+            </a:r>
+            <a:r>
+              <a:rPr lang="en-US" dirty="0"/>
+              <a:t> Made Simple"</a:t>
             </a:r>
             <a:r>
               <a:rPr lang="en-US" i="1" dirty="0"/>
-              <a:t>Deterministic Browser</a:t>
-            </a:r>
-            <a:r>
-              <a:rPr lang="en-US" dirty="0"/>
-              <a:t>. [online] Arxiv.org. Available at: https://arxiv.org/abs/1708.06774 [Accessed 28 Nov. 2018].</a:t>
-            </a:r>
-          </a:p>
-          <a:p>
-            <a:pPr lvl="0"/>
-            <a:r>
-              <a:rPr lang="en-US" dirty="0"/>
-              <a:t>Chen, P., Yang, S., McCann J., et al. (2018). </a:t>
+              <a:t>, ACM SIGACT News (Distributed Computing Column) 32, 4 (Whole Number 121, December 2001)</a:t>
+            </a:r>
+            <a:r>
+              <a:rPr lang="en-US" dirty="0"/>
+              <a:t>, </a:t>
+            </a:r>
+            <a:r>
+              <a:rPr lang="en-US"/>
+              <a:t>December 2001</a:t>
+            </a:r>
+            <a:endParaRPr lang="en-US" dirty="0"/>
+          </a:p>
+          <a:p>
+            <a:r>
+              <a:rPr lang="en-US" dirty="0"/>
+              <a:t>[2] T. F. Rezende, P. Sutra, R. Q. Saramago, L. </a:t>
+            </a:r>
+            <a:r>
+              <a:rPr lang="en-US" dirty="0" err="1"/>
+              <a:t>Camargos</a:t>
+            </a:r>
+            <a:r>
+              <a:rPr lang="en-US" dirty="0"/>
+              <a:t>, "On Making Generalized </a:t>
+            </a:r>
+            <a:r>
+              <a:rPr lang="en-US" dirty="0" err="1"/>
+              <a:t>Paxos</a:t>
+            </a:r>
+            <a:r>
+              <a:rPr lang="en-US" dirty="0"/>
+              <a:t> Practical", </a:t>
             </a:r>
             <a:r>
               <a:rPr lang="en-US" i="1" dirty="0"/>
-              <a:t>Detection of false data injection attacks in smart-grid systems - IEEE Journals &amp; Magazine</a:t>
-            </a:r>
-            <a:r>
-              <a:rPr lang="en-US" dirty="0"/>
-              <a:t>. </a:t>
-            </a:r>
-          </a:p>
-          <a:p>
-            <a:pPr lvl="0"/>
-            <a:r>
-              <a:rPr lang="en-US" dirty="0"/>
-              <a:t>Liu, Y., Reiter, M. and Ning, P. (2018). </a:t>
+              <a:t>2017 IEEE 31st International Conference on Advanced Information Networking and Applications (AINA), </a:t>
+            </a:r>
+            <a:r>
+              <a:rPr lang="en-US" dirty="0"/>
+              <a:t>March 2017</a:t>
+            </a:r>
+          </a:p>
+          <a:p>
+            <a:r>
+              <a:rPr lang="en-US" dirty="0"/>
+              <a:t>[3] Tom </a:t>
+            </a:r>
+            <a:r>
+              <a:rPr lang="en-US" dirty="0" err="1"/>
+              <a:t>Cocagne</a:t>
+            </a:r>
+            <a:r>
+              <a:rPr lang="en-US" dirty="0"/>
+              <a:t>, Essential </a:t>
+            </a:r>
+            <a:r>
+              <a:rPr lang="en-US" dirty="0" err="1"/>
+              <a:t>Paxos</a:t>
+            </a:r>
+            <a:r>
+              <a:rPr lang="en-US" dirty="0"/>
+              <a:t>, January 2013, </a:t>
+            </a:r>
+            <a:r>
+              <a:rPr lang="en-US" dirty="0" err="1"/>
+              <a:t>Github</a:t>
+            </a:r>
+            <a:r>
+              <a:rPr lang="en-US" dirty="0"/>
+              <a:t> Repository, </a:t>
+            </a:r>
+            <a:r>
+              <a:rPr lang="en-US" u="sng" dirty="0">
+                <a:hlinkClick r:id="rId2"/>
+              </a:rPr>
+              <a:t>https://github.com/cocagne/paxos</a:t>
+            </a:r>
+            <a:r>
+              <a:rPr lang="en-US" dirty="0"/>
+              <a:t> </a:t>
+            </a:r>
+          </a:p>
+          <a:p>
+            <a:r>
+              <a:rPr lang="en-US" dirty="0"/>
+              <a:t>[4] Chandra, Tushar D., Robert </a:t>
+            </a:r>
+            <a:r>
+              <a:rPr lang="en-US" dirty="0" err="1"/>
+              <a:t>Griesemer</a:t>
+            </a:r>
+            <a:r>
+              <a:rPr lang="en-US" dirty="0"/>
+              <a:t>, and Joshua Redstone. "</a:t>
+            </a:r>
+            <a:r>
+              <a:rPr lang="en-US" dirty="0" err="1"/>
+              <a:t>Paxos</a:t>
+            </a:r>
+            <a:r>
+              <a:rPr lang="en-US" dirty="0"/>
+              <a:t> made live: an engineering perspective." </a:t>
             </a:r>
             <a:r>
               <a:rPr lang="en-US" i="1" dirty="0"/>
-              <a:t>False data injection attacks against state estimation in electric power grids</a:t>
-            </a:r>
-            <a:r>
-              <a:rPr lang="en-US" dirty="0"/>
-              <a:t>.</a:t>
-            </a:r>
-          </a:p>
-          <a:p>
-            <a:pPr lvl="0"/>
-            <a:r>
-              <a:rPr lang="en-US" dirty="0"/>
-              <a:t>Yu, R. (2018). </a:t>
-            </a:r>
-            <a:r>
-              <a:rPr lang="en-US" i="1" dirty="0" err="1"/>
-              <a:t>MixGroup</a:t>
-            </a:r>
-            <a:r>
-              <a:rPr lang="en-US" i="1" dirty="0"/>
-              <a:t>: Accumulative Pseudonym Exchanging for Location Privacy Enhancement in Vehicular Social Networks </a:t>
-            </a:r>
-          </a:p>
-          <a:p>
-            <a:pPr lvl="0"/>
-            <a:r>
-              <a:rPr lang="en-US" dirty="0"/>
-              <a:t>Quinn, E. (2018). </a:t>
-            </a:r>
-            <a:r>
-              <a:rPr lang="en-US" i="1" dirty="0"/>
-              <a:t>Privacy and the New Energy Infrastructure</a:t>
-            </a:r>
-            <a:r>
-              <a:rPr lang="en-US" dirty="0"/>
-              <a:t>.</a:t>
+              <a:t>Proceedings of the twenty-sixth annual ACM symposium on Principles of distributed computing</a:t>
+            </a:r>
+            <a:r>
+              <a:rPr lang="en-US" dirty="0"/>
+              <a:t>. ACM, 2007.</a:t>
             </a:r>
           </a:p>
         </p:txBody>
@@ -5089,12 +5149,6 @@
               <a:t>Paxos</a:t>
             </a:r>
             <a:endParaRPr lang="en-US" dirty="0"/>
-          </a:p>
-          <a:p>
-            <a:r>
-              <a:rPr lang="en-US" dirty="0"/>
-              <a:t>Results</a:t>
-            </a:r>
           </a:p>
           <a:p>
             <a:r>

--- a/CS-6220/hw/Grad_Project/Paxos Algorithm.pptx
+++ b/CS-6220/hw/Grad_Project/Paxos Algorithm.pptx
@@ -5269,14 +5269,22 @@
             </a:r>
             <a:r>
               <a:rPr lang="en-US" dirty="0"/>
-              <a:t>, a researcher in distributed algorithms and creator of LaTeX. The Part-Time Parliament</a:t>
+              <a:t>, a researcher in distributed algorithms and creator of LaTeX</a:t>
+            </a:r>
+            <a:r>
+              <a:rPr lang="en-US"/>
+              <a:t>. </a:t>
             </a:r>
           </a:p>
           <a:p>
             <a:pPr lvl="1"/>
             <a:r>
-              <a:rPr lang="en-US" dirty="0"/>
-              <a:t>The paper title was “The Part-Time Parliament” publish in ACM 1998.</a:t>
+              <a:rPr lang="en-US"/>
+              <a:t>The </a:t>
+            </a:r>
+            <a:r>
+              <a:rPr lang="en-US" dirty="0"/>
+              <a:t>paper title was “The Part-Time Parliament” publish in ACM 1998.</a:t>
             </a:r>
           </a:p>
           <a:p>

--- a/CS-6220/hw/Grad_Project/Paxos Algorithm.pptx
+++ b/CS-6220/hw/Grad_Project/Paxos Algorithm.pptx
@@ -884,6 +884,16 @@
               <a:t> focuses more on the data transferred, can be any size. However, security issues are prevalent. </a:t>
             </a:r>
           </a:p>
+          <a:p>
+            <a:pPr marL="171450" indent="-171450">
+              <a:buFontTx/>
+              <a:buChar char="-"/>
+            </a:pPr>
+            <a:r>
+              <a:rPr lang="en-US" dirty="0"/>
+              <a:t>Years of papers published 2004, 2009, 2010</a:t>
+            </a:r>
+          </a:p>
         </p:txBody>
       </p:sp>
       <p:sp>
@@ -966,7 +976,10 @@
           <a:bodyPr/>
           <a:lstStyle/>
           <a:p>
-            <a:endParaRPr lang="en-US" dirty="0"/>
+            <a:r>
+              <a:rPr lang="en-US" dirty="0"/>
+              <a:t>- Don’t actually need learners. Consensus is reached anyways.</a:t>
+            </a:r>
           </a:p>
         </p:txBody>
       </p:sp>
@@ -4671,11 +4684,31 @@
           <a:p>
             <a:r>
               <a:rPr lang="en-US" dirty="0"/>
-              <a:t>  </a:t>
-            </a:r>
-          </a:p>
-          <a:p>
-            <a:endParaRPr lang="en-US" b="1" dirty="0"/>
+              <a:t>  We use the definition of privacy parameter as differential privacy.  </a:t>
+            </a:r>
+            <a:r>
+              <a:rPr lang="en-US" dirty="0">
+                <a:latin typeface="Gill Sans MT(Body)"/>
+              </a:rPr>
+              <a:t>The </a:t>
+            </a:r>
+            <a:r>
+              <a:rPr lang="el-GR" b="1" dirty="0">
+                <a:latin typeface="Gill Sans MT(Body)"/>
+                <a:cs typeface="Times New Roman" panose="02020603050405020304" pitchFamily="18" charset="0"/>
+              </a:rPr>
+              <a:t>ε</a:t>
+            </a:r>
+            <a:r>
+              <a:rPr lang="en-US" dirty="0">
+                <a:latin typeface="Gill Sans MT(Body)"/>
+                <a:cs typeface="Times New Roman" panose="02020603050405020304" pitchFamily="18" charset="0"/>
+              </a:rPr>
+              <a:t> value between the continuous domain of [-1, 1] is our value to be proposed and accepted.</a:t>
+            </a:r>
+            <a:endParaRPr lang="en-US" b="1" dirty="0">
+              <a:latin typeface="Gill Sans MT(Body)"/>
+            </a:endParaRPr>
           </a:p>
           <a:p>
             <a:endParaRPr lang="en-US" dirty="0"/>
@@ -5246,7 +5279,7 @@
         <p:spPr>
           <a:xfrm>
             <a:off x="2231136" y="2638044"/>
-            <a:ext cx="7729728" cy="3666503"/>
+            <a:ext cx="7729728" cy="4001747"/>
           </a:xfrm>
         </p:spPr>
         <p:txBody>
@@ -5269,22 +5302,14 @@
             </a:r>
             <a:r>
               <a:rPr lang="en-US" dirty="0"/>
-              <a:t>, a researcher in distributed algorithms and creator of LaTeX</a:t>
-            </a:r>
-            <a:r>
-              <a:rPr lang="en-US"/>
-              <a:t>. </a:t>
+              <a:t>, a researcher in distributed algorithms and creator of LaTeX. </a:t>
             </a:r>
           </a:p>
           <a:p>
             <a:pPr lvl="1"/>
             <a:r>
-              <a:rPr lang="en-US"/>
-              <a:t>The </a:t>
-            </a:r>
-            <a:r>
-              <a:rPr lang="en-US" dirty="0"/>
-              <a:t>paper title was “The Part-Time Parliament” publish in ACM 1998.</a:t>
+              <a:rPr lang="en-US" dirty="0"/>
+              <a:t>The paper title was “The Part-Time Parliament” publish in ACM 1998.</a:t>
             </a:r>
           </a:p>
           <a:p>
@@ -5363,6 +5388,21 @@
             <a:r>
               <a:rPr lang="en-US" dirty="0"/>
               <a:t>.</a:t>
+            </a:r>
+          </a:p>
+          <a:p>
+            <a:pPr lvl="1"/>
+            <a:r>
+              <a:rPr lang="en-US" dirty="0"/>
+              <a:t>Google Paper: “</a:t>
+            </a:r>
+            <a:r>
+              <a:rPr lang="en-US" dirty="0" err="1"/>
+              <a:t>Paxos</a:t>
+            </a:r>
+            <a:r>
+              <a:rPr lang="en-US" dirty="0"/>
+              <a:t> Made Live”</a:t>
             </a:r>
           </a:p>
         </p:txBody>
@@ -5456,7 +5496,15 @@
           <a:p>
             <a:r>
               <a:rPr lang="en-US" dirty="0"/>
-              <a:t>Still relevant in today’s distributed world.</a:t>
+              <a:t>Still relevant in today’s distributed world, new implementations of </a:t>
+            </a:r>
+            <a:r>
+              <a:rPr lang="en-US" dirty="0" err="1"/>
+              <a:t>Paxos</a:t>
+            </a:r>
+            <a:r>
+              <a:rPr lang="en-US" dirty="0"/>
+              <a:t> happen with every new paper published. </a:t>
             </a:r>
           </a:p>
           <a:p>
@@ -5568,12 +5616,12 @@
         <p:spPr>
           <a:xfrm>
             <a:off x="2231136" y="2469601"/>
-            <a:ext cx="7729728" cy="4027452"/>
+            <a:ext cx="7729728" cy="4284490"/>
           </a:xfrm>
         </p:spPr>
         <p:txBody>
           <a:bodyPr>
-            <a:normAutofit/>
+            <a:normAutofit lnSpcReduction="10000"/>
           </a:bodyPr>
           <a:lstStyle/>
           <a:p>
@@ -5593,7 +5641,7 @@
             </a:r>
             <a:r>
               <a:rPr lang="en-US" dirty="0"/>
-              <a:t> uses a ledger of suggestions to keep track of proposed Messages and achieves consensus when</a:t>
+              <a:t> uses a ledger of suggestions to keep track of proposed Messages.</a:t>
             </a:r>
           </a:p>
           <a:p>
@@ -5615,6 +5663,17 @@
               <a:rPr lang="en-US" dirty="0"/>
               <a:t>Any peer can accept Messages and then either choose to accept or not accept the value. They send the Proposer(s) a Message with their answer.</a:t>
             </a:r>
+          </a:p>
+          <a:p>
+            <a:r>
+              <a:rPr lang="en-US" b="1" dirty="0"/>
+              <a:t>Learners: </a:t>
+            </a:r>
+            <a:r>
+              <a:rPr lang="en-US" dirty="0"/>
+              <a:t>Proposers play the role of the learner to see if consensus has been reached. They track the majority in the quorum. </a:t>
+            </a:r>
+            <a:endParaRPr lang="en-US" b="1" dirty="0"/>
           </a:p>
           <a:p>
             <a:r>

--- a/CS-6220/hw/Grad_Project/Paxos Algorithm.pptx
+++ b/CS-6220/hw/Grad_Project/Paxos Algorithm.pptx
@@ -5,10 +5,10 @@
     <p:sldMasterId id="2147483708" r:id="rId1"/>
   </p:sldMasterIdLst>
   <p:notesMasterIdLst>
-    <p:notesMasterId r:id="rId14"/>
+    <p:notesMasterId r:id="rId16"/>
   </p:notesMasterIdLst>
   <p:handoutMasterIdLst>
-    <p:handoutMasterId r:id="rId15"/>
+    <p:handoutMasterId r:id="rId17"/>
   </p:handoutMasterIdLst>
   <p:sldIdLst>
     <p:sldId id="256" r:id="rId2"/>
@@ -21,8 +21,10 @@
     <p:sldId id="264" r:id="rId9"/>
     <p:sldId id="274" r:id="rId10"/>
     <p:sldId id="279" r:id="rId11"/>
-    <p:sldId id="275" r:id="rId12"/>
-    <p:sldId id="267" r:id="rId13"/>
+    <p:sldId id="280" r:id="rId12"/>
+    <p:sldId id="281" r:id="rId13"/>
+    <p:sldId id="275" r:id="rId14"/>
+    <p:sldId id="267" r:id="rId15"/>
   </p:sldIdLst>
   <p:sldSz cx="12192000" cy="6858000"/>
   <p:notesSz cx="6858000" cy="9144000"/>
@@ -1209,6 +1211,177 @@
     <p:extLst>
       <p:ext uri="{BB962C8B-B14F-4D97-AF65-F5344CB8AC3E}">
         <p14:creationId xmlns:p14="http://schemas.microsoft.com/office/powerpoint/2010/main" val="3976892322"/>
+      </p:ext>
+    </p:extLst>
+  </p:cSld>
+  <p:clrMapOvr>
+    <a:masterClrMapping/>
+  </p:clrMapOvr>
+</p:notes>
+</file>
+
+<file path=ppt/notesSlides/notesSlide6.xml><?xml version="1.0" encoding="utf-8"?>
+<p:notes xmlns:a="http://schemas.openxmlformats.org/drawingml/2006/main" xmlns:r="http://schemas.openxmlformats.org/officeDocument/2006/relationships" xmlns:p="http://schemas.openxmlformats.org/presentationml/2006/main">
+  <p:cSld>
+    <p:spTree>
+      <p:nvGrpSpPr>
+        <p:cNvPr id="1" name=""/>
+        <p:cNvGrpSpPr/>
+        <p:nvPr/>
+      </p:nvGrpSpPr>
+      <p:grpSpPr>
+        <a:xfrm>
+          <a:off x="0" y="0"/>
+          <a:ext cx="0" cy="0"/>
+          <a:chOff x="0" y="0"/>
+          <a:chExt cx="0" cy="0"/>
+        </a:xfrm>
+      </p:grpSpPr>
+      <p:sp>
+        <p:nvSpPr>
+          <p:cNvPr id="2" name="Slide Image Placeholder 1"/>
+          <p:cNvSpPr>
+            <a:spLocks noGrp="1" noRot="1" noChangeAspect="1"/>
+          </p:cNvSpPr>
+          <p:nvPr>
+            <p:ph type="sldImg"/>
+          </p:nvPr>
+        </p:nvSpPr>
+        <p:spPr/>
+      </p:sp>
+      <p:sp>
+        <p:nvSpPr>
+          <p:cNvPr id="3" name="Notes Placeholder 2"/>
+          <p:cNvSpPr>
+            <a:spLocks noGrp="1"/>
+          </p:cNvSpPr>
+          <p:nvPr>
+            <p:ph type="body" idx="1"/>
+          </p:nvPr>
+        </p:nvSpPr>
+        <p:spPr/>
+        <p:txBody>
+          <a:bodyPr/>
+          <a:lstStyle/>
+          <a:p>
+            <a:r>
+              <a:rPr lang="en-US" dirty="0"/>
+              <a:t>- Using pseudorandom with seed for values, except substation value. </a:t>
+            </a:r>
+          </a:p>
+        </p:txBody>
+      </p:sp>
+      <p:sp>
+        <p:nvSpPr>
+          <p:cNvPr id="4" name="Slide Number Placeholder 3"/>
+          <p:cNvSpPr>
+            <a:spLocks noGrp="1"/>
+          </p:cNvSpPr>
+          <p:nvPr>
+            <p:ph type="sldNum" sz="quarter" idx="5"/>
+          </p:nvPr>
+        </p:nvSpPr>
+        <p:spPr/>
+        <p:txBody>
+          <a:bodyPr/>
+          <a:lstStyle/>
+          <a:p>
+            <a:fld id="{2C4C5C6A-5C69-4A81-8979-AFB55B1F027A}" type="slidenum">
+              <a:rPr lang="en-US" smtClean="0"/>
+              <a:t>11</a:t>
+            </a:fld>
+            <a:endParaRPr lang="en-US"/>
+          </a:p>
+        </p:txBody>
+      </p:sp>
+    </p:spTree>
+    <p:extLst>
+      <p:ext uri="{BB962C8B-B14F-4D97-AF65-F5344CB8AC3E}">
+        <p14:creationId xmlns:p14="http://schemas.microsoft.com/office/powerpoint/2010/main" val="238021936"/>
+      </p:ext>
+    </p:extLst>
+  </p:cSld>
+  <p:clrMapOvr>
+    <a:masterClrMapping/>
+  </p:clrMapOvr>
+</p:notes>
+</file>
+
+<file path=ppt/notesSlides/notesSlide7.xml><?xml version="1.0" encoding="utf-8"?>
+<p:notes xmlns:a="http://schemas.openxmlformats.org/drawingml/2006/main" xmlns:r="http://schemas.openxmlformats.org/officeDocument/2006/relationships" xmlns:p="http://schemas.openxmlformats.org/presentationml/2006/main">
+  <p:cSld>
+    <p:spTree>
+      <p:nvGrpSpPr>
+        <p:cNvPr id="1" name=""/>
+        <p:cNvGrpSpPr/>
+        <p:nvPr/>
+      </p:nvGrpSpPr>
+      <p:grpSpPr>
+        <a:xfrm>
+          <a:off x="0" y="0"/>
+          <a:ext cx="0" cy="0"/>
+          <a:chOff x="0" y="0"/>
+          <a:chExt cx="0" cy="0"/>
+        </a:xfrm>
+      </p:grpSpPr>
+      <p:sp>
+        <p:nvSpPr>
+          <p:cNvPr id="2" name="Slide Image Placeholder 1"/>
+          <p:cNvSpPr>
+            <a:spLocks noGrp="1" noRot="1" noChangeAspect="1"/>
+          </p:cNvSpPr>
+          <p:nvPr>
+            <p:ph type="sldImg"/>
+          </p:nvPr>
+        </p:nvSpPr>
+        <p:spPr/>
+      </p:sp>
+      <p:sp>
+        <p:nvSpPr>
+          <p:cNvPr id="3" name="Notes Placeholder 2"/>
+          <p:cNvSpPr>
+            <a:spLocks noGrp="1"/>
+          </p:cNvSpPr>
+          <p:nvPr>
+            <p:ph type="body" idx="1"/>
+          </p:nvPr>
+        </p:nvSpPr>
+        <p:spPr/>
+        <p:txBody>
+          <a:bodyPr/>
+          <a:lstStyle/>
+          <a:p>
+            <a:endParaRPr lang="en-US" dirty="0"/>
+          </a:p>
+        </p:txBody>
+      </p:sp>
+      <p:sp>
+        <p:nvSpPr>
+          <p:cNvPr id="4" name="Slide Number Placeholder 3"/>
+          <p:cNvSpPr>
+            <a:spLocks noGrp="1"/>
+          </p:cNvSpPr>
+          <p:nvPr>
+            <p:ph type="sldNum" sz="quarter" idx="5"/>
+          </p:nvPr>
+        </p:nvSpPr>
+        <p:spPr/>
+        <p:txBody>
+          <a:bodyPr/>
+          <a:lstStyle/>
+          <a:p>
+            <a:fld id="{2C4C5C6A-5C69-4A81-8979-AFB55B1F027A}" type="slidenum">
+              <a:rPr lang="en-US" smtClean="0"/>
+              <a:t>12</a:t>
+            </a:fld>
+            <a:endParaRPr lang="en-US"/>
+          </a:p>
+        </p:txBody>
+      </p:sp>
+    </p:spTree>
+    <p:extLst>
+      <p:ext uri="{BB962C8B-B14F-4D97-AF65-F5344CB8AC3E}">
+        <p14:creationId xmlns:p14="http://schemas.microsoft.com/office/powerpoint/2010/main" val="781620336"/>
       </p:ext>
     </p:extLst>
   </p:cSld>
@@ -4750,7 +4923,7 @@
           <p:cNvPr id="2" name="Title 1">
             <a:extLst>
               <a:ext uri="{FF2B5EF4-FFF2-40B4-BE49-F238E27FC236}">
-                <a16:creationId xmlns:a16="http://schemas.microsoft.com/office/drawing/2014/main" id="{265266D4-55D9-4FC9-A484-A3C9F23118E0}"/>
+                <a16:creationId xmlns:a16="http://schemas.microsoft.com/office/drawing/2014/main" id="{7E70F09F-AFFC-413C-920D-7A0FA81A233F}"/>
               </a:ext>
             </a:extLst>
           </p:cNvPr>
@@ -4768,8 +4941,13 @@
           <a:p>
             <a:r>
               <a:rPr lang="en-US" dirty="0"/>
-              <a:t>Conclusion</a:t>
-            </a:r>
+              <a:t>Implementation of </a:t>
+            </a:r>
+            <a:r>
+              <a:rPr lang="en-US" dirty="0" err="1"/>
+              <a:t>Paxos</a:t>
+            </a:r>
+            <a:endParaRPr lang="en-US" dirty="0"/>
           </a:p>
         </p:txBody>
       </p:sp>
@@ -4778,7 +4956,7 @@
           <p:cNvPr id="3" name="Content Placeholder 2">
             <a:extLst>
               <a:ext uri="{FF2B5EF4-FFF2-40B4-BE49-F238E27FC236}">
-                <a16:creationId xmlns:a16="http://schemas.microsoft.com/office/drawing/2014/main" id="{6F9FB915-F72D-4C26-A95D-1690B92FA1FA}"/>
+                <a16:creationId xmlns:a16="http://schemas.microsoft.com/office/drawing/2014/main" id="{42DC2726-2C32-4EFD-9349-2D6E1795EB9A}"/>
               </a:ext>
             </a:extLst>
           </p:cNvPr>
@@ -4795,40 +4973,74 @@
           <a:lstStyle/>
           <a:p>
             <a:r>
+              <a:rPr lang="en-US" dirty="0"/>
+              <a:t>In our code, we have our </a:t>
+            </a:r>
+            <a:r>
               <a:rPr lang="en-US" dirty="0" err="1"/>
               <a:t>Paxos</a:t>
             </a:r>
             <a:r>
               <a:rPr lang="en-US" dirty="0"/>
-              <a:t> is still relevant to the field of distributed computing. </a:t>
-            </a:r>
-          </a:p>
-          <a:p>
-            <a:r>
-              <a:rPr lang="en-US" dirty="0"/>
-              <a:t>We can show consensus being used in modern-day applications. </a:t>
-            </a:r>
-          </a:p>
-          <a:p>
-            <a:r>
-              <a:rPr lang="en-US" dirty="0"/>
-              <a:t>Understanding </a:t>
-            </a:r>
-            <a:r>
-              <a:rPr lang="en-US" dirty="0" err="1"/>
-              <a:t>Paxos</a:t>
-            </a:r>
-            <a:r>
-              <a:rPr lang="en-US" dirty="0"/>
-              <a:t> is still a topic that can be taught relatively simple and expanded upon.</a:t>
-            </a:r>
+              <a:t> implementation as follows:</a:t>
+            </a:r>
+          </a:p>
+          <a:p>
+            <a:pPr lvl="1"/>
+            <a:r>
+              <a:rPr lang="en-US" b="1" dirty="0" err="1"/>
+              <a:t>SubStation</a:t>
+            </a:r>
+            <a:r>
+              <a:rPr lang="en-US" b="1" dirty="0"/>
+              <a:t>: </a:t>
+            </a:r>
+            <a:r>
+              <a:rPr lang="en-US" dirty="0"/>
+              <a:t>is the proposer of the group. Picks privacy values and then broadcasts to all acceptors to propose values.</a:t>
+            </a:r>
+          </a:p>
+          <a:p>
+            <a:pPr lvl="1"/>
+            <a:r>
+              <a:rPr lang="en-US" b="1" dirty="0" err="1"/>
+              <a:t>SmartMeter</a:t>
+            </a:r>
+            <a:r>
+              <a:rPr lang="en-US" b="1" dirty="0"/>
+              <a:t>: </a:t>
+            </a:r>
+            <a:r>
+              <a:rPr lang="en-US" dirty="0"/>
+              <a:t>is the acceptor of the group. Rejects and accepts privacy values based on their chosen value. </a:t>
+            </a:r>
+          </a:p>
+          <a:p>
+            <a:pPr lvl="1"/>
+            <a:r>
+              <a:rPr lang="en-US" b="1" dirty="0" err="1"/>
+              <a:t>MeterMessenger</a:t>
+            </a:r>
+            <a:r>
+              <a:rPr lang="en-US" b="1" dirty="0"/>
+              <a:t>: </a:t>
+            </a:r>
+            <a:r>
+              <a:rPr lang="en-US" dirty="0"/>
+              <a:t>Handles messages between the two groups.</a:t>
+            </a:r>
+            <a:endParaRPr lang="en-US" b="1" dirty="0"/>
+          </a:p>
+          <a:p>
+            <a:pPr lvl="1"/>
+            <a:endParaRPr lang="en-US" dirty="0"/>
           </a:p>
         </p:txBody>
       </p:sp>
     </p:spTree>
     <p:extLst>
       <p:ext uri="{BB962C8B-B14F-4D97-AF65-F5344CB8AC3E}">
-        <p14:creationId xmlns:p14="http://schemas.microsoft.com/office/powerpoint/2010/main" val="121686699"/>
+        <p14:creationId xmlns:p14="http://schemas.microsoft.com/office/powerpoint/2010/main" val="1099382088"/>
       </p:ext>
     </p:extLst>
   </p:cSld>
@@ -4860,6 +5072,267 @@
           <p:cNvPr id="2" name="Title 1">
             <a:extLst>
               <a:ext uri="{FF2B5EF4-FFF2-40B4-BE49-F238E27FC236}">
+                <a16:creationId xmlns:a16="http://schemas.microsoft.com/office/drawing/2014/main" id="{7E70F09F-AFFC-413C-920D-7A0FA81A233F}"/>
+              </a:ext>
+            </a:extLst>
+          </p:cNvPr>
+          <p:cNvSpPr>
+            <a:spLocks noGrp="1"/>
+          </p:cNvSpPr>
+          <p:nvPr>
+            <p:ph type="title"/>
+          </p:nvPr>
+        </p:nvSpPr>
+        <p:spPr/>
+        <p:txBody>
+          <a:bodyPr/>
+          <a:lstStyle/>
+          <a:p>
+            <a:r>
+              <a:rPr lang="en-US" dirty="0"/>
+              <a:t>Implementation of </a:t>
+            </a:r>
+            <a:r>
+              <a:rPr lang="en-US" dirty="0" err="1"/>
+              <a:t>Paxos</a:t>
+            </a:r>
+            <a:endParaRPr lang="en-US" dirty="0"/>
+          </a:p>
+        </p:txBody>
+      </p:sp>
+      <p:sp>
+        <p:nvSpPr>
+          <p:cNvPr id="3" name="Content Placeholder 2">
+            <a:extLst>
+              <a:ext uri="{FF2B5EF4-FFF2-40B4-BE49-F238E27FC236}">
+                <a16:creationId xmlns:a16="http://schemas.microsoft.com/office/drawing/2014/main" id="{42DC2726-2C32-4EFD-9349-2D6E1795EB9A}"/>
+              </a:ext>
+            </a:extLst>
+          </p:cNvPr>
+          <p:cNvSpPr>
+            <a:spLocks noGrp="1"/>
+          </p:cNvSpPr>
+          <p:nvPr>
+            <p:ph idx="1"/>
+          </p:nvPr>
+        </p:nvSpPr>
+        <p:spPr/>
+        <p:txBody>
+          <a:bodyPr/>
+          <a:lstStyle/>
+          <a:p>
+            <a:r>
+              <a:rPr lang="en-US" dirty="0"/>
+              <a:t>Can this actually work in real life?</a:t>
+            </a:r>
+          </a:p>
+          <a:p>
+            <a:pPr lvl="1"/>
+            <a:r>
+              <a:rPr lang="en-US" dirty="0"/>
+              <a:t>…Maybe. Privacy works a little differently than just accepting and proposing values. Will need to add </a:t>
+            </a:r>
+            <a:r>
+              <a:rPr lang="en-US" dirty="0" err="1"/>
+              <a:t>Paxos</a:t>
+            </a:r>
+            <a:r>
+              <a:rPr lang="en-US" dirty="0"/>
+              <a:t> and Differential Privacy together. </a:t>
+            </a:r>
+          </a:p>
+          <a:p>
+            <a:pPr lvl="1"/>
+            <a:r>
+              <a:rPr lang="en-US" dirty="0"/>
+              <a:t>Chen et al. explains a voting process to fetter out malicious meters for a false data injection attack</a:t>
+            </a:r>
+          </a:p>
+          <a:p>
+            <a:pPr lvl="2"/>
+            <a:r>
+              <a:rPr lang="en-US" dirty="0"/>
+              <a:t>Uses similar emulation of state machines using state estimation</a:t>
+            </a:r>
+          </a:p>
+          <a:p>
+            <a:pPr lvl="2"/>
+            <a:r>
+              <a:rPr lang="en-US" dirty="0"/>
+              <a:t>Calculate a trusted, configurable space for smart meters</a:t>
+            </a:r>
+          </a:p>
+          <a:p>
+            <a:pPr lvl="2"/>
+            <a:r>
+              <a:rPr lang="en-US" dirty="0"/>
+              <a:t>Does the calculations after data collection, therefore neglecting privacy.</a:t>
+            </a:r>
+          </a:p>
+        </p:txBody>
+      </p:sp>
+    </p:spTree>
+    <p:extLst>
+      <p:ext uri="{BB962C8B-B14F-4D97-AF65-F5344CB8AC3E}">
+        <p14:creationId xmlns:p14="http://schemas.microsoft.com/office/powerpoint/2010/main" val="1218277604"/>
+      </p:ext>
+    </p:extLst>
+  </p:cSld>
+  <p:clrMapOvr>
+    <a:masterClrMapping/>
+  </p:clrMapOvr>
+</p:sld>
+</file>
+
+<file path=ppt/slides/slide13.xml><?xml version="1.0" encoding="utf-8"?>
+<p:sld xmlns:a="http://schemas.openxmlformats.org/drawingml/2006/main" xmlns:r="http://schemas.openxmlformats.org/officeDocument/2006/relationships" xmlns:p="http://schemas.openxmlformats.org/presentationml/2006/main">
+  <p:cSld>
+    <p:spTree>
+      <p:nvGrpSpPr>
+        <p:cNvPr id="1" name=""/>
+        <p:cNvGrpSpPr/>
+        <p:nvPr/>
+      </p:nvGrpSpPr>
+      <p:grpSpPr>
+        <a:xfrm>
+          <a:off x="0" y="0"/>
+          <a:ext cx="0" cy="0"/>
+          <a:chOff x="0" y="0"/>
+          <a:chExt cx="0" cy="0"/>
+        </a:xfrm>
+      </p:grpSpPr>
+      <p:sp>
+        <p:nvSpPr>
+          <p:cNvPr id="2" name="Title 1">
+            <a:extLst>
+              <a:ext uri="{FF2B5EF4-FFF2-40B4-BE49-F238E27FC236}">
+                <a16:creationId xmlns:a16="http://schemas.microsoft.com/office/drawing/2014/main" id="{265266D4-55D9-4FC9-A484-A3C9F23118E0}"/>
+              </a:ext>
+            </a:extLst>
+          </p:cNvPr>
+          <p:cNvSpPr>
+            <a:spLocks noGrp="1"/>
+          </p:cNvSpPr>
+          <p:nvPr>
+            <p:ph type="title"/>
+          </p:nvPr>
+        </p:nvSpPr>
+        <p:spPr/>
+        <p:txBody>
+          <a:bodyPr/>
+          <a:lstStyle/>
+          <a:p>
+            <a:r>
+              <a:rPr lang="en-US" dirty="0"/>
+              <a:t>Conclusion</a:t>
+            </a:r>
+          </a:p>
+        </p:txBody>
+      </p:sp>
+      <p:sp>
+        <p:nvSpPr>
+          <p:cNvPr id="3" name="Content Placeholder 2">
+            <a:extLst>
+              <a:ext uri="{FF2B5EF4-FFF2-40B4-BE49-F238E27FC236}">
+                <a16:creationId xmlns:a16="http://schemas.microsoft.com/office/drawing/2014/main" id="{6F9FB915-F72D-4C26-A95D-1690B92FA1FA}"/>
+              </a:ext>
+            </a:extLst>
+          </p:cNvPr>
+          <p:cNvSpPr>
+            <a:spLocks noGrp="1"/>
+          </p:cNvSpPr>
+          <p:nvPr>
+            <p:ph idx="1"/>
+          </p:nvPr>
+        </p:nvSpPr>
+        <p:spPr/>
+        <p:txBody>
+          <a:bodyPr/>
+          <a:lstStyle/>
+          <a:p>
+            <a:r>
+              <a:rPr lang="en-US" dirty="0" err="1"/>
+              <a:t>Paxos</a:t>
+            </a:r>
+            <a:r>
+              <a:rPr lang="en-US" dirty="0"/>
+              <a:t> is still relevant to the field of distributed computing. </a:t>
+            </a:r>
+          </a:p>
+          <a:p>
+            <a:r>
+              <a:rPr lang="en-US" dirty="0"/>
+              <a:t>We can show consensus being used in modern-day applications. </a:t>
+            </a:r>
+          </a:p>
+          <a:p>
+            <a:r>
+              <a:rPr lang="en-US" dirty="0"/>
+              <a:t>Understanding </a:t>
+            </a:r>
+            <a:r>
+              <a:rPr lang="en-US" dirty="0" err="1"/>
+              <a:t>Paxos</a:t>
+            </a:r>
+            <a:r>
+              <a:rPr lang="en-US" dirty="0"/>
+              <a:t> is still a topic that can be taught relatively simple and expanded upon via more and more published papers.</a:t>
+            </a:r>
+          </a:p>
+          <a:p>
+            <a:r>
+              <a:rPr lang="en-US" dirty="0"/>
+              <a:t>Consensus can be found in more than </a:t>
+            </a:r>
+            <a:r>
+              <a:rPr lang="en-US"/>
+              <a:t>one algorithm</a:t>
+            </a:r>
+            <a:r>
+              <a:rPr lang="en-US" dirty="0"/>
+              <a:t>.</a:t>
+            </a:r>
+          </a:p>
+          <a:p>
+            <a:endParaRPr lang="en-US" dirty="0"/>
+          </a:p>
+        </p:txBody>
+      </p:sp>
+    </p:spTree>
+    <p:extLst>
+      <p:ext uri="{BB962C8B-B14F-4D97-AF65-F5344CB8AC3E}">
+        <p14:creationId xmlns:p14="http://schemas.microsoft.com/office/powerpoint/2010/main" val="121686699"/>
+      </p:ext>
+    </p:extLst>
+  </p:cSld>
+  <p:clrMapOvr>
+    <a:masterClrMapping/>
+  </p:clrMapOvr>
+</p:sld>
+</file>
+
+<file path=ppt/slides/slide14.xml><?xml version="1.0" encoding="utf-8"?>
+<p:sld xmlns:a="http://schemas.openxmlformats.org/drawingml/2006/main" xmlns:r="http://schemas.openxmlformats.org/officeDocument/2006/relationships" xmlns:p="http://schemas.openxmlformats.org/presentationml/2006/main">
+  <p:cSld>
+    <p:spTree>
+      <p:nvGrpSpPr>
+        <p:cNvPr id="1" name=""/>
+        <p:cNvGrpSpPr/>
+        <p:nvPr/>
+      </p:nvGrpSpPr>
+      <p:grpSpPr>
+        <a:xfrm>
+          <a:off x="0" y="0"/>
+          <a:ext cx="0" cy="0"/>
+          <a:chOff x="0" y="0"/>
+          <a:chExt cx="0" cy="0"/>
+        </a:xfrm>
+      </p:grpSpPr>
+      <p:sp>
+        <p:nvSpPr>
+          <p:cNvPr id="2" name="Title 1">
+            <a:extLst>
+              <a:ext uri="{FF2B5EF4-FFF2-40B4-BE49-F238E27FC236}">
                 <a16:creationId xmlns:a16="http://schemas.microsoft.com/office/drawing/2014/main" id="{65D290DC-8D72-4F04-990C-890C964798D6}"/>
               </a:ext>
             </a:extLst>
@@ -4899,16 +5372,61 @@
             <p:ph idx="1"/>
           </p:nvPr>
         </p:nvSpPr>
-        <p:spPr/>
+        <p:spPr>
+          <a:xfrm>
+            <a:off x="2231136" y="2457571"/>
+            <a:ext cx="7729728" cy="3860102"/>
+          </a:xfrm>
+        </p:spPr>
         <p:txBody>
           <a:bodyPr>
-            <a:normAutofit lnSpcReduction="10000"/>
+            <a:normAutofit fontScale="92500" lnSpcReduction="10000"/>
           </a:bodyPr>
           <a:lstStyle/>
           <a:p>
-            <a:r>
-              <a:rPr lang="en-US" dirty="0"/>
-              <a:t>[1] Leslie </a:t>
+            <a:pPr marL="342900" lvl="0" indent="-342900">
+              <a:buFont typeface="+mj-lt"/>
+              <a:buAutoNum type="arabicPeriod"/>
+            </a:pPr>
+            <a:r>
+              <a:rPr lang="en-US" dirty="0"/>
+              <a:t>Chandra, Tushar D., Robert </a:t>
+            </a:r>
+            <a:r>
+              <a:rPr lang="en-US" dirty="0" err="1"/>
+              <a:t>Griesemer</a:t>
+            </a:r>
+            <a:r>
+              <a:rPr lang="en-US" dirty="0"/>
+              <a:t>, and Joshua Redstone. "</a:t>
+            </a:r>
+            <a:r>
+              <a:rPr lang="en-US" dirty="0" err="1"/>
+              <a:t>Paxos</a:t>
+            </a:r>
+            <a:r>
+              <a:rPr lang="en-US" dirty="0"/>
+              <a:t> made live: an engineering perspective." Proceedings of the twenty-sixth annual ACM symposium on Principles of distributed computing. ACM, 2007.</a:t>
+            </a:r>
+          </a:p>
+          <a:p>
+            <a:pPr marL="342900" lvl="0" indent="-342900">
+              <a:buFont typeface="+mj-lt"/>
+              <a:buAutoNum type="arabicPeriod"/>
+            </a:pPr>
+            <a:r>
+              <a:rPr lang="en-US" dirty="0"/>
+              <a:t>Chen, P., Yang, S., McCann J., et al. (2018). Detection of false data injection attacks in smart-grid systems - IEEE Journals &amp; Magazine. </a:t>
+            </a:r>
+          </a:p>
+          <a:p>
+            <a:pPr marL="342900" lvl="0" indent="-342900">
+              <a:buFont typeface="+mj-lt"/>
+              <a:buAutoNum type="arabicPeriod"/>
+            </a:pPr>
+            <a:r>
+              <a:rPr lang="en-US" dirty="0"/>
+              <a:t>Leslie </a:t>
             </a:r>
             <a:r>
               <a:rPr lang="en-US" dirty="0" err="1"/>
@@ -4924,26 +5442,17 @@
             </a:r>
             <a:r>
               <a:rPr lang="en-US" dirty="0"/>
-              <a:t> Made Simple"</a:t>
-            </a:r>
-            <a:r>
-              <a:rPr lang="en-US" i="1" dirty="0"/>
-              <a:t>, ACM SIGACT News (Distributed Computing Column) 32, 4 (Whole Number 121, December 2001)</a:t>
-            </a:r>
-            <a:r>
-              <a:rPr lang="en-US" dirty="0"/>
-              <a:t>, </a:t>
-            </a:r>
-            <a:r>
-              <a:rPr lang="en-US"/>
-              <a:t>December 2001</a:t>
-            </a:r>
-            <a:endParaRPr lang="en-US" dirty="0"/>
-          </a:p>
-          <a:p>
-            <a:r>
-              <a:rPr lang="en-US" dirty="0"/>
-              <a:t>[2] T. F. Rezende, P. Sutra, R. Q. Saramago, L. </a:t>
+              <a:t> Made Simple", ACM SIGACT News (Distributed Computing Column) 32, 4 (Whole Number 121, December 2001), December 2001</a:t>
+            </a:r>
+          </a:p>
+          <a:p>
+            <a:pPr marL="342900" lvl="0" indent="-342900">
+              <a:buFont typeface="+mj-lt"/>
+              <a:buAutoNum type="arabicPeriod"/>
+            </a:pPr>
+            <a:r>
+              <a:rPr lang="en-US" dirty="0"/>
+              <a:t>T. F. Rezende, P. Sutra, R. Q. Saramago, L. </a:t>
             </a:r>
             <a:r>
               <a:rPr lang="en-US" dirty="0" err="1"/>
@@ -4959,21 +5468,17 @@
             </a:r>
             <a:r>
               <a:rPr lang="en-US" dirty="0"/>
-              <a:t> Practical", </a:t>
-            </a:r>
-            <a:r>
-              <a:rPr lang="en-US" i="1" dirty="0"/>
-              <a:t>2017 IEEE 31st International Conference on Advanced Information Networking and Applications (AINA), </a:t>
-            </a:r>
-            <a:r>
-              <a:rPr lang="en-US" dirty="0"/>
-              <a:t>March 2017</a:t>
-            </a:r>
-          </a:p>
-          <a:p>
-            <a:r>
-              <a:rPr lang="en-US" dirty="0"/>
-              <a:t>[3] Tom </a:t>
+              <a:t> Practical", 2017 IEEE 31st International Conference on Advanced Information Networking and Applications (AINA), March 2017</a:t>
+            </a:r>
+          </a:p>
+          <a:p>
+            <a:pPr marL="342900" lvl="0" indent="-342900">
+              <a:buFont typeface="+mj-lt"/>
+              <a:buAutoNum type="arabicPeriod"/>
+            </a:pPr>
+            <a:r>
+              <a:rPr lang="en-US" dirty="0"/>
+              <a:t>Tom </a:t>
             </a:r>
             <a:r>
               <a:rPr lang="en-US" dirty="0" err="1"/>
@@ -4997,47 +5502,7 @@
             </a:r>
             <a:r>
               <a:rPr lang="en-US" dirty="0"/>
-              <a:t> Repository, </a:t>
-            </a:r>
-            <a:r>
-              <a:rPr lang="en-US" u="sng" dirty="0">
-                <a:hlinkClick r:id="rId2"/>
-              </a:rPr>
-              <a:t>https://github.com/cocagne/paxos</a:t>
-            </a:r>
-            <a:r>
-              <a:rPr lang="en-US" dirty="0"/>
-              <a:t> </a:t>
-            </a:r>
-          </a:p>
-          <a:p>
-            <a:r>
-              <a:rPr lang="en-US" dirty="0"/>
-              <a:t>[4] Chandra, Tushar D., Robert </a:t>
-            </a:r>
-            <a:r>
-              <a:rPr lang="en-US" dirty="0" err="1"/>
-              <a:t>Griesemer</a:t>
-            </a:r>
-            <a:r>
-              <a:rPr lang="en-US" dirty="0"/>
-              <a:t>, and Joshua Redstone. "</a:t>
-            </a:r>
-            <a:r>
-              <a:rPr lang="en-US" dirty="0" err="1"/>
-              <a:t>Paxos</a:t>
-            </a:r>
-            <a:r>
-              <a:rPr lang="en-US" dirty="0"/>
-              <a:t> made live: an engineering perspective." </a:t>
-            </a:r>
-            <a:r>
-              <a:rPr lang="en-US" i="1" dirty="0"/>
-              <a:t>Proceedings of the twenty-sixth annual ACM symposium on Principles of distributed computing</a:t>
-            </a:r>
-            <a:r>
-              <a:rPr lang="en-US" dirty="0"/>
-              <a:t>. ACM, 2007.</a:t>
+              <a:t> Repository, https://github.com/cocagne/paxos </a:t>
             </a:r>
           </a:p>
         </p:txBody>
